--- a/Presentation draft.pptx
+++ b/Presentation draft.pptx
@@ -7,13 +7,16 @@
   <p:sldIdLst>
     <p:sldId id="257" r:id="rId2"/>
     <p:sldId id="262" r:id="rId3"/>
-    <p:sldId id="259" r:id="rId4"/>
-    <p:sldId id="264" r:id="rId5"/>
-    <p:sldId id="265" r:id="rId6"/>
-    <p:sldId id="266" r:id="rId7"/>
-    <p:sldId id="263" r:id="rId8"/>
-    <p:sldId id="267" r:id="rId9"/>
-    <p:sldId id="268" r:id="rId10"/>
+    <p:sldId id="272" r:id="rId4"/>
+    <p:sldId id="271" r:id="rId5"/>
+    <p:sldId id="273" r:id="rId6"/>
+    <p:sldId id="259" r:id="rId7"/>
+    <p:sldId id="264" r:id="rId8"/>
+    <p:sldId id="265" r:id="rId9"/>
+    <p:sldId id="266" r:id="rId10"/>
+    <p:sldId id="263" r:id="rId11"/>
+    <p:sldId id="267" r:id="rId12"/>
+    <p:sldId id="268" r:id="rId13"/>
   </p:sldIdLst>
   <p:sldSz cx="12192000" cy="6858000"/>
   <p:notesSz cx="6858000" cy="9144000"/>
@@ -112,6 +115,11 @@
       </a:defRPr>
     </a:lvl9pPr>
   </p:defaultTextStyle>
+  <p:extLst>
+    <p:ext uri="{EFAFB233-063F-42B5-8137-9DF3F51BA10A}">
+      <p15:sldGuideLst xmlns:p15="http://schemas.microsoft.com/office/powerpoint/2012/main"/>
+    </p:ext>
+  </p:extLst>
 </p:presentation>
 </file>
 
@@ -1975,8 +1983,13 @@
         <a:bodyPr/>
         <a:lstStyle/>
         <a:p>
+          <a:pPr>
+            <a:lnSpc>
+              <a:spcPct val="100000"/>
+            </a:lnSpc>
+          </a:pPr>
           <a:r>
-            <a:rPr lang="en-US"/>
+            <a:rPr lang="en-US" dirty="0"/>
             <a:t>Conclusions</a:t>
           </a:r>
         </a:p>
@@ -2011,6 +2024,11 @@
         <a:bodyPr/>
         <a:lstStyle/>
         <a:p>
+          <a:pPr>
+            <a:lnSpc>
+              <a:spcPct val="100000"/>
+            </a:lnSpc>
+          </a:pPr>
           <a:r>
             <a:rPr lang="en-US"/>
             <a:t>Dataset limitations</a:t>
@@ -2047,6 +2065,11 @@
         <a:bodyPr/>
         <a:lstStyle/>
         <a:p>
+          <a:pPr>
+            <a:lnSpc>
+              <a:spcPct val="100000"/>
+            </a:lnSpc>
+          </a:pPr>
           <a:r>
             <a:rPr lang="en-US" dirty="0"/>
             <a:t>Possible tables and/or graphs</a:t>
@@ -2076,6 +2099,104 @@
         </a:p>
       </dgm:t>
     </dgm:pt>
+    <dgm:pt modelId="{989EAF98-F4DD-4D20-8658-4B0E1AB9D6AF}">
+      <dgm:prSet/>
+      <dgm:spPr/>
+      <dgm:t>
+        <a:bodyPr/>
+        <a:lstStyle/>
+        <a:p>
+          <a:pPr>
+            <a:lnSpc>
+              <a:spcPct val="100000"/>
+            </a:lnSpc>
+          </a:pPr>
+          <a:r>
+            <a:rPr lang="en-US" dirty="0"/>
+            <a:t>Problem Statement</a:t>
+          </a:r>
+        </a:p>
+      </dgm:t>
+    </dgm:pt>
+    <dgm:pt modelId="{E4976012-DD69-4FC4-B435-9231F15FDAFA}" type="parTrans" cxnId="{CC05C340-4EC4-4D5B-B611-0F570F0F61C3}">
+      <dgm:prSet/>
+      <dgm:spPr/>
+      <dgm:t>
+        <a:bodyPr/>
+        <a:lstStyle/>
+        <a:p>
+          <a:endParaRPr lang="en-US"/>
+        </a:p>
+      </dgm:t>
+    </dgm:pt>
+    <dgm:pt modelId="{937F6098-5EA1-4BDF-A318-15830806B549}" type="sibTrans" cxnId="{CC05C340-4EC4-4D5B-B611-0F570F0F61C3}">
+      <dgm:prSet/>
+      <dgm:spPr/>
+      <dgm:t>
+        <a:bodyPr/>
+        <a:lstStyle/>
+        <a:p>
+          <a:endParaRPr lang="en-US"/>
+        </a:p>
+      </dgm:t>
+    </dgm:pt>
+    <dgm:pt modelId="{43CAF3CC-0C6A-48F5-A48E-3E997221CDC8}">
+      <dgm:prSet/>
+      <dgm:spPr/>
+      <dgm:t>
+        <a:bodyPr/>
+        <a:lstStyle/>
+        <a:p>
+          <a:pPr>
+            <a:lnSpc>
+              <a:spcPct val="100000"/>
+            </a:lnSpc>
+          </a:pPr>
+          <a:r>
+            <a:rPr lang="en-US" dirty="0">
+              <a:solidFill>
+                <a:schemeClr val="tx1"/>
+              </a:solidFill>
+            </a:rPr>
+            <a:t>Description of Data</a:t>
+          </a:r>
+          <a:br>
+            <a:rPr lang="en-US" dirty="0">
+              <a:solidFill>
+                <a:schemeClr val="tx1"/>
+              </a:solidFill>
+            </a:rPr>
+          </a:br>
+          <a:endParaRPr lang="en-US" dirty="0">
+            <a:solidFill>
+              <a:schemeClr val="tx1"/>
+            </a:solidFill>
+          </a:endParaRPr>
+        </a:p>
+      </dgm:t>
+    </dgm:pt>
+    <dgm:pt modelId="{3044075F-9DD9-4AFC-9BBB-A0551233608F}" type="parTrans" cxnId="{87D75338-9E12-416E-8A42-39D73278ABB1}">
+      <dgm:prSet/>
+      <dgm:spPr/>
+      <dgm:t>
+        <a:bodyPr/>
+        <a:lstStyle/>
+        <a:p>
+          <a:endParaRPr lang="en-US"/>
+        </a:p>
+      </dgm:t>
+    </dgm:pt>
+    <dgm:pt modelId="{AF98FCA9-7A6A-4273-879B-34EB03E11AB3}" type="sibTrans" cxnId="{87D75338-9E12-416E-8A42-39D73278ABB1}">
+      <dgm:prSet/>
+      <dgm:spPr/>
+      <dgm:t>
+        <a:bodyPr/>
+        <a:lstStyle/>
+        <a:p>
+          <a:endParaRPr lang="en-US"/>
+        </a:p>
+      </dgm:t>
+    </dgm:pt>
     <dgm:pt modelId="{E5C49B9A-BB17-419D-9B1B-AAFA00D1F6DB}" type="pres">
       <dgm:prSet presAssocID="{8F3AB6BB-800A-4220-A416-82D749F1CF41}" presName="root" presStyleCnt="0">
         <dgm:presLayoutVars>
@@ -2085,25 +2206,99 @@
       </dgm:prSet>
       <dgm:spPr/>
     </dgm:pt>
+    <dgm:pt modelId="{F0A1A2B9-F081-484E-B9F0-34E64F0F2C93}" type="pres">
+      <dgm:prSet presAssocID="{989EAF98-F4DD-4D20-8658-4B0E1AB9D6AF}" presName="compNode" presStyleCnt="0"/>
+      <dgm:spPr/>
+    </dgm:pt>
+    <dgm:pt modelId="{6593F552-022C-467C-9CB8-56A7BB7CAB63}" type="pres">
+      <dgm:prSet presAssocID="{989EAF98-F4DD-4D20-8658-4B0E1AB9D6AF}" presName="bgRect" presStyleLbl="bgShp" presStyleIdx="0" presStyleCnt="5"/>
+      <dgm:spPr/>
+    </dgm:pt>
+    <dgm:pt modelId="{2EF26825-EF4F-421C-9EEC-68C089EDDCA9}" type="pres">
+      <dgm:prSet presAssocID="{989EAF98-F4DD-4D20-8658-4B0E1AB9D6AF}" presName="iconRect" presStyleLbl="node1" presStyleIdx="0" presStyleCnt="5"/>
+      <dgm:spPr>
+        <a:blipFill>
+          <a:blip xmlns:r="http://schemas.openxmlformats.org/officeDocument/2006/relationships" r:embed="rId1"/>
+          <a:srcRect/>
+          <a:stretch>
+            <a:fillRect l="-20000" r="-20000"/>
+          </a:stretch>
+        </a:blipFill>
+      </dgm:spPr>
+    </dgm:pt>
+    <dgm:pt modelId="{62182428-765C-44F6-AA8D-1DE59DD1C40D}" type="pres">
+      <dgm:prSet presAssocID="{989EAF98-F4DD-4D20-8658-4B0E1AB9D6AF}" presName="spaceRect" presStyleCnt="0"/>
+      <dgm:spPr/>
+    </dgm:pt>
+    <dgm:pt modelId="{72E6D0DF-0B1D-4551-B5E2-2BB75BD60BA0}" type="pres">
+      <dgm:prSet presAssocID="{989EAF98-F4DD-4D20-8658-4B0E1AB9D6AF}" presName="parTx" presStyleLbl="revTx" presStyleIdx="0" presStyleCnt="5">
+        <dgm:presLayoutVars>
+          <dgm:chMax val="0"/>
+          <dgm:chPref val="0"/>
+        </dgm:presLayoutVars>
+      </dgm:prSet>
+      <dgm:spPr/>
+    </dgm:pt>
+    <dgm:pt modelId="{1B6F28D9-87E3-4CAB-A6C3-F6AA9CEB93B8}" type="pres">
+      <dgm:prSet presAssocID="{937F6098-5EA1-4BDF-A318-15830806B549}" presName="sibTrans" presStyleCnt="0"/>
+      <dgm:spPr/>
+    </dgm:pt>
+    <dgm:pt modelId="{0A74085C-E344-4A36-8BD7-C6AE2A502B58}" type="pres">
+      <dgm:prSet presAssocID="{43CAF3CC-0C6A-48F5-A48E-3E997221CDC8}" presName="compNode" presStyleCnt="0"/>
+      <dgm:spPr/>
+    </dgm:pt>
+    <dgm:pt modelId="{2B413C54-71E7-468D-ADB7-8686F405B5A4}" type="pres">
+      <dgm:prSet presAssocID="{43CAF3CC-0C6A-48F5-A48E-3E997221CDC8}" presName="bgRect" presStyleLbl="bgShp" presStyleIdx="1" presStyleCnt="5"/>
+      <dgm:spPr/>
+    </dgm:pt>
+    <dgm:pt modelId="{5FB71A3F-F5EC-45BF-9894-D62BFF9E8E3A}" type="pres">
+      <dgm:prSet presAssocID="{43CAF3CC-0C6A-48F5-A48E-3E997221CDC8}" presName="iconRect" presStyleLbl="node1" presStyleIdx="1" presStyleCnt="5"/>
+      <dgm:spPr>
+        <a:blipFill>
+          <a:blip xmlns:r="http://schemas.openxmlformats.org/officeDocument/2006/relationships" r:embed="rId2"/>
+          <a:srcRect/>
+          <a:stretch>
+            <a:fillRect l="-28000" r="-28000"/>
+          </a:stretch>
+        </a:blipFill>
+      </dgm:spPr>
+    </dgm:pt>
+    <dgm:pt modelId="{5AC08292-491B-4823-BF10-F4343F4F5A2E}" type="pres">
+      <dgm:prSet presAssocID="{43CAF3CC-0C6A-48F5-A48E-3E997221CDC8}" presName="spaceRect" presStyleCnt="0"/>
+      <dgm:spPr/>
+    </dgm:pt>
+    <dgm:pt modelId="{54AEEBDF-2ECD-4A2B-9233-A08617897DBF}" type="pres">
+      <dgm:prSet presAssocID="{43CAF3CC-0C6A-48F5-A48E-3E997221CDC8}" presName="parTx" presStyleLbl="revTx" presStyleIdx="1" presStyleCnt="5">
+        <dgm:presLayoutVars>
+          <dgm:chMax val="0"/>
+          <dgm:chPref val="0"/>
+        </dgm:presLayoutVars>
+      </dgm:prSet>
+      <dgm:spPr/>
+    </dgm:pt>
+    <dgm:pt modelId="{E6CF267F-2CCB-454E-BBF7-2B4A096760A4}" type="pres">
+      <dgm:prSet presAssocID="{AF98FCA9-7A6A-4273-879B-34EB03E11AB3}" presName="sibTrans" presStyleCnt="0"/>
+      <dgm:spPr/>
+    </dgm:pt>
     <dgm:pt modelId="{5847CCD3-C6F0-4D7F-B5DC-C85302FBA914}" type="pres">
       <dgm:prSet presAssocID="{5D5747B1-04BD-47B1-99B5-6B9097D6F8F4}" presName="compNode" presStyleCnt="0"/>
       <dgm:spPr/>
     </dgm:pt>
     <dgm:pt modelId="{8BDD6AF9-219A-470F-9360-21C54D4384A0}" type="pres">
-      <dgm:prSet presAssocID="{5D5747B1-04BD-47B1-99B5-6B9097D6F8F4}" presName="bgRect" presStyleLbl="bgShp" presStyleIdx="0" presStyleCnt="3"/>
+      <dgm:prSet presAssocID="{5D5747B1-04BD-47B1-99B5-6B9097D6F8F4}" presName="bgRect" presStyleLbl="bgShp" presStyleIdx="2" presStyleCnt="5"/>
       <dgm:spPr/>
     </dgm:pt>
     <dgm:pt modelId="{D5824FD5-3ED6-4E94-9DF2-C34B0062E2FF}" type="pres">
-      <dgm:prSet presAssocID="{5D5747B1-04BD-47B1-99B5-6B9097D6F8F4}" presName="iconRect" presStyleLbl="node1" presStyleIdx="0" presStyleCnt="3"/>
+      <dgm:prSet presAssocID="{5D5747B1-04BD-47B1-99B5-6B9097D6F8F4}" presName="iconRect" presStyleLbl="node1" presStyleIdx="2" presStyleCnt="5"/>
       <dgm:spPr>
         <a:blipFill>
-          <a:blip xmlns:r="http://schemas.openxmlformats.org/officeDocument/2006/relationships" r:embed="rId1">
+          <a:blip xmlns:r="http://schemas.openxmlformats.org/officeDocument/2006/relationships" r:embed="rId3">
             <a:extLst>
               <a:ext uri="{28A0092B-C50C-407E-A947-70E740481C1C}">
                 <a14:useLocalDpi xmlns:a14="http://schemas.microsoft.com/office/drawing/2010/main" val="0"/>
               </a:ext>
               <a:ext uri="{96DAC541-7B7A-43D3-8B79-37D633B846F1}">
-                <asvg:svgBlip xmlns:asvg="http://schemas.microsoft.com/office/drawing/2016/SVG/main" r:embed="rId2"/>
+                <asvg:svgBlip xmlns:asvg="http://schemas.microsoft.com/office/drawing/2016/SVG/main" r:embed="rId4"/>
               </a:ext>
             </a:extLst>
           </a:blip>
@@ -2126,7 +2321,7 @@
       <dgm:spPr/>
     </dgm:pt>
     <dgm:pt modelId="{3F38408C-55E1-4CF5-A530-8B026F5D2D2C}" type="pres">
-      <dgm:prSet presAssocID="{5D5747B1-04BD-47B1-99B5-6B9097D6F8F4}" presName="parTx" presStyleLbl="revTx" presStyleIdx="0" presStyleCnt="3">
+      <dgm:prSet presAssocID="{5D5747B1-04BD-47B1-99B5-6B9097D6F8F4}" presName="parTx" presStyleLbl="revTx" presStyleIdx="2" presStyleCnt="5">
         <dgm:presLayoutVars>
           <dgm:chMax val="0"/>
           <dgm:chPref val="0"/>
@@ -2143,20 +2338,20 @@
       <dgm:spPr/>
     </dgm:pt>
     <dgm:pt modelId="{E95C9F92-928C-411A-9673-FB453CC10E93}" type="pres">
-      <dgm:prSet presAssocID="{18F3DFFA-CD54-436D-B7EC-D669E0115F48}" presName="bgRect" presStyleLbl="bgShp" presStyleIdx="1" presStyleCnt="3"/>
+      <dgm:prSet presAssocID="{18F3DFFA-CD54-436D-B7EC-D669E0115F48}" presName="bgRect" presStyleLbl="bgShp" presStyleIdx="3" presStyleCnt="5"/>
       <dgm:spPr/>
     </dgm:pt>
     <dgm:pt modelId="{24733D9B-3B52-4C11-8F02-AA0D72289F55}" type="pres">
-      <dgm:prSet presAssocID="{18F3DFFA-CD54-436D-B7EC-D669E0115F48}" presName="iconRect" presStyleLbl="node1" presStyleIdx="1" presStyleCnt="3"/>
+      <dgm:prSet presAssocID="{18F3DFFA-CD54-436D-B7EC-D669E0115F48}" presName="iconRect" presStyleLbl="node1" presStyleIdx="3" presStyleCnt="5"/>
       <dgm:spPr>
         <a:blipFill>
-          <a:blip xmlns:r="http://schemas.openxmlformats.org/officeDocument/2006/relationships" r:embed="rId3">
+          <a:blip xmlns:r="http://schemas.openxmlformats.org/officeDocument/2006/relationships" r:embed="rId5">
             <a:extLst>
               <a:ext uri="{28A0092B-C50C-407E-A947-70E740481C1C}">
                 <a14:useLocalDpi xmlns:a14="http://schemas.microsoft.com/office/drawing/2010/main" val="0"/>
               </a:ext>
               <a:ext uri="{96DAC541-7B7A-43D3-8B79-37D633B846F1}">
-                <asvg:svgBlip xmlns:asvg="http://schemas.microsoft.com/office/drawing/2016/SVG/main" r:embed="rId4"/>
+                <asvg:svgBlip xmlns:asvg="http://schemas.microsoft.com/office/drawing/2016/SVG/main" r:embed="rId6"/>
               </a:ext>
             </a:extLst>
           </a:blip>
@@ -2179,7 +2374,7 @@
       <dgm:spPr/>
     </dgm:pt>
     <dgm:pt modelId="{1C8B4858-6FC7-4AEA-9772-4E5EDBB128D4}" type="pres">
-      <dgm:prSet presAssocID="{18F3DFFA-CD54-436D-B7EC-D669E0115F48}" presName="parTx" presStyleLbl="revTx" presStyleIdx="1" presStyleCnt="3">
+      <dgm:prSet presAssocID="{18F3DFFA-CD54-436D-B7EC-D669E0115F48}" presName="parTx" presStyleLbl="revTx" presStyleIdx="3" presStyleCnt="5">
         <dgm:presLayoutVars>
           <dgm:chMax val="0"/>
           <dgm:chPref val="0"/>
@@ -2196,20 +2391,20 @@
       <dgm:spPr/>
     </dgm:pt>
     <dgm:pt modelId="{99A0F258-036C-4AFB-AD42-E141E67E5FE4}" type="pres">
-      <dgm:prSet presAssocID="{BC048F8F-37A1-4EC6-857A-7DEDAE2CDF99}" presName="bgRect" presStyleLbl="bgShp" presStyleIdx="2" presStyleCnt="3"/>
+      <dgm:prSet presAssocID="{BC048F8F-37A1-4EC6-857A-7DEDAE2CDF99}" presName="bgRect" presStyleLbl="bgShp" presStyleIdx="4" presStyleCnt="5"/>
       <dgm:spPr/>
     </dgm:pt>
     <dgm:pt modelId="{3568F2CA-CF4C-4DFF-AFCB-9EF64629910D}" type="pres">
-      <dgm:prSet presAssocID="{BC048F8F-37A1-4EC6-857A-7DEDAE2CDF99}" presName="iconRect" presStyleLbl="node1" presStyleIdx="2" presStyleCnt="3"/>
+      <dgm:prSet presAssocID="{BC048F8F-37A1-4EC6-857A-7DEDAE2CDF99}" presName="iconRect" presStyleLbl="node1" presStyleIdx="4" presStyleCnt="5"/>
       <dgm:spPr>
         <a:blipFill>
-          <a:blip xmlns:r="http://schemas.openxmlformats.org/officeDocument/2006/relationships" r:embed="rId5">
+          <a:blip xmlns:r="http://schemas.openxmlformats.org/officeDocument/2006/relationships" r:embed="rId7">
             <a:extLst>
               <a:ext uri="{28A0092B-C50C-407E-A947-70E740481C1C}">
                 <a14:useLocalDpi xmlns:a14="http://schemas.microsoft.com/office/drawing/2010/main" val="0"/>
               </a:ext>
               <a:ext uri="{96DAC541-7B7A-43D3-8B79-37D633B846F1}">
-                <asvg:svgBlip xmlns:asvg="http://schemas.microsoft.com/office/drawing/2016/SVG/main" r:embed="rId6"/>
+                <asvg:svgBlip xmlns:asvg="http://schemas.microsoft.com/office/drawing/2016/SVG/main" r:embed="rId8"/>
               </a:ext>
             </a:extLst>
           </a:blip>
@@ -2232,7 +2427,7 @@
       <dgm:spPr/>
     </dgm:pt>
     <dgm:pt modelId="{70C7E1D8-4EC7-4882-860B-7D5E43681625}" type="pres">
-      <dgm:prSet presAssocID="{BC048F8F-37A1-4EC6-857A-7DEDAE2CDF99}" presName="parTx" presStyleLbl="revTx" presStyleIdx="2" presStyleCnt="3">
+      <dgm:prSet presAssocID="{BC048F8F-37A1-4EC6-857A-7DEDAE2CDF99}" presName="parTx" presStyleLbl="revTx" presStyleIdx="4" presStyleCnt="5">
         <dgm:presLayoutVars>
           <dgm:chMax val="0"/>
           <dgm:chPref val="0"/>
@@ -2242,26 +2437,42 @@
     </dgm:pt>
   </dgm:ptLst>
   <dgm:cxnLst>
+    <dgm:cxn modelId="{87D75338-9E12-416E-8A42-39D73278ABB1}" srcId="{8F3AB6BB-800A-4220-A416-82D749F1CF41}" destId="{43CAF3CC-0C6A-48F5-A48E-3E997221CDC8}" srcOrd="1" destOrd="0" parTransId="{3044075F-9DD9-4AFC-9BBB-A0551233608F}" sibTransId="{AF98FCA9-7A6A-4273-879B-34EB03E11AB3}"/>
+    <dgm:cxn modelId="{CC05C340-4EC4-4D5B-B611-0F570F0F61C3}" srcId="{8F3AB6BB-800A-4220-A416-82D749F1CF41}" destId="{989EAF98-F4DD-4D20-8658-4B0E1AB9D6AF}" srcOrd="0" destOrd="0" parTransId="{E4976012-DD69-4FC4-B435-9231F15FDAFA}" sibTransId="{937F6098-5EA1-4BDF-A318-15830806B549}"/>
     <dgm:cxn modelId="{C00AE397-0A3A-4181-B6CA-AA0191A83BAB}" type="presOf" srcId="{BC048F8F-37A1-4EC6-857A-7DEDAE2CDF99}" destId="{70C7E1D8-4EC7-4882-860B-7D5E43681625}" srcOrd="0" destOrd="0" presId="urn:microsoft.com/office/officeart/2018/2/layout/IconVerticalSolidList"/>
     <dgm:cxn modelId="{3AF5109B-DDC5-4246-BD74-11E9017F77C5}" type="presOf" srcId="{8F3AB6BB-800A-4220-A416-82D749F1CF41}" destId="{E5C49B9A-BB17-419D-9B1B-AAFA00D1F6DB}" srcOrd="0" destOrd="0" presId="urn:microsoft.com/office/officeart/2018/2/layout/IconVerticalSolidList"/>
-    <dgm:cxn modelId="{5BE510D2-F31A-4A57-B6D0-BA523B2836D4}" srcId="{8F3AB6BB-800A-4220-A416-82D749F1CF41}" destId="{BC048F8F-37A1-4EC6-857A-7DEDAE2CDF99}" srcOrd="2" destOrd="0" parTransId="{2CCC1370-AF31-41C0-A3E5-0775809CC683}" sibTransId="{BF498BFA-6842-45B7-AE39-FB4C9DBB2401}"/>
-    <dgm:cxn modelId="{AD8161D6-FDB9-4E08-A07F-C0CB0677F2C0}" srcId="{8F3AB6BB-800A-4220-A416-82D749F1CF41}" destId="{18F3DFFA-CD54-436D-B7EC-D669E0115F48}" srcOrd="1" destOrd="0" parTransId="{59533731-0036-40A1-8457-D6D96A698359}" sibTransId="{ACB6FB00-42BD-4352-9A05-C23BE0A1A5FE}"/>
-    <dgm:cxn modelId="{77B2BCD9-10FD-494B-A96E-E52C5E7EE6F8}" srcId="{8F3AB6BB-800A-4220-A416-82D749F1CF41}" destId="{5D5747B1-04BD-47B1-99B5-6B9097D6F8F4}" srcOrd="0" destOrd="0" parTransId="{5E21A23A-3B7C-414F-B129-A8BD3FCBBC1A}" sibTransId="{354ACF0B-7376-4621-B46C-B97DA1C0C749}"/>
+    <dgm:cxn modelId="{ECEBA9C6-5AF0-4BA1-AFFC-030C52972864}" type="presOf" srcId="{43CAF3CC-0C6A-48F5-A48E-3E997221CDC8}" destId="{54AEEBDF-2ECD-4A2B-9233-A08617897DBF}" srcOrd="0" destOrd="0" presId="urn:microsoft.com/office/officeart/2018/2/layout/IconVerticalSolidList"/>
+    <dgm:cxn modelId="{143A24C7-7EA2-4D2C-BE04-356086821052}" type="presOf" srcId="{989EAF98-F4DD-4D20-8658-4B0E1AB9D6AF}" destId="{72E6D0DF-0B1D-4551-B5E2-2BB75BD60BA0}" srcOrd="0" destOrd="0" presId="urn:microsoft.com/office/officeart/2018/2/layout/IconVerticalSolidList"/>
+    <dgm:cxn modelId="{5BE510D2-F31A-4A57-B6D0-BA523B2836D4}" srcId="{8F3AB6BB-800A-4220-A416-82D749F1CF41}" destId="{BC048F8F-37A1-4EC6-857A-7DEDAE2CDF99}" srcOrd="4" destOrd="0" parTransId="{2CCC1370-AF31-41C0-A3E5-0775809CC683}" sibTransId="{BF498BFA-6842-45B7-AE39-FB4C9DBB2401}"/>
+    <dgm:cxn modelId="{AD8161D6-FDB9-4E08-A07F-C0CB0677F2C0}" srcId="{8F3AB6BB-800A-4220-A416-82D749F1CF41}" destId="{18F3DFFA-CD54-436D-B7EC-D669E0115F48}" srcOrd="3" destOrd="0" parTransId="{59533731-0036-40A1-8457-D6D96A698359}" sibTransId="{ACB6FB00-42BD-4352-9A05-C23BE0A1A5FE}"/>
+    <dgm:cxn modelId="{77B2BCD9-10FD-494B-A96E-E52C5E7EE6F8}" srcId="{8F3AB6BB-800A-4220-A416-82D749F1CF41}" destId="{5D5747B1-04BD-47B1-99B5-6B9097D6F8F4}" srcOrd="2" destOrd="0" parTransId="{5E21A23A-3B7C-414F-B129-A8BD3FCBBC1A}" sibTransId="{354ACF0B-7376-4621-B46C-B97DA1C0C749}"/>
     <dgm:cxn modelId="{66069FE8-FDF3-450F-A524-66372DFB7512}" type="presOf" srcId="{18F3DFFA-CD54-436D-B7EC-D669E0115F48}" destId="{1C8B4858-6FC7-4AEA-9772-4E5EDBB128D4}" srcOrd="0" destOrd="0" presId="urn:microsoft.com/office/officeart/2018/2/layout/IconVerticalSolidList"/>
     <dgm:cxn modelId="{C92780FC-775A-49C0-9933-048ED3BCC3A3}" type="presOf" srcId="{5D5747B1-04BD-47B1-99B5-6B9097D6F8F4}" destId="{3F38408C-55E1-4CF5-A530-8B026F5D2D2C}" srcOrd="0" destOrd="0" presId="urn:microsoft.com/office/officeart/2018/2/layout/IconVerticalSolidList"/>
-    <dgm:cxn modelId="{0E440BE3-E3B2-4C11-9546-A0195AF83558}" type="presParOf" srcId="{E5C49B9A-BB17-419D-9B1B-AAFA00D1F6DB}" destId="{5847CCD3-C6F0-4D7F-B5DC-C85302FBA914}" srcOrd="0" destOrd="0" presId="urn:microsoft.com/office/officeart/2018/2/layout/IconVerticalSolidList"/>
+    <dgm:cxn modelId="{E48257E6-1DF5-4856-8DFC-BF90A9C1A7D5}" type="presParOf" srcId="{E5C49B9A-BB17-419D-9B1B-AAFA00D1F6DB}" destId="{F0A1A2B9-F081-484E-B9F0-34E64F0F2C93}" srcOrd="0" destOrd="0" presId="urn:microsoft.com/office/officeart/2018/2/layout/IconVerticalSolidList"/>
+    <dgm:cxn modelId="{6B4CF3E2-E9C8-4991-AE5C-3B37A86FC459}" type="presParOf" srcId="{F0A1A2B9-F081-484E-B9F0-34E64F0F2C93}" destId="{6593F552-022C-467C-9CB8-56A7BB7CAB63}" srcOrd="0" destOrd="0" presId="urn:microsoft.com/office/officeart/2018/2/layout/IconVerticalSolidList"/>
+    <dgm:cxn modelId="{813874E7-99EB-4033-887A-4ED01C9EC149}" type="presParOf" srcId="{F0A1A2B9-F081-484E-B9F0-34E64F0F2C93}" destId="{2EF26825-EF4F-421C-9EEC-68C089EDDCA9}" srcOrd="1" destOrd="0" presId="urn:microsoft.com/office/officeart/2018/2/layout/IconVerticalSolidList"/>
+    <dgm:cxn modelId="{F6B74A20-A7D5-44D5-8C64-ED3D57EF535C}" type="presParOf" srcId="{F0A1A2B9-F081-484E-B9F0-34E64F0F2C93}" destId="{62182428-765C-44F6-AA8D-1DE59DD1C40D}" srcOrd="2" destOrd="0" presId="urn:microsoft.com/office/officeart/2018/2/layout/IconVerticalSolidList"/>
+    <dgm:cxn modelId="{82B4BFEC-0B79-47FA-AE5D-F860463BFEB1}" type="presParOf" srcId="{F0A1A2B9-F081-484E-B9F0-34E64F0F2C93}" destId="{72E6D0DF-0B1D-4551-B5E2-2BB75BD60BA0}" srcOrd="3" destOrd="0" presId="urn:microsoft.com/office/officeart/2018/2/layout/IconVerticalSolidList"/>
+    <dgm:cxn modelId="{B96C34EC-1064-47F3-AE0B-7335AD328FB6}" type="presParOf" srcId="{E5C49B9A-BB17-419D-9B1B-AAFA00D1F6DB}" destId="{1B6F28D9-87E3-4CAB-A6C3-F6AA9CEB93B8}" srcOrd="1" destOrd="0" presId="urn:microsoft.com/office/officeart/2018/2/layout/IconVerticalSolidList"/>
+    <dgm:cxn modelId="{A2A45228-651D-4C10-80F3-CA129913879D}" type="presParOf" srcId="{E5C49B9A-BB17-419D-9B1B-AAFA00D1F6DB}" destId="{0A74085C-E344-4A36-8BD7-C6AE2A502B58}" srcOrd="2" destOrd="0" presId="urn:microsoft.com/office/officeart/2018/2/layout/IconVerticalSolidList"/>
+    <dgm:cxn modelId="{EE86DD8F-0894-4C33-BF53-638230528D12}" type="presParOf" srcId="{0A74085C-E344-4A36-8BD7-C6AE2A502B58}" destId="{2B413C54-71E7-468D-ADB7-8686F405B5A4}" srcOrd="0" destOrd="0" presId="urn:microsoft.com/office/officeart/2018/2/layout/IconVerticalSolidList"/>
+    <dgm:cxn modelId="{ADB086C8-FB58-4ECD-98C3-C48E3D8CF5EF}" type="presParOf" srcId="{0A74085C-E344-4A36-8BD7-C6AE2A502B58}" destId="{5FB71A3F-F5EC-45BF-9894-D62BFF9E8E3A}" srcOrd="1" destOrd="0" presId="urn:microsoft.com/office/officeart/2018/2/layout/IconVerticalSolidList"/>
+    <dgm:cxn modelId="{C444F39F-8B33-4758-BEA7-81D9A5721F4F}" type="presParOf" srcId="{0A74085C-E344-4A36-8BD7-C6AE2A502B58}" destId="{5AC08292-491B-4823-BF10-F4343F4F5A2E}" srcOrd="2" destOrd="0" presId="urn:microsoft.com/office/officeart/2018/2/layout/IconVerticalSolidList"/>
+    <dgm:cxn modelId="{DDFCA866-2007-46EE-84AC-910D7E3CEE89}" type="presParOf" srcId="{0A74085C-E344-4A36-8BD7-C6AE2A502B58}" destId="{54AEEBDF-2ECD-4A2B-9233-A08617897DBF}" srcOrd="3" destOrd="0" presId="urn:microsoft.com/office/officeart/2018/2/layout/IconVerticalSolidList"/>
+    <dgm:cxn modelId="{CC0F5017-A363-412A-96C8-829DDEE6FB9D}" type="presParOf" srcId="{E5C49B9A-BB17-419D-9B1B-AAFA00D1F6DB}" destId="{E6CF267F-2CCB-454E-BBF7-2B4A096760A4}" srcOrd="3" destOrd="0" presId="urn:microsoft.com/office/officeart/2018/2/layout/IconVerticalSolidList"/>
+    <dgm:cxn modelId="{0E440BE3-E3B2-4C11-9546-A0195AF83558}" type="presParOf" srcId="{E5C49B9A-BB17-419D-9B1B-AAFA00D1F6DB}" destId="{5847CCD3-C6F0-4D7F-B5DC-C85302FBA914}" srcOrd="4" destOrd="0" presId="urn:microsoft.com/office/officeart/2018/2/layout/IconVerticalSolidList"/>
     <dgm:cxn modelId="{C7260764-3ED7-465D-B2DC-6E1AD4385D70}" type="presParOf" srcId="{5847CCD3-C6F0-4D7F-B5DC-C85302FBA914}" destId="{8BDD6AF9-219A-470F-9360-21C54D4384A0}" srcOrd="0" destOrd="0" presId="urn:microsoft.com/office/officeart/2018/2/layout/IconVerticalSolidList"/>
     <dgm:cxn modelId="{E986BC29-E1CA-4F8F-8F33-85C5CAE5ECA3}" type="presParOf" srcId="{5847CCD3-C6F0-4D7F-B5DC-C85302FBA914}" destId="{D5824FD5-3ED6-4E94-9DF2-C34B0062E2FF}" srcOrd="1" destOrd="0" presId="urn:microsoft.com/office/officeart/2018/2/layout/IconVerticalSolidList"/>
     <dgm:cxn modelId="{95163539-6AB0-442E-9999-527F8B90CA07}" type="presParOf" srcId="{5847CCD3-C6F0-4D7F-B5DC-C85302FBA914}" destId="{D29CE193-E301-4C9A-85E6-148A9BF3013B}" srcOrd="2" destOrd="0" presId="urn:microsoft.com/office/officeart/2018/2/layout/IconVerticalSolidList"/>
     <dgm:cxn modelId="{0A6BFA08-2EF8-4F40-8183-A453B68F8D79}" type="presParOf" srcId="{5847CCD3-C6F0-4D7F-B5DC-C85302FBA914}" destId="{3F38408C-55E1-4CF5-A530-8B026F5D2D2C}" srcOrd="3" destOrd="0" presId="urn:microsoft.com/office/officeart/2018/2/layout/IconVerticalSolidList"/>
-    <dgm:cxn modelId="{77609CAE-774C-4089-B206-FA84C3F94ED6}" type="presParOf" srcId="{E5C49B9A-BB17-419D-9B1B-AAFA00D1F6DB}" destId="{011A200E-47CA-4A36-88BE-E7D20FD2917D}" srcOrd="1" destOrd="0" presId="urn:microsoft.com/office/officeart/2018/2/layout/IconVerticalSolidList"/>
-    <dgm:cxn modelId="{E71756F6-38C3-46F7-AD8A-080E46625099}" type="presParOf" srcId="{E5C49B9A-BB17-419D-9B1B-AAFA00D1F6DB}" destId="{D16714E2-8B30-4BD2-84B5-D9907F465899}" srcOrd="2" destOrd="0" presId="urn:microsoft.com/office/officeart/2018/2/layout/IconVerticalSolidList"/>
+    <dgm:cxn modelId="{77609CAE-774C-4089-B206-FA84C3F94ED6}" type="presParOf" srcId="{E5C49B9A-BB17-419D-9B1B-AAFA00D1F6DB}" destId="{011A200E-47CA-4A36-88BE-E7D20FD2917D}" srcOrd="5" destOrd="0" presId="urn:microsoft.com/office/officeart/2018/2/layout/IconVerticalSolidList"/>
+    <dgm:cxn modelId="{E71756F6-38C3-46F7-AD8A-080E46625099}" type="presParOf" srcId="{E5C49B9A-BB17-419D-9B1B-AAFA00D1F6DB}" destId="{D16714E2-8B30-4BD2-84B5-D9907F465899}" srcOrd="6" destOrd="0" presId="urn:microsoft.com/office/officeart/2018/2/layout/IconVerticalSolidList"/>
     <dgm:cxn modelId="{C5CD9389-D267-4B3A-BB8B-F558CD753A27}" type="presParOf" srcId="{D16714E2-8B30-4BD2-84B5-D9907F465899}" destId="{E95C9F92-928C-411A-9673-FB453CC10E93}" srcOrd="0" destOrd="0" presId="urn:microsoft.com/office/officeart/2018/2/layout/IconVerticalSolidList"/>
     <dgm:cxn modelId="{998F8F4E-0E11-4789-B074-E26F5D6E0497}" type="presParOf" srcId="{D16714E2-8B30-4BD2-84B5-D9907F465899}" destId="{24733D9B-3B52-4C11-8F02-AA0D72289F55}" srcOrd="1" destOrd="0" presId="urn:microsoft.com/office/officeart/2018/2/layout/IconVerticalSolidList"/>
     <dgm:cxn modelId="{A0009A5C-5882-4887-90AB-BB5A675AF4D0}" type="presParOf" srcId="{D16714E2-8B30-4BD2-84B5-D9907F465899}" destId="{46E6DE63-5A3A-4737-AB3B-408C29487922}" srcOrd="2" destOrd="0" presId="urn:microsoft.com/office/officeart/2018/2/layout/IconVerticalSolidList"/>
     <dgm:cxn modelId="{D33D5E4B-8DB5-4B3A-A0E0-A82B93840779}" type="presParOf" srcId="{D16714E2-8B30-4BD2-84B5-D9907F465899}" destId="{1C8B4858-6FC7-4AEA-9772-4E5EDBB128D4}" srcOrd="3" destOrd="0" presId="urn:microsoft.com/office/officeart/2018/2/layout/IconVerticalSolidList"/>
-    <dgm:cxn modelId="{46FC4684-4C8C-4855-8238-2736A1CDA60F}" type="presParOf" srcId="{E5C49B9A-BB17-419D-9B1B-AAFA00D1F6DB}" destId="{40AF1822-7F0F-41C0-99D9-B1FB48829A33}" srcOrd="3" destOrd="0" presId="urn:microsoft.com/office/officeart/2018/2/layout/IconVerticalSolidList"/>
-    <dgm:cxn modelId="{93B0623C-EE71-4703-945E-4D8EACD015A3}" type="presParOf" srcId="{E5C49B9A-BB17-419D-9B1B-AAFA00D1F6DB}" destId="{C7C7DADD-A8E2-43E3-BE9A-69B4C19E94BF}" srcOrd="4" destOrd="0" presId="urn:microsoft.com/office/officeart/2018/2/layout/IconVerticalSolidList"/>
+    <dgm:cxn modelId="{46FC4684-4C8C-4855-8238-2736A1CDA60F}" type="presParOf" srcId="{E5C49B9A-BB17-419D-9B1B-AAFA00D1F6DB}" destId="{40AF1822-7F0F-41C0-99D9-B1FB48829A33}" srcOrd="7" destOrd="0" presId="urn:microsoft.com/office/officeart/2018/2/layout/IconVerticalSolidList"/>
+    <dgm:cxn modelId="{93B0623C-EE71-4703-945E-4D8EACD015A3}" type="presParOf" srcId="{E5C49B9A-BB17-419D-9B1B-AAFA00D1F6DB}" destId="{C7C7DADD-A8E2-43E3-BE9A-69B4C19E94BF}" srcOrd="8" destOrd="0" presId="urn:microsoft.com/office/officeart/2018/2/layout/IconVerticalSolidList"/>
     <dgm:cxn modelId="{7F72AEFF-ED55-4096-9383-99A2F4687217}" type="presParOf" srcId="{C7C7DADD-A8E2-43E3-BE9A-69B4C19E94BF}" destId="{99A0F258-036C-4AFB-AD42-E141E67E5FE4}" srcOrd="0" destOrd="0" presId="urn:microsoft.com/office/officeart/2018/2/layout/IconVerticalSolidList"/>
     <dgm:cxn modelId="{E277FACB-A79C-4D3D-BD20-DDE0FFD1E36B}" type="presParOf" srcId="{C7C7DADD-A8E2-43E3-BE9A-69B4C19E94BF}" destId="{3568F2CA-CF4C-4DFF-AFCB-9EF64629910D}" srcOrd="1" destOrd="0" presId="urn:microsoft.com/office/officeart/2018/2/layout/IconVerticalSolidList"/>
     <dgm:cxn modelId="{B79E14C6-C524-402B-9FB2-CD7484E0837E}" type="presParOf" srcId="{C7C7DADD-A8E2-43E3-BE9A-69B4C19E94BF}" destId="{A63F35D2-7229-4529-ACCF-10BB0F72084D}" srcOrd="2" destOrd="0" presId="urn:microsoft.com/office/officeart/2018/2/layout/IconVerticalSolidList"/>
@@ -2821,6 +3032,326 @@
       <dsp:cNvGrpSpPr/>
     </dsp:nvGrpSpPr>
     <dsp:grpSpPr/>
+    <dsp:sp modelId="{6593F552-022C-467C-9CB8-56A7BB7CAB63}">
+      <dsp:nvSpPr>
+        <dsp:cNvPr id="0" name=""/>
+        <dsp:cNvSpPr/>
+      </dsp:nvSpPr>
+      <dsp:spPr>
+        <a:xfrm>
+          <a:off x="0" y="4606"/>
+          <a:ext cx="6588691" cy="981254"/>
+        </a:xfrm>
+        <a:prstGeom prst="roundRect">
+          <a:avLst>
+            <a:gd name="adj" fmla="val 10000"/>
+          </a:avLst>
+        </a:prstGeom>
+        <a:solidFill>
+          <a:schemeClr val="bg1">
+            <a:lumMod val="95000"/>
+            <a:hueOff val="0"/>
+            <a:satOff val="0"/>
+            <a:lumOff val="0"/>
+            <a:alphaOff val="0"/>
+          </a:schemeClr>
+        </a:solidFill>
+        <a:ln>
+          <a:noFill/>
+        </a:ln>
+        <a:effectLst/>
+      </dsp:spPr>
+      <dsp:style>
+        <a:lnRef idx="0">
+          <a:scrgbClr r="0" g="0" b="0"/>
+        </a:lnRef>
+        <a:fillRef idx="1">
+          <a:scrgbClr r="0" g="0" b="0"/>
+        </a:fillRef>
+        <a:effectRef idx="0">
+          <a:scrgbClr r="0" g="0" b="0"/>
+        </a:effectRef>
+        <a:fontRef idx="minor"/>
+      </dsp:style>
+    </dsp:sp>
+    <dsp:sp modelId="{2EF26825-EF4F-421C-9EEC-68C089EDDCA9}">
+      <dsp:nvSpPr>
+        <dsp:cNvPr id="0" name=""/>
+        <dsp:cNvSpPr/>
+      </dsp:nvSpPr>
+      <dsp:spPr>
+        <a:xfrm>
+          <a:off x="296829" y="225389"/>
+          <a:ext cx="539690" cy="539690"/>
+        </a:xfrm>
+        <a:prstGeom prst="rect">
+          <a:avLst/>
+        </a:prstGeom>
+        <a:blipFill>
+          <a:blip xmlns:r="http://schemas.openxmlformats.org/officeDocument/2006/relationships" r:embed="rId1"/>
+          <a:srcRect/>
+          <a:stretch>
+            <a:fillRect l="-20000" r="-20000"/>
+          </a:stretch>
+        </a:blipFill>
+        <a:ln w="12700" cap="flat" cmpd="sng" algn="ctr">
+          <a:solidFill>
+            <a:schemeClr val="lt1">
+              <a:alpha val="0"/>
+              <a:hueOff val="0"/>
+              <a:satOff val="0"/>
+              <a:lumOff val="0"/>
+              <a:alphaOff val="0"/>
+            </a:schemeClr>
+          </a:solidFill>
+          <a:prstDash val="solid"/>
+          <a:miter lim="800000"/>
+        </a:ln>
+        <a:effectLst/>
+      </dsp:spPr>
+      <dsp:style>
+        <a:lnRef idx="2">
+          <a:scrgbClr r="0" g="0" b="0"/>
+        </a:lnRef>
+        <a:fillRef idx="1">
+          <a:scrgbClr r="0" g="0" b="0"/>
+        </a:fillRef>
+        <a:effectRef idx="0">
+          <a:scrgbClr r="0" g="0" b="0"/>
+        </a:effectRef>
+        <a:fontRef idx="minor">
+          <a:schemeClr val="lt1"/>
+        </a:fontRef>
+      </dsp:style>
+    </dsp:sp>
+    <dsp:sp modelId="{72E6D0DF-0B1D-4551-B5E2-2BB75BD60BA0}">
+      <dsp:nvSpPr>
+        <dsp:cNvPr id="0" name=""/>
+        <dsp:cNvSpPr/>
+      </dsp:nvSpPr>
+      <dsp:spPr>
+        <a:xfrm>
+          <a:off x="1133349" y="4606"/>
+          <a:ext cx="5455341" cy="981254"/>
+        </a:xfrm>
+        <a:prstGeom prst="rect">
+          <a:avLst/>
+        </a:prstGeom>
+        <a:noFill/>
+        <a:ln>
+          <a:noFill/>
+        </a:ln>
+        <a:effectLst/>
+      </dsp:spPr>
+      <dsp:style>
+        <a:lnRef idx="0">
+          <a:scrgbClr r="0" g="0" b="0"/>
+        </a:lnRef>
+        <a:fillRef idx="0">
+          <a:scrgbClr r="0" g="0" b="0"/>
+        </a:fillRef>
+        <a:effectRef idx="0">
+          <a:scrgbClr r="0" g="0" b="0"/>
+        </a:effectRef>
+        <a:fontRef idx="minor"/>
+      </dsp:style>
+      <dsp:txBody>
+        <a:bodyPr spcFirstLastPara="0" vert="horz" wrap="square" lIns="103849" tIns="103849" rIns="103849" bIns="103849" numCol="1" spcCol="1270" anchor="ctr" anchorCtr="0">
+          <a:noAutofit/>
+        </a:bodyPr>
+        <a:lstStyle/>
+        <a:p>
+          <a:pPr marL="0" lvl="0" indent="0" algn="l" defTabSz="844550">
+            <a:lnSpc>
+              <a:spcPct val="100000"/>
+            </a:lnSpc>
+            <a:spcBef>
+              <a:spcPct val="0"/>
+            </a:spcBef>
+            <a:spcAft>
+              <a:spcPct val="35000"/>
+            </a:spcAft>
+            <a:buNone/>
+          </a:pPr>
+          <a:r>
+            <a:rPr lang="en-US" sz="1900" kern="1200" dirty="0"/>
+            <a:t>Problem Statement</a:t>
+          </a:r>
+        </a:p>
+      </dsp:txBody>
+      <dsp:txXfrm>
+        <a:off x="1133349" y="4606"/>
+        <a:ext cx="5455341" cy="981254"/>
+      </dsp:txXfrm>
+    </dsp:sp>
+    <dsp:sp modelId="{2B413C54-71E7-468D-ADB7-8686F405B5A4}">
+      <dsp:nvSpPr>
+        <dsp:cNvPr id="0" name=""/>
+        <dsp:cNvSpPr/>
+      </dsp:nvSpPr>
+      <dsp:spPr>
+        <a:xfrm>
+          <a:off x="0" y="1231175"/>
+          <a:ext cx="6588691" cy="981254"/>
+        </a:xfrm>
+        <a:prstGeom prst="roundRect">
+          <a:avLst>
+            <a:gd name="adj" fmla="val 10000"/>
+          </a:avLst>
+        </a:prstGeom>
+        <a:solidFill>
+          <a:schemeClr val="bg1">
+            <a:lumMod val="95000"/>
+            <a:hueOff val="0"/>
+            <a:satOff val="0"/>
+            <a:lumOff val="0"/>
+            <a:alphaOff val="0"/>
+          </a:schemeClr>
+        </a:solidFill>
+        <a:ln>
+          <a:noFill/>
+        </a:ln>
+        <a:effectLst/>
+      </dsp:spPr>
+      <dsp:style>
+        <a:lnRef idx="0">
+          <a:scrgbClr r="0" g="0" b="0"/>
+        </a:lnRef>
+        <a:fillRef idx="1">
+          <a:scrgbClr r="0" g="0" b="0"/>
+        </a:fillRef>
+        <a:effectRef idx="0">
+          <a:scrgbClr r="0" g="0" b="0"/>
+        </a:effectRef>
+        <a:fontRef idx="minor"/>
+      </dsp:style>
+    </dsp:sp>
+    <dsp:sp modelId="{5FB71A3F-F5EC-45BF-9894-D62BFF9E8E3A}">
+      <dsp:nvSpPr>
+        <dsp:cNvPr id="0" name=""/>
+        <dsp:cNvSpPr/>
+      </dsp:nvSpPr>
+      <dsp:spPr>
+        <a:xfrm>
+          <a:off x="296829" y="1451957"/>
+          <a:ext cx="539690" cy="539690"/>
+        </a:xfrm>
+        <a:prstGeom prst="rect">
+          <a:avLst/>
+        </a:prstGeom>
+        <a:blipFill>
+          <a:blip xmlns:r="http://schemas.openxmlformats.org/officeDocument/2006/relationships" r:embed="rId2"/>
+          <a:srcRect/>
+          <a:stretch>
+            <a:fillRect l="-28000" r="-28000"/>
+          </a:stretch>
+        </a:blipFill>
+        <a:ln w="12700" cap="flat" cmpd="sng" algn="ctr">
+          <a:solidFill>
+            <a:schemeClr val="lt1">
+              <a:alpha val="0"/>
+              <a:hueOff val="0"/>
+              <a:satOff val="0"/>
+              <a:lumOff val="0"/>
+              <a:alphaOff val="0"/>
+            </a:schemeClr>
+          </a:solidFill>
+          <a:prstDash val="solid"/>
+          <a:miter lim="800000"/>
+        </a:ln>
+        <a:effectLst/>
+      </dsp:spPr>
+      <dsp:style>
+        <a:lnRef idx="2">
+          <a:scrgbClr r="0" g="0" b="0"/>
+        </a:lnRef>
+        <a:fillRef idx="1">
+          <a:scrgbClr r="0" g="0" b="0"/>
+        </a:fillRef>
+        <a:effectRef idx="0">
+          <a:scrgbClr r="0" g="0" b="0"/>
+        </a:effectRef>
+        <a:fontRef idx="minor">
+          <a:schemeClr val="lt1"/>
+        </a:fontRef>
+      </dsp:style>
+    </dsp:sp>
+    <dsp:sp modelId="{54AEEBDF-2ECD-4A2B-9233-A08617897DBF}">
+      <dsp:nvSpPr>
+        <dsp:cNvPr id="0" name=""/>
+        <dsp:cNvSpPr/>
+      </dsp:nvSpPr>
+      <dsp:spPr>
+        <a:xfrm>
+          <a:off x="1133349" y="1231175"/>
+          <a:ext cx="5455341" cy="981254"/>
+        </a:xfrm>
+        <a:prstGeom prst="rect">
+          <a:avLst/>
+        </a:prstGeom>
+        <a:noFill/>
+        <a:ln>
+          <a:noFill/>
+        </a:ln>
+        <a:effectLst/>
+      </dsp:spPr>
+      <dsp:style>
+        <a:lnRef idx="0">
+          <a:scrgbClr r="0" g="0" b="0"/>
+        </a:lnRef>
+        <a:fillRef idx="0">
+          <a:scrgbClr r="0" g="0" b="0"/>
+        </a:fillRef>
+        <a:effectRef idx="0">
+          <a:scrgbClr r="0" g="0" b="0"/>
+        </a:effectRef>
+        <a:fontRef idx="minor"/>
+      </dsp:style>
+      <dsp:txBody>
+        <a:bodyPr spcFirstLastPara="0" vert="horz" wrap="square" lIns="103849" tIns="103849" rIns="103849" bIns="103849" numCol="1" spcCol="1270" anchor="ctr" anchorCtr="0">
+          <a:noAutofit/>
+        </a:bodyPr>
+        <a:lstStyle/>
+        <a:p>
+          <a:pPr marL="0" lvl="0" indent="0" algn="l" defTabSz="844550">
+            <a:lnSpc>
+              <a:spcPct val="100000"/>
+            </a:lnSpc>
+            <a:spcBef>
+              <a:spcPct val="0"/>
+            </a:spcBef>
+            <a:spcAft>
+              <a:spcPct val="35000"/>
+            </a:spcAft>
+            <a:buNone/>
+          </a:pPr>
+          <a:r>
+            <a:rPr lang="en-US" sz="1900" kern="1200" dirty="0">
+              <a:solidFill>
+                <a:schemeClr val="tx1"/>
+              </a:solidFill>
+            </a:rPr>
+            <a:t>Description of Data</a:t>
+          </a:r>
+          <a:br>
+            <a:rPr lang="en-US" sz="1900" kern="1200" dirty="0">
+              <a:solidFill>
+                <a:schemeClr val="tx1"/>
+              </a:solidFill>
+            </a:rPr>
+          </a:br>
+          <a:endParaRPr lang="en-US" sz="1900" kern="1200" dirty="0">
+            <a:solidFill>
+              <a:schemeClr val="tx1"/>
+            </a:solidFill>
+          </a:endParaRPr>
+        </a:p>
+      </dsp:txBody>
+      <dsp:txXfrm>
+        <a:off x="1133349" y="1231175"/>
+        <a:ext cx="5455341" cy="981254"/>
+      </dsp:txXfrm>
+    </dsp:sp>
     <dsp:sp modelId="{8BDD6AF9-219A-470F-9360-21C54D4384A0}">
       <dsp:nvSpPr>
         <dsp:cNvPr id="0" name=""/>
@@ -2828,8 +3359,8 @@
       </dsp:nvSpPr>
       <dsp:spPr>
         <a:xfrm>
-          <a:off x="0" y="719"/>
-          <a:ext cx="6588691" cy="1684372"/>
+          <a:off x="0" y="2457744"/>
+          <a:ext cx="6588691" cy="981254"/>
         </a:xfrm>
         <a:prstGeom prst="roundRect">
           <a:avLst>
@@ -2870,160 +3401,8 @@
       </dsp:nvSpPr>
       <dsp:spPr>
         <a:xfrm>
-          <a:off x="509522" y="379703"/>
-          <a:ext cx="926404" cy="926404"/>
-        </a:xfrm>
-        <a:prstGeom prst="rect">
-          <a:avLst/>
-        </a:prstGeom>
-        <a:blipFill>
-          <a:blip xmlns:r="http://schemas.openxmlformats.org/officeDocument/2006/relationships" r:embed="rId1">
-            <a:extLst>
-              <a:ext uri="{28A0092B-C50C-407E-A947-70E740481C1C}">
-                <a14:useLocalDpi xmlns:a14="http://schemas.microsoft.com/office/drawing/2010/main" val="0"/>
-              </a:ext>
-              <a:ext uri="{96DAC541-7B7A-43D3-8B79-37D633B846F1}">
-                <asvg:svgBlip xmlns:asvg="http://schemas.microsoft.com/office/drawing/2016/SVG/main" r:embed="rId2"/>
-              </a:ext>
-            </a:extLst>
-          </a:blip>
-          <a:stretch>
-            <a:fillRect/>
-          </a:stretch>
-        </a:blipFill>
-        <a:ln w="12700" cap="flat" cmpd="sng" algn="ctr">
-          <a:noFill/>
-          <a:prstDash val="solid"/>
-          <a:miter lim="800000"/>
-        </a:ln>
-        <a:effectLst/>
-      </dsp:spPr>
-      <dsp:style>
-        <a:lnRef idx="2">
-          <a:scrgbClr r="0" g="0" b="0"/>
-        </a:lnRef>
-        <a:fillRef idx="1">
-          <a:scrgbClr r="0" g="0" b="0"/>
-        </a:fillRef>
-        <a:effectRef idx="0">
-          <a:scrgbClr r="0" g="0" b="0"/>
-        </a:effectRef>
-        <a:fontRef idx="minor">
-          <a:schemeClr val="lt1"/>
-        </a:fontRef>
-      </dsp:style>
-    </dsp:sp>
-    <dsp:sp modelId="{3F38408C-55E1-4CF5-A530-8B026F5D2D2C}">
-      <dsp:nvSpPr>
-        <dsp:cNvPr id="0" name=""/>
-        <dsp:cNvSpPr/>
-      </dsp:nvSpPr>
-      <dsp:spPr>
-        <a:xfrm>
-          <a:off x="1945450" y="719"/>
-          <a:ext cx="4643240" cy="1684372"/>
-        </a:xfrm>
-        <a:prstGeom prst="rect">
-          <a:avLst/>
-        </a:prstGeom>
-        <a:noFill/>
-        <a:ln>
-          <a:noFill/>
-        </a:ln>
-        <a:effectLst/>
-      </dsp:spPr>
-      <dsp:style>
-        <a:lnRef idx="0">
-          <a:scrgbClr r="0" g="0" b="0"/>
-        </a:lnRef>
-        <a:fillRef idx="0">
-          <a:scrgbClr r="0" g="0" b="0"/>
-        </a:fillRef>
-        <a:effectRef idx="0">
-          <a:scrgbClr r="0" g="0" b="0"/>
-        </a:effectRef>
-        <a:fontRef idx="minor"/>
-      </dsp:style>
-      <dsp:txBody>
-        <a:bodyPr spcFirstLastPara="0" vert="horz" wrap="square" lIns="178263" tIns="178263" rIns="178263" bIns="178263" numCol="1" spcCol="1270" anchor="ctr" anchorCtr="0">
-          <a:noAutofit/>
-        </a:bodyPr>
-        <a:lstStyle/>
-        <a:p>
-          <a:pPr marL="0" lvl="0" indent="0" algn="l" defTabSz="1111250">
-            <a:lnSpc>
-              <a:spcPct val="90000"/>
-            </a:lnSpc>
-            <a:spcBef>
-              <a:spcPct val="0"/>
-            </a:spcBef>
-            <a:spcAft>
-              <a:spcPct val="35000"/>
-            </a:spcAft>
-            <a:buNone/>
-          </a:pPr>
-          <a:r>
-            <a:rPr lang="en-US" sz="2500" kern="1200"/>
-            <a:t>Conclusions</a:t>
-          </a:r>
-        </a:p>
-      </dsp:txBody>
-      <dsp:txXfrm>
-        <a:off x="1945450" y="719"/>
-        <a:ext cx="4643240" cy="1684372"/>
-      </dsp:txXfrm>
-    </dsp:sp>
-    <dsp:sp modelId="{E95C9F92-928C-411A-9673-FB453CC10E93}">
-      <dsp:nvSpPr>
-        <dsp:cNvPr id="0" name=""/>
-        <dsp:cNvSpPr/>
-      </dsp:nvSpPr>
-      <dsp:spPr>
-        <a:xfrm>
-          <a:off x="0" y="2106185"/>
-          <a:ext cx="6588691" cy="1684372"/>
-        </a:xfrm>
-        <a:prstGeom prst="roundRect">
-          <a:avLst>
-            <a:gd name="adj" fmla="val 10000"/>
-          </a:avLst>
-        </a:prstGeom>
-        <a:solidFill>
-          <a:schemeClr val="bg1">
-            <a:lumMod val="95000"/>
-            <a:hueOff val="0"/>
-            <a:satOff val="0"/>
-            <a:lumOff val="0"/>
-            <a:alphaOff val="0"/>
-          </a:schemeClr>
-        </a:solidFill>
-        <a:ln>
-          <a:noFill/>
-        </a:ln>
-        <a:effectLst/>
-      </dsp:spPr>
-      <dsp:style>
-        <a:lnRef idx="0">
-          <a:scrgbClr r="0" g="0" b="0"/>
-        </a:lnRef>
-        <a:fillRef idx="1">
-          <a:scrgbClr r="0" g="0" b="0"/>
-        </a:fillRef>
-        <a:effectRef idx="0">
-          <a:scrgbClr r="0" g="0" b="0"/>
-        </a:effectRef>
-        <a:fontRef idx="minor"/>
-      </dsp:style>
-    </dsp:sp>
-    <dsp:sp modelId="{24733D9B-3B52-4C11-8F02-AA0D72289F55}">
-      <dsp:nvSpPr>
-        <dsp:cNvPr id="0" name=""/>
-        <dsp:cNvSpPr/>
-      </dsp:nvSpPr>
-      <dsp:spPr>
-        <a:xfrm>
-          <a:off x="509522" y="2485169"/>
-          <a:ext cx="926404" cy="926404"/>
+          <a:off x="296829" y="2678526"/>
+          <a:ext cx="539690" cy="539690"/>
         </a:xfrm>
         <a:prstGeom prst="rect">
           <a:avLst/>
@@ -3065,15 +3444,15 @@
         </a:fontRef>
       </dsp:style>
     </dsp:sp>
-    <dsp:sp modelId="{1C8B4858-6FC7-4AEA-9772-4E5EDBB128D4}">
+    <dsp:sp modelId="{3F38408C-55E1-4CF5-A530-8B026F5D2D2C}">
       <dsp:nvSpPr>
         <dsp:cNvPr id="0" name=""/>
         <dsp:cNvSpPr/>
       </dsp:nvSpPr>
       <dsp:spPr>
         <a:xfrm>
-          <a:off x="1945450" y="2106185"/>
-          <a:ext cx="4643240" cy="1684372"/>
+          <a:off x="1133349" y="2457744"/>
+          <a:ext cx="5455341" cy="981254"/>
         </a:xfrm>
         <a:prstGeom prst="rect">
           <a:avLst/>
@@ -3097,14 +3476,14 @@
         <a:fontRef idx="minor"/>
       </dsp:style>
       <dsp:txBody>
-        <a:bodyPr spcFirstLastPara="0" vert="horz" wrap="square" lIns="178263" tIns="178263" rIns="178263" bIns="178263" numCol="1" spcCol="1270" anchor="ctr" anchorCtr="0">
+        <a:bodyPr spcFirstLastPara="0" vert="horz" wrap="square" lIns="103849" tIns="103849" rIns="103849" bIns="103849" numCol="1" spcCol="1270" anchor="ctr" anchorCtr="0">
           <a:noAutofit/>
         </a:bodyPr>
         <a:lstStyle/>
         <a:p>
-          <a:pPr marL="0" lvl="0" indent="0" algn="l" defTabSz="1111250">
+          <a:pPr marL="0" lvl="0" indent="0" algn="l" defTabSz="844550">
             <a:lnSpc>
-              <a:spcPct val="90000"/>
+              <a:spcPct val="100000"/>
             </a:lnSpc>
             <a:spcBef>
               <a:spcPct val="0"/>
@@ -3115,25 +3494,25 @@
             <a:buNone/>
           </a:pPr>
           <a:r>
-            <a:rPr lang="en-US" sz="2500" kern="1200"/>
-            <a:t>Dataset limitations</a:t>
+            <a:rPr lang="en-US" sz="1900" kern="1200" dirty="0"/>
+            <a:t>Conclusions</a:t>
           </a:r>
         </a:p>
       </dsp:txBody>
       <dsp:txXfrm>
-        <a:off x="1945450" y="2106185"/>
-        <a:ext cx="4643240" cy="1684372"/>
+        <a:off x="1133349" y="2457744"/>
+        <a:ext cx="5455341" cy="981254"/>
       </dsp:txXfrm>
     </dsp:sp>
-    <dsp:sp modelId="{99A0F258-036C-4AFB-AD42-E141E67E5FE4}">
+    <dsp:sp modelId="{E95C9F92-928C-411A-9673-FB453CC10E93}">
       <dsp:nvSpPr>
         <dsp:cNvPr id="0" name=""/>
         <dsp:cNvSpPr/>
       </dsp:nvSpPr>
       <dsp:spPr>
         <a:xfrm>
-          <a:off x="0" y="4211650"/>
-          <a:ext cx="6588691" cy="1684372"/>
+          <a:off x="0" y="3684312"/>
+          <a:ext cx="6588691" cy="981254"/>
         </a:xfrm>
         <a:prstGeom prst="roundRect">
           <a:avLst>
@@ -3167,15 +3546,15 @@
         <a:fontRef idx="minor"/>
       </dsp:style>
     </dsp:sp>
-    <dsp:sp modelId="{3568F2CA-CF4C-4DFF-AFCB-9EF64629910D}">
+    <dsp:sp modelId="{24733D9B-3B52-4C11-8F02-AA0D72289F55}">
       <dsp:nvSpPr>
         <dsp:cNvPr id="0" name=""/>
         <dsp:cNvSpPr/>
       </dsp:nvSpPr>
       <dsp:spPr>
         <a:xfrm>
-          <a:off x="509522" y="4590634"/>
-          <a:ext cx="926404" cy="926404"/>
+          <a:off x="296829" y="3905095"/>
+          <a:ext cx="539690" cy="539690"/>
         </a:xfrm>
         <a:prstGeom prst="rect">
           <a:avLst/>
@@ -3217,15 +3596,15 @@
         </a:fontRef>
       </dsp:style>
     </dsp:sp>
-    <dsp:sp modelId="{70C7E1D8-4EC7-4882-860B-7D5E43681625}">
+    <dsp:sp modelId="{1C8B4858-6FC7-4AEA-9772-4E5EDBB128D4}">
       <dsp:nvSpPr>
         <dsp:cNvPr id="0" name=""/>
         <dsp:cNvSpPr/>
       </dsp:nvSpPr>
       <dsp:spPr>
         <a:xfrm>
-          <a:off x="1945450" y="4211650"/>
-          <a:ext cx="4643240" cy="1684372"/>
+          <a:off x="1133349" y="3684312"/>
+          <a:ext cx="5455341" cy="981254"/>
         </a:xfrm>
         <a:prstGeom prst="rect">
           <a:avLst/>
@@ -3249,14 +3628,14 @@
         <a:fontRef idx="minor"/>
       </dsp:style>
       <dsp:txBody>
-        <a:bodyPr spcFirstLastPara="0" vert="horz" wrap="square" lIns="178263" tIns="178263" rIns="178263" bIns="178263" numCol="1" spcCol="1270" anchor="ctr" anchorCtr="0">
+        <a:bodyPr spcFirstLastPara="0" vert="horz" wrap="square" lIns="103849" tIns="103849" rIns="103849" bIns="103849" numCol="1" spcCol="1270" anchor="ctr" anchorCtr="0">
           <a:noAutofit/>
         </a:bodyPr>
         <a:lstStyle/>
         <a:p>
-          <a:pPr marL="0" lvl="0" indent="0" algn="l" defTabSz="1111250">
+          <a:pPr marL="0" lvl="0" indent="0" algn="l" defTabSz="844550">
             <a:lnSpc>
-              <a:spcPct val="90000"/>
+              <a:spcPct val="100000"/>
             </a:lnSpc>
             <a:spcBef>
               <a:spcPct val="0"/>
@@ -3267,14 +3646,166 @@
             <a:buNone/>
           </a:pPr>
           <a:r>
-            <a:rPr lang="en-US" sz="2500" kern="1200" dirty="0"/>
+            <a:rPr lang="en-US" sz="1900" kern="1200"/>
+            <a:t>Dataset limitations</a:t>
+          </a:r>
+        </a:p>
+      </dsp:txBody>
+      <dsp:txXfrm>
+        <a:off x="1133349" y="3684312"/>
+        <a:ext cx="5455341" cy="981254"/>
+      </dsp:txXfrm>
+    </dsp:sp>
+    <dsp:sp modelId="{99A0F258-036C-4AFB-AD42-E141E67E5FE4}">
+      <dsp:nvSpPr>
+        <dsp:cNvPr id="0" name=""/>
+        <dsp:cNvSpPr/>
+      </dsp:nvSpPr>
+      <dsp:spPr>
+        <a:xfrm>
+          <a:off x="0" y="4910881"/>
+          <a:ext cx="6588691" cy="981254"/>
+        </a:xfrm>
+        <a:prstGeom prst="roundRect">
+          <a:avLst>
+            <a:gd name="adj" fmla="val 10000"/>
+          </a:avLst>
+        </a:prstGeom>
+        <a:solidFill>
+          <a:schemeClr val="bg1">
+            <a:lumMod val="95000"/>
+            <a:hueOff val="0"/>
+            <a:satOff val="0"/>
+            <a:lumOff val="0"/>
+            <a:alphaOff val="0"/>
+          </a:schemeClr>
+        </a:solidFill>
+        <a:ln>
+          <a:noFill/>
+        </a:ln>
+        <a:effectLst/>
+      </dsp:spPr>
+      <dsp:style>
+        <a:lnRef idx="0">
+          <a:scrgbClr r="0" g="0" b="0"/>
+        </a:lnRef>
+        <a:fillRef idx="1">
+          <a:scrgbClr r="0" g="0" b="0"/>
+        </a:fillRef>
+        <a:effectRef idx="0">
+          <a:scrgbClr r="0" g="0" b="0"/>
+        </a:effectRef>
+        <a:fontRef idx="minor"/>
+      </dsp:style>
+    </dsp:sp>
+    <dsp:sp modelId="{3568F2CA-CF4C-4DFF-AFCB-9EF64629910D}">
+      <dsp:nvSpPr>
+        <dsp:cNvPr id="0" name=""/>
+        <dsp:cNvSpPr/>
+      </dsp:nvSpPr>
+      <dsp:spPr>
+        <a:xfrm>
+          <a:off x="296829" y="5131663"/>
+          <a:ext cx="539690" cy="539690"/>
+        </a:xfrm>
+        <a:prstGeom prst="rect">
+          <a:avLst/>
+        </a:prstGeom>
+        <a:blipFill>
+          <a:blip xmlns:r="http://schemas.openxmlformats.org/officeDocument/2006/relationships" r:embed="rId7">
+            <a:extLst>
+              <a:ext uri="{28A0092B-C50C-407E-A947-70E740481C1C}">
+                <a14:useLocalDpi xmlns:a14="http://schemas.microsoft.com/office/drawing/2010/main" val="0"/>
+              </a:ext>
+              <a:ext uri="{96DAC541-7B7A-43D3-8B79-37D633B846F1}">
+                <asvg:svgBlip xmlns:asvg="http://schemas.microsoft.com/office/drawing/2016/SVG/main" r:embed="rId8"/>
+              </a:ext>
+            </a:extLst>
+          </a:blip>
+          <a:stretch>
+            <a:fillRect/>
+          </a:stretch>
+        </a:blipFill>
+        <a:ln w="12700" cap="flat" cmpd="sng" algn="ctr">
+          <a:noFill/>
+          <a:prstDash val="solid"/>
+          <a:miter lim="800000"/>
+        </a:ln>
+        <a:effectLst/>
+      </dsp:spPr>
+      <dsp:style>
+        <a:lnRef idx="2">
+          <a:scrgbClr r="0" g="0" b="0"/>
+        </a:lnRef>
+        <a:fillRef idx="1">
+          <a:scrgbClr r="0" g="0" b="0"/>
+        </a:fillRef>
+        <a:effectRef idx="0">
+          <a:scrgbClr r="0" g="0" b="0"/>
+        </a:effectRef>
+        <a:fontRef idx="minor">
+          <a:schemeClr val="lt1"/>
+        </a:fontRef>
+      </dsp:style>
+    </dsp:sp>
+    <dsp:sp modelId="{70C7E1D8-4EC7-4882-860B-7D5E43681625}">
+      <dsp:nvSpPr>
+        <dsp:cNvPr id="0" name=""/>
+        <dsp:cNvSpPr/>
+      </dsp:nvSpPr>
+      <dsp:spPr>
+        <a:xfrm>
+          <a:off x="1133349" y="4910881"/>
+          <a:ext cx="5455341" cy="981254"/>
+        </a:xfrm>
+        <a:prstGeom prst="rect">
+          <a:avLst/>
+        </a:prstGeom>
+        <a:noFill/>
+        <a:ln>
+          <a:noFill/>
+        </a:ln>
+        <a:effectLst/>
+      </dsp:spPr>
+      <dsp:style>
+        <a:lnRef idx="0">
+          <a:scrgbClr r="0" g="0" b="0"/>
+        </a:lnRef>
+        <a:fillRef idx="0">
+          <a:scrgbClr r="0" g="0" b="0"/>
+        </a:fillRef>
+        <a:effectRef idx="0">
+          <a:scrgbClr r="0" g="0" b="0"/>
+        </a:effectRef>
+        <a:fontRef idx="minor"/>
+      </dsp:style>
+      <dsp:txBody>
+        <a:bodyPr spcFirstLastPara="0" vert="horz" wrap="square" lIns="103849" tIns="103849" rIns="103849" bIns="103849" numCol="1" spcCol="1270" anchor="ctr" anchorCtr="0">
+          <a:noAutofit/>
+        </a:bodyPr>
+        <a:lstStyle/>
+        <a:p>
+          <a:pPr marL="0" lvl="0" indent="0" algn="l" defTabSz="844550">
+            <a:lnSpc>
+              <a:spcPct val="100000"/>
+            </a:lnSpc>
+            <a:spcBef>
+              <a:spcPct val="0"/>
+            </a:spcBef>
+            <a:spcAft>
+              <a:spcPct val="35000"/>
+            </a:spcAft>
+            <a:buNone/>
+          </a:pPr>
+          <a:r>
+            <a:rPr lang="en-US" sz="1900" kern="1200" dirty="0"/>
             <a:t>Possible tables and/or graphs</a:t>
           </a:r>
         </a:p>
       </dsp:txBody>
       <dsp:txXfrm>
-        <a:off x="1945450" y="4211650"/>
-        <a:ext cx="4643240" cy="1684372"/>
+        <a:off x="1133349" y="4910881"/>
+        <a:ext cx="5455341" cy="981254"/>
       </dsp:txXfrm>
     </dsp:sp>
   </dsp:spTree>
@@ -6353,7 +6884,7 @@
           <a:p>
             <a:fld id="{CEB42A2F-1F6A-4557-9F41-FF13BC105925}" type="datetimeFigureOut">
               <a:rPr lang="en-US" smtClean="0"/>
-              <a:t>5/13/2020</a:t>
+              <a:t>5/14/2020</a:t>
             </a:fld>
             <a:endParaRPr lang="en-US"/>
           </a:p>
@@ -6551,7 +7082,7 @@
           <a:p>
             <a:fld id="{CEB42A2F-1F6A-4557-9F41-FF13BC105925}" type="datetimeFigureOut">
               <a:rPr lang="en-US" smtClean="0"/>
-              <a:t>5/13/2020</a:t>
+              <a:t>5/14/2020</a:t>
             </a:fld>
             <a:endParaRPr lang="en-US"/>
           </a:p>
@@ -6759,7 +7290,7 @@
           <a:p>
             <a:fld id="{CEB42A2F-1F6A-4557-9F41-FF13BC105925}" type="datetimeFigureOut">
               <a:rPr lang="en-US" smtClean="0"/>
-              <a:t>5/13/2020</a:t>
+              <a:t>5/14/2020</a:t>
             </a:fld>
             <a:endParaRPr lang="en-US"/>
           </a:p>
@@ -6957,7 +7488,7 @@
           <a:p>
             <a:fld id="{CEB42A2F-1F6A-4557-9F41-FF13BC105925}" type="datetimeFigureOut">
               <a:rPr lang="en-US" smtClean="0"/>
-              <a:t>5/13/2020</a:t>
+              <a:t>5/14/2020</a:t>
             </a:fld>
             <a:endParaRPr lang="en-US"/>
           </a:p>
@@ -7232,7 +7763,7 @@
           <a:p>
             <a:fld id="{CEB42A2F-1F6A-4557-9F41-FF13BC105925}" type="datetimeFigureOut">
               <a:rPr lang="en-US" smtClean="0"/>
-              <a:t>5/13/2020</a:t>
+              <a:t>5/14/2020</a:t>
             </a:fld>
             <a:endParaRPr lang="en-US"/>
           </a:p>
@@ -7497,7 +8028,7 @@
           <a:p>
             <a:fld id="{CEB42A2F-1F6A-4557-9F41-FF13BC105925}" type="datetimeFigureOut">
               <a:rPr lang="en-US" smtClean="0"/>
-              <a:t>5/13/2020</a:t>
+              <a:t>5/14/2020</a:t>
             </a:fld>
             <a:endParaRPr lang="en-US"/>
           </a:p>
@@ -7909,7 +8440,7 @@
           <a:p>
             <a:fld id="{CEB42A2F-1F6A-4557-9F41-FF13BC105925}" type="datetimeFigureOut">
               <a:rPr lang="en-US" smtClean="0"/>
-              <a:t>5/13/2020</a:t>
+              <a:t>5/14/2020</a:t>
             </a:fld>
             <a:endParaRPr lang="en-US"/>
           </a:p>
@@ -8050,7 +8581,7 @@
           <a:p>
             <a:fld id="{CEB42A2F-1F6A-4557-9F41-FF13BC105925}" type="datetimeFigureOut">
               <a:rPr lang="en-US" smtClean="0"/>
-              <a:t>5/13/2020</a:t>
+              <a:t>5/14/2020</a:t>
             </a:fld>
             <a:endParaRPr lang="en-US"/>
           </a:p>
@@ -8163,7 +8694,7 @@
           <a:p>
             <a:fld id="{CEB42A2F-1F6A-4557-9F41-FF13BC105925}" type="datetimeFigureOut">
               <a:rPr lang="en-US" smtClean="0"/>
-              <a:t>5/13/2020</a:t>
+              <a:t>5/14/2020</a:t>
             </a:fld>
             <a:endParaRPr lang="en-US"/>
           </a:p>
@@ -8474,7 +9005,7 @@
           <a:p>
             <a:fld id="{CEB42A2F-1F6A-4557-9F41-FF13BC105925}" type="datetimeFigureOut">
               <a:rPr lang="en-US" smtClean="0"/>
-              <a:t>5/13/2020</a:t>
+              <a:t>5/14/2020</a:t>
             </a:fld>
             <a:endParaRPr lang="en-US"/>
           </a:p>
@@ -8762,7 +9293,7 @@
           <a:p>
             <a:fld id="{CEB42A2F-1F6A-4557-9F41-FF13BC105925}" type="datetimeFigureOut">
               <a:rPr lang="en-US" smtClean="0"/>
-              <a:t>5/13/2020</a:t>
+              <a:t>5/14/2020</a:t>
             </a:fld>
             <a:endParaRPr lang="en-US"/>
           </a:p>
@@ -9003,7 +9534,7 @@
           <a:p>
             <a:fld id="{CEB42A2F-1F6A-4557-9F41-FF13BC105925}" type="datetimeFigureOut">
               <a:rPr lang="en-US" smtClean="0"/>
-              <a:t>5/13/2020</a:t>
+              <a:t>5/14/2020</a:t>
             </a:fld>
             <a:endParaRPr lang="en-US"/>
           </a:p>
@@ -9799,14 +10330,14 @@
           <a:lstStyle/>
           <a:p>
             <a:r>
-              <a:rPr lang="en-US" sz="4800"/>
+              <a:rPr lang="en-US" sz="4800" dirty="0"/>
               <a:t>NFL Super Bowl Study</a:t>
             </a:r>
             <a:br>
-              <a:rPr lang="en-US" sz="4800"/>
+              <a:rPr lang="en-US" sz="4800" dirty="0"/>
             </a:br>
             <a:r>
-              <a:rPr lang="en-US" sz="4800"/>
+              <a:rPr lang="en-US" sz="4800" dirty="0"/>
               <a:t>Group 4</a:t>
             </a:r>
           </a:p>
@@ -9895,10 +10426,1559 @@
           </a:graphicData>
         </a:graphic>
       </p:graphicFrame>
+      <p:sp>
+        <p:nvSpPr>
+          <p:cNvPr id="3" name="TextBox 2">
+            <a:extLst>
+              <a:ext uri="{FF2B5EF4-FFF2-40B4-BE49-F238E27FC236}">
+                <a16:creationId xmlns:a16="http://schemas.microsoft.com/office/drawing/2014/main" id="{23D53A8B-68FF-4AFB-9A70-90E28D6A5000}"/>
+              </a:ext>
+            </a:extLst>
+          </p:cNvPr>
+          <p:cNvSpPr txBox="1"/>
+          <p:nvPr/>
+        </p:nvSpPr>
+        <p:spPr>
+          <a:xfrm>
+            <a:off x="9819861" y="809898"/>
+            <a:ext cx="1708886" cy="369332"/>
+          </a:xfrm>
+          <a:prstGeom prst="rect">
+            <a:avLst/>
+          </a:prstGeom>
+          <a:noFill/>
+        </p:spPr>
+        <p:txBody>
+          <a:bodyPr wrap="square" rtlCol="0">
+            <a:spAutoFit/>
+          </a:bodyPr>
+          <a:lstStyle/>
+          <a:p>
+            <a:r>
+              <a:rPr lang="en-US" dirty="0"/>
+              <a:t>May 11, 2020</a:t>
+            </a:r>
+          </a:p>
+        </p:txBody>
+      </p:sp>
     </p:spTree>
     <p:extLst>
       <p:ext uri="{BB962C8B-B14F-4D97-AF65-F5344CB8AC3E}">
         <p14:creationId xmlns:p14="http://schemas.microsoft.com/office/powerpoint/2010/main" val="4276290882"/>
+      </p:ext>
+    </p:extLst>
+  </p:cSld>
+  <p:clrMapOvr>
+    <a:masterClrMapping/>
+  </p:clrMapOvr>
+</p:sld>
+</file>
+
+<file path=ppt/slides/slide10.xml><?xml version="1.0" encoding="utf-8"?>
+<p:sld xmlns:a="http://schemas.openxmlformats.org/drawingml/2006/main" xmlns:r="http://schemas.openxmlformats.org/officeDocument/2006/relationships" xmlns:p="http://schemas.openxmlformats.org/presentationml/2006/main">
+  <p:cSld>
+    <p:spTree>
+      <p:nvGrpSpPr>
+        <p:cNvPr id="1" name=""/>
+        <p:cNvGrpSpPr/>
+        <p:nvPr/>
+      </p:nvGrpSpPr>
+      <p:grpSpPr>
+        <a:xfrm>
+          <a:off x="0" y="0"/>
+          <a:ext cx="0" cy="0"/>
+          <a:chOff x="0" y="0"/>
+          <a:chExt cx="0" cy="0"/>
+        </a:xfrm>
+      </p:grpSpPr>
+      <p:sp>
+        <p:nvSpPr>
+          <p:cNvPr id="2" name="Title 1">
+            <a:extLst>
+              <a:ext uri="{FF2B5EF4-FFF2-40B4-BE49-F238E27FC236}">
+                <a16:creationId xmlns:a16="http://schemas.microsoft.com/office/drawing/2014/main" id="{8A8EA22F-CB2B-4FF7-89B1-FC324FF9A14D}"/>
+              </a:ext>
+            </a:extLst>
+          </p:cNvPr>
+          <p:cNvSpPr>
+            <a:spLocks noGrp="1"/>
+          </p:cNvSpPr>
+          <p:nvPr>
+            <p:ph type="title"/>
+          </p:nvPr>
+        </p:nvSpPr>
+        <p:spPr/>
+        <p:txBody>
+          <a:bodyPr/>
+          <a:lstStyle/>
+          <a:p>
+            <a:endParaRPr lang="en-US"/>
+          </a:p>
+        </p:txBody>
+      </p:sp>
+      <p:sp>
+        <p:nvSpPr>
+          <p:cNvPr id="4" name="Content Placeholder 3">
+            <a:extLst>
+              <a:ext uri="{FF2B5EF4-FFF2-40B4-BE49-F238E27FC236}">
+                <a16:creationId xmlns:a16="http://schemas.microsoft.com/office/drawing/2014/main" id="{5DFD72D4-61AE-4B4B-8BE9-A2542FDBC6B6}"/>
+              </a:ext>
+            </a:extLst>
+          </p:cNvPr>
+          <p:cNvSpPr txBox="1">
+            <a:spLocks noGrp="1"/>
+          </p:cNvSpPr>
+          <p:nvPr>
+            <p:ph idx="1"/>
+          </p:nvPr>
+        </p:nvSpPr>
+        <p:spPr>
+          <a:xfrm>
+            <a:off x="838200" y="1825625"/>
+            <a:ext cx="10515600" cy="1512209"/>
+          </a:xfrm>
+          <a:prstGeom prst="rect">
+            <a:avLst/>
+          </a:prstGeom>
+          <a:noFill/>
+        </p:spPr>
+        <p:txBody>
+          <a:bodyPr wrap="square" rtlCol="0">
+            <a:spAutoFit/>
+          </a:bodyPr>
+          <a:lstStyle/>
+          <a:p>
+            <a:pPr marL="285750" indent="-285750"/>
+            <a:r>
+              <a:rPr lang="en-US" dirty="0"/>
+              <a:t>#How many points do you need to win a Super Bowl?</a:t>
+            </a:r>
+          </a:p>
+          <a:p>
+            <a:pPr marL="285750" indent="-285750"/>
+            <a:r>
+              <a:rPr lang="en-US" dirty="0"/>
+              <a:t>#How many points the winners scored?</a:t>
+            </a:r>
+          </a:p>
+          <a:p>
+            <a:endParaRPr lang="en-US" dirty="0"/>
+          </a:p>
+        </p:txBody>
+      </p:sp>
+    </p:spTree>
+    <p:extLst>
+      <p:ext uri="{BB962C8B-B14F-4D97-AF65-F5344CB8AC3E}">
+        <p14:creationId xmlns:p14="http://schemas.microsoft.com/office/powerpoint/2010/main" val="2122543996"/>
+      </p:ext>
+    </p:extLst>
+  </p:cSld>
+  <p:clrMapOvr>
+    <a:masterClrMapping/>
+  </p:clrMapOvr>
+</p:sld>
+</file>
+
+<file path=ppt/slides/slide11.xml><?xml version="1.0" encoding="utf-8"?>
+<p:sld xmlns:a="http://schemas.openxmlformats.org/drawingml/2006/main" xmlns:r="http://schemas.openxmlformats.org/officeDocument/2006/relationships" xmlns:p="http://schemas.openxmlformats.org/presentationml/2006/main">
+  <p:cSld>
+    <p:bg>
+      <p:bgPr>
+        <a:solidFill>
+          <a:schemeClr val="bg1"/>
+        </a:solidFill>
+        <a:effectLst/>
+      </p:bgPr>
+    </p:bg>
+    <p:spTree>
+      <p:nvGrpSpPr>
+        <p:cNvPr id="1" name=""/>
+        <p:cNvGrpSpPr/>
+        <p:nvPr/>
+      </p:nvGrpSpPr>
+      <p:grpSpPr>
+        <a:xfrm>
+          <a:off x="0" y="0"/>
+          <a:ext cx="0" cy="0"/>
+          <a:chOff x="0" y="0"/>
+          <a:chExt cx="0" cy="0"/>
+        </a:xfrm>
+      </p:grpSpPr>
+      <p:sp useBgFill="1">
+        <p:nvSpPr>
+          <p:cNvPr id="10" name="Rectangle 9">
+            <a:extLst>
+              <a:ext uri="{FF2B5EF4-FFF2-40B4-BE49-F238E27FC236}">
+                <a16:creationId xmlns:a16="http://schemas.microsoft.com/office/drawing/2014/main" id="{F4C0B10B-D2C4-4A54-AFAD-3D27DF88BB37}"/>
+              </a:ext>
+              <a:ext uri="{C183D7F6-B498-43B3-948B-1728B52AA6E4}">
+                <adec:decorative xmlns:adec="http://schemas.microsoft.com/office/drawing/2017/decorative" val="1"/>
+              </a:ext>
+            </a:extLst>
+          </p:cNvPr>
+          <p:cNvSpPr>
+            <a:spLocks noGrp="1" noRot="1" noChangeAspect="1" noMove="1" noResize="1" noEditPoints="1" noAdjustHandles="1" noChangeArrowheads="1" noChangeShapeType="1" noTextEdit="1"/>
+          </p:cNvSpPr>
+          <p:nvPr>
+            <p:extLst>
+              <p:ext uri="{386F3935-93C4-4BCD-93E2-E3B085C9AB24}">
+                <p16:designElem xmlns:p16="http://schemas.microsoft.com/office/powerpoint/2015/main" val="1"/>
+              </p:ext>
+            </p:extLst>
+          </p:nvPr>
+        </p:nvSpPr>
+        <p:spPr>
+          <a:xfrm>
+            <a:off x="0" y="0"/>
+            <a:ext cx="12188952" cy="6858000"/>
+          </a:xfrm>
+          <a:prstGeom prst="rect">
+            <a:avLst/>
+          </a:prstGeom>
+          <a:ln>
+            <a:noFill/>
+          </a:ln>
+        </p:spPr>
+        <p:style>
+          <a:lnRef idx="2">
+            <a:schemeClr val="accent1">
+              <a:shade val="50000"/>
+            </a:schemeClr>
+          </a:lnRef>
+          <a:fillRef idx="1">
+            <a:schemeClr val="accent1"/>
+          </a:fillRef>
+          <a:effectRef idx="0">
+            <a:schemeClr val="accent1"/>
+          </a:effectRef>
+          <a:fontRef idx="minor">
+            <a:schemeClr val="lt1"/>
+          </a:fontRef>
+        </p:style>
+        <p:txBody>
+          <a:bodyPr rtlCol="0" anchor="ctr"/>
+          <a:lstStyle/>
+          <a:p>
+            <a:pPr algn="ctr"/>
+            <a:endParaRPr lang="en-US"/>
+          </a:p>
+        </p:txBody>
+      </p:sp>
+      <p:grpSp>
+        <p:nvGrpSpPr>
+          <p:cNvPr id="12" name="Group 11">
+            <a:extLst>
+              <a:ext uri="{FF2B5EF4-FFF2-40B4-BE49-F238E27FC236}">
+                <a16:creationId xmlns:a16="http://schemas.microsoft.com/office/drawing/2014/main" id="{B6BADB90-C74B-40D6-86DC-503F65FCE8DC}"/>
+              </a:ext>
+              <a:ext uri="{C183D7F6-B498-43B3-948B-1728B52AA6E4}">
+                <adec:decorative xmlns:adec="http://schemas.microsoft.com/office/drawing/2017/decorative" val="1"/>
+              </a:ext>
+            </a:extLst>
+          </p:cNvPr>
+          <p:cNvGrpSpPr>
+            <a:grpSpLocks noGrp="1" noUngrp="1" noRot="1" noChangeAspect="1" noMove="1" noResize="1"/>
+          </p:cNvGrpSpPr>
+          <p:nvPr>
+            <p:extLst>
+              <p:ext uri="{386F3935-93C4-4BCD-93E2-E3B085C9AB24}">
+                <p16:designElem xmlns:p16="http://schemas.microsoft.com/office/powerpoint/2015/main" val="1"/>
+              </p:ext>
+            </p:extLst>
+          </p:nvPr>
+        </p:nvGrpSpPr>
+        <p:grpSpPr>
+          <a:xfrm>
+            <a:off x="409710" y="635715"/>
+            <a:ext cx="11142208" cy="2482136"/>
+            <a:chOff x="409710" y="635715"/>
+            <a:chExt cx="11142208" cy="2482136"/>
+          </a:xfrm>
+        </p:grpSpPr>
+        <p:sp>
+          <p:nvSpPr>
+            <p:cNvPr id="13" name="Freeform 44">
+              <a:extLst>
+                <a:ext uri="{FF2B5EF4-FFF2-40B4-BE49-F238E27FC236}">
+                  <a16:creationId xmlns:a16="http://schemas.microsoft.com/office/drawing/2014/main" id="{6559431D-1886-4AE0-9B87-9AD2ECAB8439}"/>
+                </a:ext>
+                <a:ext uri="{C183D7F6-B498-43B3-948B-1728B52AA6E4}">
+                  <adec:decorative xmlns:adec="http://schemas.microsoft.com/office/drawing/2017/decorative" val="1"/>
+                </a:ext>
+              </a:extLst>
+            </p:cNvPr>
+            <p:cNvSpPr>
+              <a:spLocks/>
+            </p:cNvSpPr>
+            <p:nvPr>
+              <p:extLst>
+                <p:ext uri="{386F3935-93C4-4BCD-93E2-E3B085C9AB24}">
+                  <p16:designElem xmlns:p16="http://schemas.microsoft.com/office/powerpoint/2015/main" val="1"/>
+                </p:ext>
+              </p:extLst>
+            </p:nvPr>
+          </p:nvSpPr>
+          <p:spPr bwMode="auto">
+            <a:xfrm>
+              <a:off x="11223203" y="635716"/>
+              <a:ext cx="328612" cy="1742360"/>
+            </a:xfrm>
+            <a:custGeom>
+              <a:avLst/>
+              <a:gdLst>
+                <a:gd name="T0" fmla="*/ 207 w 207"/>
+                <a:gd name="T1" fmla="*/ 987 h 1114"/>
+                <a:gd name="T2" fmla="*/ 0 w 207"/>
+                <a:gd name="T3" fmla="*/ 1114 h 1114"/>
+                <a:gd name="T4" fmla="*/ 0 w 207"/>
+                <a:gd name="T5" fmla="*/ 127 h 1114"/>
+                <a:gd name="T6" fmla="*/ 207 w 207"/>
+                <a:gd name="T7" fmla="*/ 0 h 1114"/>
+                <a:gd name="T8" fmla="*/ 207 w 207"/>
+                <a:gd name="T9" fmla="*/ 987 h 1114"/>
+              </a:gdLst>
+              <a:ahLst/>
+              <a:cxnLst>
+                <a:cxn ang="0">
+                  <a:pos x="T0" y="T1"/>
+                </a:cxn>
+                <a:cxn ang="0">
+                  <a:pos x="T2" y="T3"/>
+                </a:cxn>
+                <a:cxn ang="0">
+                  <a:pos x="T4" y="T5"/>
+                </a:cxn>
+                <a:cxn ang="0">
+                  <a:pos x="T6" y="T7"/>
+                </a:cxn>
+                <a:cxn ang="0">
+                  <a:pos x="T8" y="T9"/>
+                </a:cxn>
+              </a:cxnLst>
+              <a:rect l="0" t="0" r="r" b="b"/>
+              <a:pathLst>
+                <a:path w="207" h="1114">
+                  <a:moveTo>
+                    <a:pt x="207" y="987"/>
+                  </a:moveTo>
+                  <a:lnTo>
+                    <a:pt x="0" y="1114"/>
+                  </a:lnTo>
+                  <a:lnTo>
+                    <a:pt x="0" y="127"/>
+                  </a:lnTo>
+                  <a:lnTo>
+                    <a:pt x="207" y="0"/>
+                  </a:lnTo>
+                  <a:lnTo>
+                    <a:pt x="207" y="987"/>
+                  </a:lnTo>
+                  <a:close/>
+                </a:path>
+              </a:pathLst>
+            </a:custGeom>
+            <a:solidFill>
+              <a:schemeClr val="accent1">
+                <a:lumMod val="50000"/>
+              </a:schemeClr>
+            </a:solidFill>
+            <a:ln>
+              <a:noFill/>
+            </a:ln>
+          </p:spPr>
+          <p:txBody>
+            <a:bodyPr vert="horz" wrap="square" lIns="91440" tIns="45720" rIns="91440" bIns="45720" numCol="1" anchor="t" anchorCtr="0" compatLnSpc="1">
+              <a:prstTxWarp prst="textNoShape">
+                <a:avLst/>
+              </a:prstTxWarp>
+            </a:bodyPr>
+            <a:lstStyle/>
+            <a:p>
+              <a:endParaRPr lang="en-US"/>
+            </a:p>
+          </p:txBody>
+        </p:sp>
+        <p:sp>
+          <p:nvSpPr>
+            <p:cNvPr id="14" name="Freeform 45">
+              <a:extLst>
+                <a:ext uri="{FF2B5EF4-FFF2-40B4-BE49-F238E27FC236}">
+                  <a16:creationId xmlns:a16="http://schemas.microsoft.com/office/drawing/2014/main" id="{373850A5-B04A-4FCD-9E73-EE322167FB31}"/>
+                </a:ext>
+                <a:ext uri="{C183D7F6-B498-43B3-948B-1728B52AA6E4}">
+                  <adec:decorative xmlns:adec="http://schemas.microsoft.com/office/drawing/2017/decorative" val="1"/>
+                </a:ext>
+              </a:extLst>
+            </p:cNvPr>
+            <p:cNvSpPr>
+              <a:spLocks/>
+            </p:cNvSpPr>
+            <p:nvPr>
+              <p:extLst>
+                <p:ext uri="{386F3935-93C4-4BCD-93E2-E3B085C9AB24}">
+                  <p16:designElem xmlns:p16="http://schemas.microsoft.com/office/powerpoint/2015/main" val="1"/>
+                </p:ext>
+              </p:extLst>
+            </p:nvPr>
+          </p:nvSpPr>
+          <p:spPr bwMode="auto">
+            <a:xfrm>
+              <a:off x="409710" y="1022350"/>
+              <a:ext cx="709612" cy="2095501"/>
+            </a:xfrm>
+            <a:custGeom>
+              <a:avLst/>
+              <a:gdLst>
+                <a:gd name="T0" fmla="*/ 447 w 447"/>
+                <a:gd name="T1" fmla="*/ 1363 h 1363"/>
+                <a:gd name="T2" fmla="*/ 0 w 447"/>
+                <a:gd name="T3" fmla="*/ 987 h 1363"/>
+                <a:gd name="T4" fmla="*/ 0 w 447"/>
+                <a:gd name="T5" fmla="*/ 0 h 1363"/>
+                <a:gd name="T6" fmla="*/ 447 w 447"/>
+                <a:gd name="T7" fmla="*/ 376 h 1363"/>
+                <a:gd name="T8" fmla="*/ 447 w 447"/>
+                <a:gd name="T9" fmla="*/ 1363 h 1363"/>
+              </a:gdLst>
+              <a:ahLst/>
+              <a:cxnLst>
+                <a:cxn ang="0">
+                  <a:pos x="T0" y="T1"/>
+                </a:cxn>
+                <a:cxn ang="0">
+                  <a:pos x="T2" y="T3"/>
+                </a:cxn>
+                <a:cxn ang="0">
+                  <a:pos x="T4" y="T5"/>
+                </a:cxn>
+                <a:cxn ang="0">
+                  <a:pos x="T6" y="T7"/>
+                </a:cxn>
+                <a:cxn ang="0">
+                  <a:pos x="T8" y="T9"/>
+                </a:cxn>
+              </a:cxnLst>
+              <a:rect l="0" t="0" r="r" b="b"/>
+              <a:pathLst>
+                <a:path w="447" h="1363">
+                  <a:moveTo>
+                    <a:pt x="447" y="1363"/>
+                  </a:moveTo>
+                  <a:lnTo>
+                    <a:pt x="0" y="987"/>
+                  </a:lnTo>
+                  <a:lnTo>
+                    <a:pt x="0" y="0"/>
+                  </a:lnTo>
+                  <a:lnTo>
+                    <a:pt x="447" y="376"/>
+                  </a:lnTo>
+                  <a:lnTo>
+                    <a:pt x="447" y="1363"/>
+                  </a:lnTo>
+                  <a:close/>
+                </a:path>
+              </a:pathLst>
+            </a:custGeom>
+            <a:solidFill>
+              <a:schemeClr val="accent1">
+                <a:lumMod val="50000"/>
+              </a:schemeClr>
+            </a:solidFill>
+            <a:ln>
+              <a:noFill/>
+            </a:ln>
+          </p:spPr>
+          <p:txBody>
+            <a:bodyPr vert="horz" wrap="square" lIns="91440" tIns="45720" rIns="91440" bIns="45720" numCol="1" anchor="t" anchorCtr="0" compatLnSpc="1">
+              <a:prstTxWarp prst="textNoShape">
+                <a:avLst/>
+              </a:prstTxWarp>
+            </a:bodyPr>
+            <a:lstStyle/>
+            <a:p>
+              <a:endParaRPr lang="en-US"/>
+            </a:p>
+          </p:txBody>
+        </p:sp>
+        <p:sp>
+          <p:nvSpPr>
+            <p:cNvPr id="15" name="Freeform 46">
+              <a:extLst>
+                <a:ext uri="{FF2B5EF4-FFF2-40B4-BE49-F238E27FC236}">
+                  <a16:creationId xmlns:a16="http://schemas.microsoft.com/office/drawing/2014/main" id="{82C18C67-80FA-4738-AA53-0AF2419F98E0}"/>
+                </a:ext>
+                <a:ext uri="{C183D7F6-B498-43B3-948B-1728B52AA6E4}">
+                  <adec:decorative xmlns:adec="http://schemas.microsoft.com/office/drawing/2017/decorative" val="1"/>
+                </a:ext>
+              </a:extLst>
+            </p:cNvPr>
+            <p:cNvSpPr>
+              <a:spLocks/>
+            </p:cNvSpPr>
+            <p:nvPr>
+              <p:extLst>
+                <p:ext uri="{386F3935-93C4-4BCD-93E2-E3B085C9AB24}">
+                  <p16:designElem xmlns:p16="http://schemas.microsoft.com/office/powerpoint/2015/main" val="1"/>
+                </p:ext>
+              </p:extLst>
+            </p:nvPr>
+          </p:nvSpPr>
+          <p:spPr bwMode="auto">
+            <a:xfrm>
+              <a:off x="409710" y="837744"/>
+              <a:ext cx="403225" cy="1705431"/>
+            </a:xfrm>
+            <a:custGeom>
+              <a:avLst/>
+              <a:gdLst>
+                <a:gd name="T0" fmla="*/ 254 w 254"/>
+                <a:gd name="T1" fmla="*/ 987 h 1109"/>
+                <a:gd name="T2" fmla="*/ 0 w 254"/>
+                <a:gd name="T3" fmla="*/ 1109 h 1109"/>
+                <a:gd name="T4" fmla="*/ 0 w 254"/>
+                <a:gd name="T5" fmla="*/ 119 h 1109"/>
+                <a:gd name="T6" fmla="*/ 254 w 254"/>
+                <a:gd name="T7" fmla="*/ 0 h 1109"/>
+                <a:gd name="T8" fmla="*/ 254 w 254"/>
+                <a:gd name="T9" fmla="*/ 987 h 1109"/>
+              </a:gdLst>
+              <a:ahLst/>
+              <a:cxnLst>
+                <a:cxn ang="0">
+                  <a:pos x="T0" y="T1"/>
+                </a:cxn>
+                <a:cxn ang="0">
+                  <a:pos x="T2" y="T3"/>
+                </a:cxn>
+                <a:cxn ang="0">
+                  <a:pos x="T4" y="T5"/>
+                </a:cxn>
+                <a:cxn ang="0">
+                  <a:pos x="T6" y="T7"/>
+                </a:cxn>
+                <a:cxn ang="0">
+                  <a:pos x="T8" y="T9"/>
+                </a:cxn>
+              </a:cxnLst>
+              <a:rect l="0" t="0" r="r" b="b"/>
+              <a:pathLst>
+                <a:path w="254" h="1109">
+                  <a:moveTo>
+                    <a:pt x="254" y="987"/>
+                  </a:moveTo>
+                  <a:lnTo>
+                    <a:pt x="0" y="1109"/>
+                  </a:lnTo>
+                  <a:lnTo>
+                    <a:pt x="0" y="119"/>
+                  </a:lnTo>
+                  <a:lnTo>
+                    <a:pt x="254" y="0"/>
+                  </a:lnTo>
+                  <a:lnTo>
+                    <a:pt x="254" y="987"/>
+                  </a:lnTo>
+                  <a:close/>
+                </a:path>
+              </a:pathLst>
+            </a:custGeom>
+            <a:solidFill>
+              <a:schemeClr val="accent1">
+                <a:lumMod val="75000"/>
+              </a:schemeClr>
+            </a:solidFill>
+            <a:ln>
+              <a:noFill/>
+            </a:ln>
+          </p:spPr>
+          <p:txBody>
+            <a:bodyPr vert="horz" wrap="square" lIns="91440" tIns="45720" rIns="91440" bIns="45720" numCol="1" anchor="t" anchorCtr="0" compatLnSpc="1">
+              <a:prstTxWarp prst="textNoShape">
+                <a:avLst/>
+              </a:prstTxWarp>
+            </a:bodyPr>
+            <a:lstStyle/>
+            <a:p>
+              <a:endParaRPr lang="en-US"/>
+            </a:p>
+          </p:txBody>
+        </p:sp>
+        <p:sp>
+          <p:nvSpPr>
+            <p:cNvPr id="16" name="Freeform 47">
+              <a:extLst>
+                <a:ext uri="{FF2B5EF4-FFF2-40B4-BE49-F238E27FC236}">
+                  <a16:creationId xmlns:a16="http://schemas.microsoft.com/office/drawing/2014/main" id="{48543B1A-8BF5-4C63-8404-41B2EA70B33E}"/>
+                </a:ext>
+                <a:ext uri="{C183D7F6-B498-43B3-948B-1728B52AA6E4}">
+                  <adec:decorative xmlns:adec="http://schemas.microsoft.com/office/drawing/2017/decorative" val="1"/>
+                </a:ext>
+              </a:extLst>
+            </p:cNvPr>
+            <p:cNvSpPr>
+              <a:spLocks/>
+            </p:cNvSpPr>
+            <p:nvPr>
+              <p:extLst>
+                <p:ext uri="{386F3935-93C4-4BCD-93E2-E3B085C9AB24}">
+                  <p16:designElem xmlns:p16="http://schemas.microsoft.com/office/powerpoint/2015/main" val="1"/>
+                </p:ext>
+              </p:extLst>
+            </p:nvPr>
+          </p:nvSpPr>
+          <p:spPr bwMode="auto">
+            <a:xfrm>
+              <a:off x="644660" y="640894"/>
+              <a:ext cx="168275" cy="1713195"/>
+            </a:xfrm>
+            <a:custGeom>
+              <a:avLst/>
+              <a:gdLst>
+                <a:gd name="T0" fmla="*/ 106 w 106"/>
+                <a:gd name="T1" fmla="*/ 1114 h 1114"/>
+                <a:gd name="T2" fmla="*/ 0 w 106"/>
+                <a:gd name="T3" fmla="*/ 1005 h 1114"/>
+                <a:gd name="T4" fmla="*/ 0 w 106"/>
+                <a:gd name="T5" fmla="*/ 0 h 1114"/>
+                <a:gd name="T6" fmla="*/ 106 w 106"/>
+                <a:gd name="T7" fmla="*/ 110 h 1114"/>
+                <a:gd name="T8" fmla="*/ 106 w 106"/>
+                <a:gd name="T9" fmla="*/ 1114 h 1114"/>
+              </a:gdLst>
+              <a:ahLst/>
+              <a:cxnLst>
+                <a:cxn ang="0">
+                  <a:pos x="T0" y="T1"/>
+                </a:cxn>
+                <a:cxn ang="0">
+                  <a:pos x="T2" y="T3"/>
+                </a:cxn>
+                <a:cxn ang="0">
+                  <a:pos x="T4" y="T5"/>
+                </a:cxn>
+                <a:cxn ang="0">
+                  <a:pos x="T6" y="T7"/>
+                </a:cxn>
+                <a:cxn ang="0">
+                  <a:pos x="T8" y="T9"/>
+                </a:cxn>
+              </a:cxnLst>
+              <a:rect l="0" t="0" r="r" b="b"/>
+              <a:pathLst>
+                <a:path w="106" h="1114">
+                  <a:moveTo>
+                    <a:pt x="106" y="1114"/>
+                  </a:moveTo>
+                  <a:lnTo>
+                    <a:pt x="0" y="1005"/>
+                  </a:lnTo>
+                  <a:lnTo>
+                    <a:pt x="0" y="0"/>
+                  </a:lnTo>
+                  <a:lnTo>
+                    <a:pt x="106" y="110"/>
+                  </a:lnTo>
+                  <a:lnTo>
+                    <a:pt x="106" y="1114"/>
+                  </a:lnTo>
+                  <a:close/>
+                </a:path>
+              </a:pathLst>
+            </a:custGeom>
+            <a:solidFill>
+              <a:schemeClr val="accent1">
+                <a:lumMod val="50000"/>
+              </a:schemeClr>
+            </a:solidFill>
+            <a:ln>
+              <a:noFill/>
+            </a:ln>
+          </p:spPr>
+          <p:txBody>
+            <a:bodyPr vert="horz" wrap="square" lIns="91440" tIns="45720" rIns="91440" bIns="45720" numCol="1" anchor="t" anchorCtr="0" compatLnSpc="1">
+              <a:prstTxWarp prst="textNoShape">
+                <a:avLst/>
+              </a:prstTxWarp>
+            </a:bodyPr>
+            <a:lstStyle/>
+            <a:p>
+              <a:endParaRPr lang="en-US"/>
+            </a:p>
+          </p:txBody>
+        </p:sp>
+        <p:sp>
+          <p:nvSpPr>
+            <p:cNvPr id="17" name="Rectangle 16">
+              <a:extLst>
+                <a:ext uri="{FF2B5EF4-FFF2-40B4-BE49-F238E27FC236}">
+                  <a16:creationId xmlns:a16="http://schemas.microsoft.com/office/drawing/2014/main" id="{92DF5096-E051-498C-A3ED-CBA77A813AAC}"/>
+                </a:ext>
+                <a:ext uri="{C183D7F6-B498-43B3-948B-1728B52AA6E4}">
+                  <adec:decorative xmlns:adec="http://schemas.microsoft.com/office/drawing/2017/decorative" val="1"/>
+                </a:ext>
+              </a:extLst>
+            </p:cNvPr>
+            <p:cNvSpPr>
+              <a:spLocks noChangeArrowheads="1"/>
+            </p:cNvSpPr>
+            <p:nvPr>
+              <p:extLst>
+                <p:ext uri="{386F3935-93C4-4BCD-93E2-E3B085C9AB24}">
+                  <p16:designElem xmlns:p16="http://schemas.microsoft.com/office/powerpoint/2015/main" val="1"/>
+                </p:ext>
+              </p:extLst>
+            </p:nvPr>
+          </p:nvSpPr>
+          <p:spPr bwMode="auto">
+            <a:xfrm>
+              <a:off x="644055" y="635715"/>
+              <a:ext cx="10907863" cy="1541457"/>
+            </a:xfrm>
+            <a:prstGeom prst="rect">
+              <a:avLst/>
+            </a:prstGeom>
+            <a:solidFill>
+              <a:schemeClr val="accent1"/>
+            </a:solidFill>
+            <a:ln>
+              <a:noFill/>
+            </a:ln>
+          </p:spPr>
+          <p:txBody>
+            <a:bodyPr vert="horz" wrap="square" lIns="91440" tIns="45720" rIns="91440" bIns="45720" numCol="1" anchor="t" anchorCtr="0" compatLnSpc="1">
+              <a:prstTxWarp prst="textNoShape">
+                <a:avLst/>
+              </a:prstTxWarp>
+            </a:bodyPr>
+            <a:lstStyle/>
+            <a:p>
+              <a:endParaRPr lang="en-US"/>
+            </a:p>
+          </p:txBody>
+        </p:sp>
+      </p:grpSp>
+      <p:sp>
+        <p:nvSpPr>
+          <p:cNvPr id="2" name="Title 1">
+            <a:extLst>
+              <a:ext uri="{FF2B5EF4-FFF2-40B4-BE49-F238E27FC236}">
+                <a16:creationId xmlns:a16="http://schemas.microsoft.com/office/drawing/2014/main" id="{9C59ED47-CBF7-4C25-96C3-0220E50BAC96}"/>
+              </a:ext>
+            </a:extLst>
+          </p:cNvPr>
+          <p:cNvSpPr>
+            <a:spLocks noGrp="1"/>
+          </p:cNvSpPr>
+          <p:nvPr>
+            <p:ph type="title"/>
+          </p:nvPr>
+        </p:nvSpPr>
+        <p:spPr>
+          <a:xfrm>
+            <a:off x="1047280" y="759805"/>
+            <a:ext cx="10306520" cy="1325563"/>
+          </a:xfrm>
+        </p:spPr>
+        <p:txBody>
+          <a:bodyPr>
+            <a:normAutofit/>
+          </a:bodyPr>
+          <a:lstStyle/>
+          <a:p>
+            <a:r>
+              <a:rPr lang="en-US" sz="4000" dirty="0">
+                <a:solidFill>
+                  <a:schemeClr val="bg1"/>
+                </a:solidFill>
+              </a:rPr>
+              <a:t>Limitations</a:t>
+            </a:r>
+            <a:br>
+              <a:rPr lang="en-US" sz="4000" dirty="0">
+                <a:solidFill>
+                  <a:srgbClr val="FFFFFF"/>
+                </a:solidFill>
+              </a:rPr>
+            </a:br>
+            <a:endParaRPr lang="en-US" sz="4000" dirty="0">
+              <a:solidFill>
+                <a:srgbClr val="FFFFFF"/>
+              </a:solidFill>
+            </a:endParaRPr>
+          </a:p>
+        </p:txBody>
+      </p:sp>
+      <p:sp>
+        <p:nvSpPr>
+          <p:cNvPr id="3" name="Content Placeholder 2">
+            <a:extLst>
+              <a:ext uri="{FF2B5EF4-FFF2-40B4-BE49-F238E27FC236}">
+                <a16:creationId xmlns:a16="http://schemas.microsoft.com/office/drawing/2014/main" id="{CCFC8519-36E1-4A40-8F4E-B3526A2AB62A}"/>
+              </a:ext>
+            </a:extLst>
+          </p:cNvPr>
+          <p:cNvSpPr>
+            <a:spLocks noGrp="1"/>
+          </p:cNvSpPr>
+          <p:nvPr>
+            <p:ph idx="1"/>
+          </p:nvPr>
+        </p:nvSpPr>
+        <p:spPr>
+          <a:xfrm>
+            <a:off x="1424904" y="2494450"/>
+            <a:ext cx="7135999" cy="3563159"/>
+          </a:xfrm>
+        </p:spPr>
+        <p:txBody>
+          <a:bodyPr>
+            <a:normAutofit/>
+          </a:bodyPr>
+          <a:lstStyle/>
+          <a:p>
+            <a:pPr marL="0" indent="0">
+              <a:buNone/>
+            </a:pPr>
+            <a:r>
+              <a:rPr lang="en-US" sz="2400" dirty="0"/>
+              <a:t>The dataset was very limited, it only contains the basic information about Superbowl’s. We consider we could make a deeper analysis with more statistics.</a:t>
+            </a:r>
+          </a:p>
+          <a:p>
+            <a:pPr marL="0" indent="0">
+              <a:buNone/>
+            </a:pPr>
+            <a:endParaRPr lang="en-US" sz="2400" dirty="0"/>
+          </a:p>
+          <a:p>
+            <a:pPr marL="0" indent="0">
+              <a:buNone/>
+            </a:pPr>
+            <a:r>
+              <a:rPr lang="en-US" sz="2400" dirty="0"/>
+              <a:t>53 rows, one for each Superbowl</a:t>
+            </a:r>
+          </a:p>
+          <a:p>
+            <a:pPr marL="0" indent="0">
+              <a:buNone/>
+            </a:pPr>
+            <a:r>
+              <a:rPr lang="en-US" sz="2400" dirty="0"/>
+              <a:t>10 columns of data/statistics </a:t>
+            </a:r>
+          </a:p>
+          <a:p>
+            <a:pPr marL="0" indent="0">
+              <a:buNone/>
+            </a:pPr>
+            <a:endParaRPr lang="en-US" sz="2400" dirty="0"/>
+          </a:p>
+        </p:txBody>
+      </p:sp>
+    </p:spTree>
+    <p:extLst>
+      <p:ext uri="{BB962C8B-B14F-4D97-AF65-F5344CB8AC3E}">
+        <p14:creationId xmlns:p14="http://schemas.microsoft.com/office/powerpoint/2010/main" val="2318284010"/>
+      </p:ext>
+    </p:extLst>
+  </p:cSld>
+  <p:clrMapOvr>
+    <a:masterClrMapping/>
+  </p:clrMapOvr>
+</p:sld>
+</file>
+
+<file path=ppt/slides/slide12.xml><?xml version="1.0" encoding="utf-8"?>
+<p:sld xmlns:a="http://schemas.openxmlformats.org/drawingml/2006/main" xmlns:r="http://schemas.openxmlformats.org/officeDocument/2006/relationships" xmlns:p="http://schemas.openxmlformats.org/presentationml/2006/main">
+  <p:cSld>
+    <p:bg>
+      <p:bgPr>
+        <a:solidFill>
+          <a:schemeClr val="bg1"/>
+        </a:solidFill>
+        <a:effectLst/>
+      </p:bgPr>
+    </p:bg>
+    <p:spTree>
+      <p:nvGrpSpPr>
+        <p:cNvPr id="1" name=""/>
+        <p:cNvGrpSpPr/>
+        <p:nvPr/>
+      </p:nvGrpSpPr>
+      <p:grpSpPr>
+        <a:xfrm>
+          <a:off x="0" y="0"/>
+          <a:ext cx="0" cy="0"/>
+          <a:chOff x="0" y="0"/>
+          <a:chExt cx="0" cy="0"/>
+        </a:xfrm>
+      </p:grpSpPr>
+      <p:sp useBgFill="1">
+        <p:nvSpPr>
+          <p:cNvPr id="10" name="Rectangle 9">
+            <a:extLst>
+              <a:ext uri="{FF2B5EF4-FFF2-40B4-BE49-F238E27FC236}">
+                <a16:creationId xmlns:a16="http://schemas.microsoft.com/office/drawing/2014/main" id="{F4C0B10B-D2C4-4A54-AFAD-3D27DF88BB37}"/>
+              </a:ext>
+              <a:ext uri="{C183D7F6-B498-43B3-948B-1728B52AA6E4}">
+                <adec:decorative xmlns:adec="http://schemas.microsoft.com/office/drawing/2017/decorative" val="1"/>
+              </a:ext>
+            </a:extLst>
+          </p:cNvPr>
+          <p:cNvSpPr>
+            <a:spLocks noGrp="1" noRot="1" noChangeAspect="1" noMove="1" noResize="1" noEditPoints="1" noAdjustHandles="1" noChangeArrowheads="1" noChangeShapeType="1" noTextEdit="1"/>
+          </p:cNvSpPr>
+          <p:nvPr>
+            <p:extLst>
+              <p:ext uri="{386F3935-93C4-4BCD-93E2-E3B085C9AB24}">
+                <p16:designElem xmlns:p16="http://schemas.microsoft.com/office/powerpoint/2015/main" val="1"/>
+              </p:ext>
+            </p:extLst>
+          </p:nvPr>
+        </p:nvSpPr>
+        <p:spPr>
+          <a:xfrm>
+            <a:off x="0" y="0"/>
+            <a:ext cx="12188952" cy="6858000"/>
+          </a:xfrm>
+          <a:prstGeom prst="rect">
+            <a:avLst/>
+          </a:prstGeom>
+          <a:ln>
+            <a:noFill/>
+          </a:ln>
+        </p:spPr>
+        <p:style>
+          <a:lnRef idx="2">
+            <a:schemeClr val="accent1">
+              <a:shade val="50000"/>
+            </a:schemeClr>
+          </a:lnRef>
+          <a:fillRef idx="1">
+            <a:schemeClr val="accent1"/>
+          </a:fillRef>
+          <a:effectRef idx="0">
+            <a:schemeClr val="accent1"/>
+          </a:effectRef>
+          <a:fontRef idx="minor">
+            <a:schemeClr val="lt1"/>
+          </a:fontRef>
+        </p:style>
+        <p:txBody>
+          <a:bodyPr rtlCol="0" anchor="ctr"/>
+          <a:lstStyle/>
+          <a:p>
+            <a:pPr algn="ctr"/>
+            <a:endParaRPr lang="en-US"/>
+          </a:p>
+        </p:txBody>
+      </p:sp>
+      <p:grpSp>
+        <p:nvGrpSpPr>
+          <p:cNvPr id="12" name="Group 11">
+            <a:extLst>
+              <a:ext uri="{FF2B5EF4-FFF2-40B4-BE49-F238E27FC236}">
+                <a16:creationId xmlns:a16="http://schemas.microsoft.com/office/drawing/2014/main" id="{B6BADB90-C74B-40D6-86DC-503F65FCE8DC}"/>
+              </a:ext>
+              <a:ext uri="{C183D7F6-B498-43B3-948B-1728B52AA6E4}">
+                <adec:decorative xmlns:adec="http://schemas.microsoft.com/office/drawing/2017/decorative" val="1"/>
+              </a:ext>
+            </a:extLst>
+          </p:cNvPr>
+          <p:cNvGrpSpPr>
+            <a:grpSpLocks noGrp="1" noUngrp="1" noRot="1" noChangeAspect="1" noMove="1" noResize="1"/>
+          </p:cNvGrpSpPr>
+          <p:nvPr>
+            <p:extLst>
+              <p:ext uri="{386F3935-93C4-4BCD-93E2-E3B085C9AB24}">
+                <p16:designElem xmlns:p16="http://schemas.microsoft.com/office/powerpoint/2015/main" val="1"/>
+              </p:ext>
+            </p:extLst>
+          </p:nvPr>
+        </p:nvGrpSpPr>
+        <p:grpSpPr>
+          <a:xfrm>
+            <a:off x="409710" y="635715"/>
+            <a:ext cx="11142208" cy="2482136"/>
+            <a:chOff x="409710" y="635715"/>
+            <a:chExt cx="11142208" cy="2482136"/>
+          </a:xfrm>
+        </p:grpSpPr>
+        <p:sp>
+          <p:nvSpPr>
+            <p:cNvPr id="13" name="Freeform 44">
+              <a:extLst>
+                <a:ext uri="{FF2B5EF4-FFF2-40B4-BE49-F238E27FC236}">
+                  <a16:creationId xmlns:a16="http://schemas.microsoft.com/office/drawing/2014/main" id="{6559431D-1886-4AE0-9B87-9AD2ECAB8439}"/>
+                </a:ext>
+                <a:ext uri="{C183D7F6-B498-43B3-948B-1728B52AA6E4}">
+                  <adec:decorative xmlns:adec="http://schemas.microsoft.com/office/drawing/2017/decorative" val="1"/>
+                </a:ext>
+              </a:extLst>
+            </p:cNvPr>
+            <p:cNvSpPr>
+              <a:spLocks/>
+            </p:cNvSpPr>
+            <p:nvPr>
+              <p:extLst>
+                <p:ext uri="{386F3935-93C4-4BCD-93E2-E3B085C9AB24}">
+                  <p16:designElem xmlns:p16="http://schemas.microsoft.com/office/powerpoint/2015/main" val="1"/>
+                </p:ext>
+              </p:extLst>
+            </p:nvPr>
+          </p:nvSpPr>
+          <p:spPr bwMode="auto">
+            <a:xfrm>
+              <a:off x="11223203" y="635716"/>
+              <a:ext cx="328612" cy="1742360"/>
+            </a:xfrm>
+            <a:custGeom>
+              <a:avLst/>
+              <a:gdLst>
+                <a:gd name="T0" fmla="*/ 207 w 207"/>
+                <a:gd name="T1" fmla="*/ 987 h 1114"/>
+                <a:gd name="T2" fmla="*/ 0 w 207"/>
+                <a:gd name="T3" fmla="*/ 1114 h 1114"/>
+                <a:gd name="T4" fmla="*/ 0 w 207"/>
+                <a:gd name="T5" fmla="*/ 127 h 1114"/>
+                <a:gd name="T6" fmla="*/ 207 w 207"/>
+                <a:gd name="T7" fmla="*/ 0 h 1114"/>
+                <a:gd name="T8" fmla="*/ 207 w 207"/>
+                <a:gd name="T9" fmla="*/ 987 h 1114"/>
+              </a:gdLst>
+              <a:ahLst/>
+              <a:cxnLst>
+                <a:cxn ang="0">
+                  <a:pos x="T0" y="T1"/>
+                </a:cxn>
+                <a:cxn ang="0">
+                  <a:pos x="T2" y="T3"/>
+                </a:cxn>
+                <a:cxn ang="0">
+                  <a:pos x="T4" y="T5"/>
+                </a:cxn>
+                <a:cxn ang="0">
+                  <a:pos x="T6" y="T7"/>
+                </a:cxn>
+                <a:cxn ang="0">
+                  <a:pos x="T8" y="T9"/>
+                </a:cxn>
+              </a:cxnLst>
+              <a:rect l="0" t="0" r="r" b="b"/>
+              <a:pathLst>
+                <a:path w="207" h="1114">
+                  <a:moveTo>
+                    <a:pt x="207" y="987"/>
+                  </a:moveTo>
+                  <a:lnTo>
+                    <a:pt x="0" y="1114"/>
+                  </a:lnTo>
+                  <a:lnTo>
+                    <a:pt x="0" y="127"/>
+                  </a:lnTo>
+                  <a:lnTo>
+                    <a:pt x="207" y="0"/>
+                  </a:lnTo>
+                  <a:lnTo>
+                    <a:pt x="207" y="987"/>
+                  </a:lnTo>
+                  <a:close/>
+                </a:path>
+              </a:pathLst>
+            </a:custGeom>
+            <a:solidFill>
+              <a:schemeClr val="accent1">
+                <a:lumMod val="50000"/>
+              </a:schemeClr>
+            </a:solidFill>
+            <a:ln>
+              <a:noFill/>
+            </a:ln>
+          </p:spPr>
+          <p:txBody>
+            <a:bodyPr vert="horz" wrap="square" lIns="91440" tIns="45720" rIns="91440" bIns="45720" numCol="1" anchor="t" anchorCtr="0" compatLnSpc="1">
+              <a:prstTxWarp prst="textNoShape">
+                <a:avLst/>
+              </a:prstTxWarp>
+            </a:bodyPr>
+            <a:lstStyle/>
+            <a:p>
+              <a:endParaRPr lang="en-US"/>
+            </a:p>
+          </p:txBody>
+        </p:sp>
+        <p:sp>
+          <p:nvSpPr>
+            <p:cNvPr id="14" name="Freeform 45">
+              <a:extLst>
+                <a:ext uri="{FF2B5EF4-FFF2-40B4-BE49-F238E27FC236}">
+                  <a16:creationId xmlns:a16="http://schemas.microsoft.com/office/drawing/2014/main" id="{373850A5-B04A-4FCD-9E73-EE322167FB31}"/>
+                </a:ext>
+                <a:ext uri="{C183D7F6-B498-43B3-948B-1728B52AA6E4}">
+                  <adec:decorative xmlns:adec="http://schemas.microsoft.com/office/drawing/2017/decorative" val="1"/>
+                </a:ext>
+              </a:extLst>
+            </p:cNvPr>
+            <p:cNvSpPr>
+              <a:spLocks/>
+            </p:cNvSpPr>
+            <p:nvPr>
+              <p:extLst>
+                <p:ext uri="{386F3935-93C4-4BCD-93E2-E3B085C9AB24}">
+                  <p16:designElem xmlns:p16="http://schemas.microsoft.com/office/powerpoint/2015/main" val="1"/>
+                </p:ext>
+              </p:extLst>
+            </p:nvPr>
+          </p:nvSpPr>
+          <p:spPr bwMode="auto">
+            <a:xfrm>
+              <a:off x="409710" y="1022350"/>
+              <a:ext cx="709612" cy="2095501"/>
+            </a:xfrm>
+            <a:custGeom>
+              <a:avLst/>
+              <a:gdLst>
+                <a:gd name="T0" fmla="*/ 447 w 447"/>
+                <a:gd name="T1" fmla="*/ 1363 h 1363"/>
+                <a:gd name="T2" fmla="*/ 0 w 447"/>
+                <a:gd name="T3" fmla="*/ 987 h 1363"/>
+                <a:gd name="T4" fmla="*/ 0 w 447"/>
+                <a:gd name="T5" fmla="*/ 0 h 1363"/>
+                <a:gd name="T6" fmla="*/ 447 w 447"/>
+                <a:gd name="T7" fmla="*/ 376 h 1363"/>
+                <a:gd name="T8" fmla="*/ 447 w 447"/>
+                <a:gd name="T9" fmla="*/ 1363 h 1363"/>
+              </a:gdLst>
+              <a:ahLst/>
+              <a:cxnLst>
+                <a:cxn ang="0">
+                  <a:pos x="T0" y="T1"/>
+                </a:cxn>
+                <a:cxn ang="0">
+                  <a:pos x="T2" y="T3"/>
+                </a:cxn>
+                <a:cxn ang="0">
+                  <a:pos x="T4" y="T5"/>
+                </a:cxn>
+                <a:cxn ang="0">
+                  <a:pos x="T6" y="T7"/>
+                </a:cxn>
+                <a:cxn ang="0">
+                  <a:pos x="T8" y="T9"/>
+                </a:cxn>
+              </a:cxnLst>
+              <a:rect l="0" t="0" r="r" b="b"/>
+              <a:pathLst>
+                <a:path w="447" h="1363">
+                  <a:moveTo>
+                    <a:pt x="447" y="1363"/>
+                  </a:moveTo>
+                  <a:lnTo>
+                    <a:pt x="0" y="987"/>
+                  </a:lnTo>
+                  <a:lnTo>
+                    <a:pt x="0" y="0"/>
+                  </a:lnTo>
+                  <a:lnTo>
+                    <a:pt x="447" y="376"/>
+                  </a:lnTo>
+                  <a:lnTo>
+                    <a:pt x="447" y="1363"/>
+                  </a:lnTo>
+                  <a:close/>
+                </a:path>
+              </a:pathLst>
+            </a:custGeom>
+            <a:solidFill>
+              <a:schemeClr val="accent1">
+                <a:lumMod val="50000"/>
+              </a:schemeClr>
+            </a:solidFill>
+            <a:ln>
+              <a:noFill/>
+            </a:ln>
+          </p:spPr>
+          <p:txBody>
+            <a:bodyPr vert="horz" wrap="square" lIns="91440" tIns="45720" rIns="91440" bIns="45720" numCol="1" anchor="t" anchorCtr="0" compatLnSpc="1">
+              <a:prstTxWarp prst="textNoShape">
+                <a:avLst/>
+              </a:prstTxWarp>
+            </a:bodyPr>
+            <a:lstStyle/>
+            <a:p>
+              <a:endParaRPr lang="en-US"/>
+            </a:p>
+          </p:txBody>
+        </p:sp>
+        <p:sp>
+          <p:nvSpPr>
+            <p:cNvPr id="15" name="Freeform 46">
+              <a:extLst>
+                <a:ext uri="{FF2B5EF4-FFF2-40B4-BE49-F238E27FC236}">
+                  <a16:creationId xmlns:a16="http://schemas.microsoft.com/office/drawing/2014/main" id="{82C18C67-80FA-4738-AA53-0AF2419F98E0}"/>
+                </a:ext>
+                <a:ext uri="{C183D7F6-B498-43B3-948B-1728B52AA6E4}">
+                  <adec:decorative xmlns:adec="http://schemas.microsoft.com/office/drawing/2017/decorative" val="1"/>
+                </a:ext>
+              </a:extLst>
+            </p:cNvPr>
+            <p:cNvSpPr>
+              <a:spLocks/>
+            </p:cNvSpPr>
+            <p:nvPr>
+              <p:extLst>
+                <p:ext uri="{386F3935-93C4-4BCD-93E2-E3B085C9AB24}">
+                  <p16:designElem xmlns:p16="http://schemas.microsoft.com/office/powerpoint/2015/main" val="1"/>
+                </p:ext>
+              </p:extLst>
+            </p:nvPr>
+          </p:nvSpPr>
+          <p:spPr bwMode="auto">
+            <a:xfrm>
+              <a:off x="409710" y="837744"/>
+              <a:ext cx="403225" cy="1705431"/>
+            </a:xfrm>
+            <a:custGeom>
+              <a:avLst/>
+              <a:gdLst>
+                <a:gd name="T0" fmla="*/ 254 w 254"/>
+                <a:gd name="T1" fmla="*/ 987 h 1109"/>
+                <a:gd name="T2" fmla="*/ 0 w 254"/>
+                <a:gd name="T3" fmla="*/ 1109 h 1109"/>
+                <a:gd name="T4" fmla="*/ 0 w 254"/>
+                <a:gd name="T5" fmla="*/ 119 h 1109"/>
+                <a:gd name="T6" fmla="*/ 254 w 254"/>
+                <a:gd name="T7" fmla="*/ 0 h 1109"/>
+                <a:gd name="T8" fmla="*/ 254 w 254"/>
+                <a:gd name="T9" fmla="*/ 987 h 1109"/>
+              </a:gdLst>
+              <a:ahLst/>
+              <a:cxnLst>
+                <a:cxn ang="0">
+                  <a:pos x="T0" y="T1"/>
+                </a:cxn>
+                <a:cxn ang="0">
+                  <a:pos x="T2" y="T3"/>
+                </a:cxn>
+                <a:cxn ang="0">
+                  <a:pos x="T4" y="T5"/>
+                </a:cxn>
+                <a:cxn ang="0">
+                  <a:pos x="T6" y="T7"/>
+                </a:cxn>
+                <a:cxn ang="0">
+                  <a:pos x="T8" y="T9"/>
+                </a:cxn>
+              </a:cxnLst>
+              <a:rect l="0" t="0" r="r" b="b"/>
+              <a:pathLst>
+                <a:path w="254" h="1109">
+                  <a:moveTo>
+                    <a:pt x="254" y="987"/>
+                  </a:moveTo>
+                  <a:lnTo>
+                    <a:pt x="0" y="1109"/>
+                  </a:lnTo>
+                  <a:lnTo>
+                    <a:pt x="0" y="119"/>
+                  </a:lnTo>
+                  <a:lnTo>
+                    <a:pt x="254" y="0"/>
+                  </a:lnTo>
+                  <a:lnTo>
+                    <a:pt x="254" y="987"/>
+                  </a:lnTo>
+                  <a:close/>
+                </a:path>
+              </a:pathLst>
+            </a:custGeom>
+            <a:solidFill>
+              <a:schemeClr val="accent1">
+                <a:lumMod val="75000"/>
+              </a:schemeClr>
+            </a:solidFill>
+            <a:ln>
+              <a:noFill/>
+            </a:ln>
+          </p:spPr>
+          <p:txBody>
+            <a:bodyPr vert="horz" wrap="square" lIns="91440" tIns="45720" rIns="91440" bIns="45720" numCol="1" anchor="t" anchorCtr="0" compatLnSpc="1">
+              <a:prstTxWarp prst="textNoShape">
+                <a:avLst/>
+              </a:prstTxWarp>
+            </a:bodyPr>
+            <a:lstStyle/>
+            <a:p>
+              <a:endParaRPr lang="en-US"/>
+            </a:p>
+          </p:txBody>
+        </p:sp>
+        <p:sp>
+          <p:nvSpPr>
+            <p:cNvPr id="16" name="Freeform 47">
+              <a:extLst>
+                <a:ext uri="{FF2B5EF4-FFF2-40B4-BE49-F238E27FC236}">
+                  <a16:creationId xmlns:a16="http://schemas.microsoft.com/office/drawing/2014/main" id="{48543B1A-8BF5-4C63-8404-41B2EA70B33E}"/>
+                </a:ext>
+                <a:ext uri="{C183D7F6-B498-43B3-948B-1728B52AA6E4}">
+                  <adec:decorative xmlns:adec="http://schemas.microsoft.com/office/drawing/2017/decorative" val="1"/>
+                </a:ext>
+              </a:extLst>
+            </p:cNvPr>
+            <p:cNvSpPr>
+              <a:spLocks/>
+            </p:cNvSpPr>
+            <p:nvPr>
+              <p:extLst>
+                <p:ext uri="{386F3935-93C4-4BCD-93E2-E3B085C9AB24}">
+                  <p16:designElem xmlns:p16="http://schemas.microsoft.com/office/powerpoint/2015/main" val="1"/>
+                </p:ext>
+              </p:extLst>
+            </p:nvPr>
+          </p:nvSpPr>
+          <p:spPr bwMode="auto">
+            <a:xfrm>
+              <a:off x="644660" y="640894"/>
+              <a:ext cx="168275" cy="1713195"/>
+            </a:xfrm>
+            <a:custGeom>
+              <a:avLst/>
+              <a:gdLst>
+                <a:gd name="T0" fmla="*/ 106 w 106"/>
+                <a:gd name="T1" fmla="*/ 1114 h 1114"/>
+                <a:gd name="T2" fmla="*/ 0 w 106"/>
+                <a:gd name="T3" fmla="*/ 1005 h 1114"/>
+                <a:gd name="T4" fmla="*/ 0 w 106"/>
+                <a:gd name="T5" fmla="*/ 0 h 1114"/>
+                <a:gd name="T6" fmla="*/ 106 w 106"/>
+                <a:gd name="T7" fmla="*/ 110 h 1114"/>
+                <a:gd name="T8" fmla="*/ 106 w 106"/>
+                <a:gd name="T9" fmla="*/ 1114 h 1114"/>
+              </a:gdLst>
+              <a:ahLst/>
+              <a:cxnLst>
+                <a:cxn ang="0">
+                  <a:pos x="T0" y="T1"/>
+                </a:cxn>
+                <a:cxn ang="0">
+                  <a:pos x="T2" y="T3"/>
+                </a:cxn>
+                <a:cxn ang="0">
+                  <a:pos x="T4" y="T5"/>
+                </a:cxn>
+                <a:cxn ang="0">
+                  <a:pos x="T6" y="T7"/>
+                </a:cxn>
+                <a:cxn ang="0">
+                  <a:pos x="T8" y="T9"/>
+                </a:cxn>
+              </a:cxnLst>
+              <a:rect l="0" t="0" r="r" b="b"/>
+              <a:pathLst>
+                <a:path w="106" h="1114">
+                  <a:moveTo>
+                    <a:pt x="106" y="1114"/>
+                  </a:moveTo>
+                  <a:lnTo>
+                    <a:pt x="0" y="1005"/>
+                  </a:lnTo>
+                  <a:lnTo>
+                    <a:pt x="0" y="0"/>
+                  </a:lnTo>
+                  <a:lnTo>
+                    <a:pt x="106" y="110"/>
+                  </a:lnTo>
+                  <a:lnTo>
+                    <a:pt x="106" y="1114"/>
+                  </a:lnTo>
+                  <a:close/>
+                </a:path>
+              </a:pathLst>
+            </a:custGeom>
+            <a:solidFill>
+              <a:schemeClr val="accent1">
+                <a:lumMod val="50000"/>
+              </a:schemeClr>
+            </a:solidFill>
+            <a:ln>
+              <a:noFill/>
+            </a:ln>
+          </p:spPr>
+          <p:txBody>
+            <a:bodyPr vert="horz" wrap="square" lIns="91440" tIns="45720" rIns="91440" bIns="45720" numCol="1" anchor="t" anchorCtr="0" compatLnSpc="1">
+              <a:prstTxWarp prst="textNoShape">
+                <a:avLst/>
+              </a:prstTxWarp>
+            </a:bodyPr>
+            <a:lstStyle/>
+            <a:p>
+              <a:endParaRPr lang="en-US"/>
+            </a:p>
+          </p:txBody>
+        </p:sp>
+        <p:sp>
+          <p:nvSpPr>
+            <p:cNvPr id="17" name="Rectangle 16">
+              <a:extLst>
+                <a:ext uri="{FF2B5EF4-FFF2-40B4-BE49-F238E27FC236}">
+                  <a16:creationId xmlns:a16="http://schemas.microsoft.com/office/drawing/2014/main" id="{92DF5096-E051-498C-A3ED-CBA77A813AAC}"/>
+                </a:ext>
+                <a:ext uri="{C183D7F6-B498-43B3-948B-1728B52AA6E4}">
+                  <adec:decorative xmlns:adec="http://schemas.microsoft.com/office/drawing/2017/decorative" val="1"/>
+                </a:ext>
+              </a:extLst>
+            </p:cNvPr>
+            <p:cNvSpPr>
+              <a:spLocks noChangeArrowheads="1"/>
+            </p:cNvSpPr>
+            <p:nvPr>
+              <p:extLst>
+                <p:ext uri="{386F3935-93C4-4BCD-93E2-E3B085C9AB24}">
+                  <p16:designElem xmlns:p16="http://schemas.microsoft.com/office/powerpoint/2015/main" val="1"/>
+                </p:ext>
+              </p:extLst>
+            </p:nvPr>
+          </p:nvSpPr>
+          <p:spPr bwMode="auto">
+            <a:xfrm>
+              <a:off x="644055" y="635715"/>
+              <a:ext cx="10907863" cy="1541457"/>
+            </a:xfrm>
+            <a:prstGeom prst="rect">
+              <a:avLst/>
+            </a:prstGeom>
+            <a:solidFill>
+              <a:schemeClr val="accent1"/>
+            </a:solidFill>
+            <a:ln>
+              <a:noFill/>
+            </a:ln>
+          </p:spPr>
+          <p:txBody>
+            <a:bodyPr vert="horz" wrap="square" lIns="91440" tIns="45720" rIns="91440" bIns="45720" numCol="1" anchor="t" anchorCtr="0" compatLnSpc="1">
+              <a:prstTxWarp prst="textNoShape">
+                <a:avLst/>
+              </a:prstTxWarp>
+            </a:bodyPr>
+            <a:lstStyle/>
+            <a:p>
+              <a:endParaRPr lang="en-US"/>
+            </a:p>
+          </p:txBody>
+        </p:sp>
+      </p:grpSp>
+      <p:sp>
+        <p:nvSpPr>
+          <p:cNvPr id="2" name="Title 1">
+            <a:extLst>
+              <a:ext uri="{FF2B5EF4-FFF2-40B4-BE49-F238E27FC236}">
+                <a16:creationId xmlns:a16="http://schemas.microsoft.com/office/drawing/2014/main" id="{9C59ED47-CBF7-4C25-96C3-0220E50BAC96}"/>
+              </a:ext>
+            </a:extLst>
+          </p:cNvPr>
+          <p:cNvSpPr>
+            <a:spLocks noGrp="1"/>
+          </p:cNvSpPr>
+          <p:nvPr>
+            <p:ph type="title"/>
+          </p:nvPr>
+        </p:nvSpPr>
+        <p:spPr>
+          <a:xfrm>
+            <a:off x="1047280" y="759805"/>
+            <a:ext cx="10306520" cy="1325563"/>
+          </a:xfrm>
+        </p:spPr>
+        <p:txBody>
+          <a:bodyPr>
+            <a:normAutofit fontScale="90000"/>
+          </a:bodyPr>
+          <a:lstStyle/>
+          <a:p>
+            <a:br>
+              <a:rPr lang="en-US" sz="4000" dirty="0">
+                <a:solidFill>
+                  <a:schemeClr val="bg1"/>
+                </a:solidFill>
+              </a:rPr>
+            </a:br>
+            <a:r>
+              <a:rPr lang="en-US" sz="4000" dirty="0">
+                <a:solidFill>
+                  <a:schemeClr val="bg1"/>
+                </a:solidFill>
+              </a:rPr>
+              <a:t>Possible tables and/or graphs</a:t>
+            </a:r>
+            <a:br>
+              <a:rPr lang="en-US" sz="4000" dirty="0">
+                <a:solidFill>
+                  <a:schemeClr val="bg1"/>
+                </a:solidFill>
+              </a:rPr>
+            </a:br>
+            <a:br>
+              <a:rPr lang="en-US" sz="4000" dirty="0">
+                <a:solidFill>
+                  <a:schemeClr val="bg1"/>
+                </a:solidFill>
+              </a:rPr>
+            </a:br>
+            <a:endParaRPr lang="en-US" sz="4000" dirty="0">
+              <a:solidFill>
+                <a:schemeClr val="bg1"/>
+              </a:solidFill>
+            </a:endParaRPr>
+          </a:p>
+        </p:txBody>
+      </p:sp>
+      <p:sp>
+        <p:nvSpPr>
+          <p:cNvPr id="3" name="Content Placeholder 2">
+            <a:extLst>
+              <a:ext uri="{FF2B5EF4-FFF2-40B4-BE49-F238E27FC236}">
+                <a16:creationId xmlns:a16="http://schemas.microsoft.com/office/drawing/2014/main" id="{CCFC8519-36E1-4A40-8F4E-B3526A2AB62A}"/>
+              </a:ext>
+            </a:extLst>
+          </p:cNvPr>
+          <p:cNvSpPr>
+            <a:spLocks noGrp="1"/>
+          </p:cNvSpPr>
+          <p:nvPr>
+            <p:ph idx="1"/>
+          </p:nvPr>
+        </p:nvSpPr>
+        <p:spPr>
+          <a:xfrm>
+            <a:off x="1424904" y="2494450"/>
+            <a:ext cx="7135999" cy="3563159"/>
+          </a:xfrm>
+        </p:spPr>
+        <p:txBody>
+          <a:bodyPr>
+            <a:normAutofit/>
+          </a:bodyPr>
+          <a:lstStyle/>
+          <a:p>
+            <a:r>
+              <a:rPr lang="en-US" sz="2400" dirty="0"/>
+              <a:t>We could have made beans for different time periods and compare how Superbowl's have change threw the years. </a:t>
+            </a:r>
+          </a:p>
+          <a:p>
+            <a:pPr marL="0" indent="0">
+              <a:buNone/>
+            </a:pPr>
+            <a:endParaRPr lang="en-US" sz="2400" dirty="0"/>
+          </a:p>
+        </p:txBody>
+      </p:sp>
+    </p:spTree>
+    <p:extLst>
+      <p:ext uri="{BB962C8B-B14F-4D97-AF65-F5344CB8AC3E}">
+        <p14:creationId xmlns:p14="http://schemas.microsoft.com/office/powerpoint/2010/main" val="3966073605"/>
       </p:ext>
     </p:extLst>
   </p:cSld>
@@ -10054,7 +12134,7 @@
             <p:ph idx="1"/>
             <p:extLst>
               <p:ext uri="{D42A27DB-BD31-4B8C-83A1-F6EECF244321}">
-                <p14:modId xmlns:p14="http://schemas.microsoft.com/office/powerpoint/2010/main" val="564770455"/>
+                <p14:modId xmlns:p14="http://schemas.microsoft.com/office/powerpoint/2010/main" val="2411831650"/>
               </p:ext>
             </p:extLst>
           </p:nvPr>
@@ -10083,6 +12163,2184 @@
 </file>
 
 <file path=ppt/slides/slide3.xml><?xml version="1.0" encoding="utf-8"?>
+<p:sld xmlns:a="http://schemas.openxmlformats.org/drawingml/2006/main" xmlns:r="http://schemas.openxmlformats.org/officeDocument/2006/relationships" xmlns:p="http://schemas.openxmlformats.org/presentationml/2006/main">
+  <p:cSld>
+    <p:bg>
+      <p:bgPr>
+        <a:solidFill>
+          <a:schemeClr val="bg1"/>
+        </a:solidFill>
+        <a:effectLst/>
+      </p:bgPr>
+    </p:bg>
+    <p:spTree>
+      <p:nvGrpSpPr>
+        <p:cNvPr id="1" name=""/>
+        <p:cNvGrpSpPr/>
+        <p:nvPr/>
+      </p:nvGrpSpPr>
+      <p:grpSpPr>
+        <a:xfrm>
+          <a:off x="0" y="0"/>
+          <a:ext cx="0" cy="0"/>
+          <a:chOff x="0" y="0"/>
+          <a:chExt cx="0" cy="0"/>
+        </a:xfrm>
+      </p:grpSpPr>
+      <p:sp useBgFill="1">
+        <p:nvSpPr>
+          <p:cNvPr id="10" name="Rectangle 9">
+            <a:extLst>
+              <a:ext uri="{FF2B5EF4-FFF2-40B4-BE49-F238E27FC236}">
+                <a16:creationId xmlns:a16="http://schemas.microsoft.com/office/drawing/2014/main" id="{F4C0B10B-D2C4-4A54-AFAD-3D27DF88BB37}"/>
+              </a:ext>
+              <a:ext uri="{C183D7F6-B498-43B3-948B-1728B52AA6E4}">
+                <adec:decorative xmlns:adec="http://schemas.microsoft.com/office/drawing/2017/decorative" val="1"/>
+              </a:ext>
+            </a:extLst>
+          </p:cNvPr>
+          <p:cNvSpPr>
+            <a:spLocks noGrp="1" noRot="1" noChangeAspect="1" noMove="1" noResize="1" noEditPoints="1" noAdjustHandles="1" noChangeArrowheads="1" noChangeShapeType="1" noTextEdit="1"/>
+          </p:cNvSpPr>
+          <p:nvPr>
+            <p:extLst>
+              <p:ext uri="{386F3935-93C4-4BCD-93E2-E3B085C9AB24}">
+                <p16:designElem xmlns:p16="http://schemas.microsoft.com/office/powerpoint/2015/main" val="1"/>
+              </p:ext>
+            </p:extLst>
+          </p:nvPr>
+        </p:nvSpPr>
+        <p:spPr>
+          <a:xfrm>
+            <a:off x="0" y="0"/>
+            <a:ext cx="12188952" cy="6858000"/>
+          </a:xfrm>
+          <a:prstGeom prst="rect">
+            <a:avLst/>
+          </a:prstGeom>
+          <a:ln>
+            <a:noFill/>
+          </a:ln>
+        </p:spPr>
+        <p:style>
+          <a:lnRef idx="2">
+            <a:schemeClr val="accent1">
+              <a:shade val="50000"/>
+            </a:schemeClr>
+          </a:lnRef>
+          <a:fillRef idx="1">
+            <a:schemeClr val="accent1"/>
+          </a:fillRef>
+          <a:effectRef idx="0">
+            <a:schemeClr val="accent1"/>
+          </a:effectRef>
+          <a:fontRef idx="minor">
+            <a:schemeClr val="lt1"/>
+          </a:fontRef>
+        </p:style>
+        <p:txBody>
+          <a:bodyPr rtlCol="0" anchor="ctr"/>
+          <a:lstStyle/>
+          <a:p>
+            <a:pPr algn="ctr"/>
+            <a:endParaRPr lang="en-US"/>
+          </a:p>
+        </p:txBody>
+      </p:sp>
+      <p:grpSp>
+        <p:nvGrpSpPr>
+          <p:cNvPr id="12" name="Group 11">
+            <a:extLst>
+              <a:ext uri="{FF2B5EF4-FFF2-40B4-BE49-F238E27FC236}">
+                <a16:creationId xmlns:a16="http://schemas.microsoft.com/office/drawing/2014/main" id="{B6BADB90-C74B-40D6-86DC-503F65FCE8DC}"/>
+              </a:ext>
+              <a:ext uri="{C183D7F6-B498-43B3-948B-1728B52AA6E4}">
+                <adec:decorative xmlns:adec="http://schemas.microsoft.com/office/drawing/2017/decorative" val="1"/>
+              </a:ext>
+            </a:extLst>
+          </p:cNvPr>
+          <p:cNvGrpSpPr>
+            <a:grpSpLocks noGrp="1" noUngrp="1" noRot="1" noChangeAspect="1" noMove="1" noResize="1"/>
+          </p:cNvGrpSpPr>
+          <p:nvPr>
+            <p:extLst>
+              <p:ext uri="{386F3935-93C4-4BCD-93E2-E3B085C9AB24}">
+                <p16:designElem xmlns:p16="http://schemas.microsoft.com/office/powerpoint/2015/main" val="1"/>
+              </p:ext>
+            </p:extLst>
+          </p:nvPr>
+        </p:nvGrpSpPr>
+        <p:grpSpPr>
+          <a:xfrm>
+            <a:off x="409710" y="635715"/>
+            <a:ext cx="11142208" cy="2482136"/>
+            <a:chOff x="409710" y="635715"/>
+            <a:chExt cx="11142208" cy="2482136"/>
+          </a:xfrm>
+        </p:grpSpPr>
+        <p:sp>
+          <p:nvSpPr>
+            <p:cNvPr id="13" name="Freeform 44">
+              <a:extLst>
+                <a:ext uri="{FF2B5EF4-FFF2-40B4-BE49-F238E27FC236}">
+                  <a16:creationId xmlns:a16="http://schemas.microsoft.com/office/drawing/2014/main" id="{6559431D-1886-4AE0-9B87-9AD2ECAB8439}"/>
+                </a:ext>
+                <a:ext uri="{C183D7F6-B498-43B3-948B-1728B52AA6E4}">
+                  <adec:decorative xmlns:adec="http://schemas.microsoft.com/office/drawing/2017/decorative" val="1"/>
+                </a:ext>
+              </a:extLst>
+            </p:cNvPr>
+            <p:cNvSpPr>
+              <a:spLocks/>
+            </p:cNvSpPr>
+            <p:nvPr>
+              <p:extLst>
+                <p:ext uri="{386F3935-93C4-4BCD-93E2-E3B085C9AB24}">
+                  <p16:designElem xmlns:p16="http://schemas.microsoft.com/office/powerpoint/2015/main" val="1"/>
+                </p:ext>
+              </p:extLst>
+            </p:nvPr>
+          </p:nvSpPr>
+          <p:spPr bwMode="auto">
+            <a:xfrm>
+              <a:off x="11223203" y="635716"/>
+              <a:ext cx="328612" cy="1742360"/>
+            </a:xfrm>
+            <a:custGeom>
+              <a:avLst/>
+              <a:gdLst>
+                <a:gd name="T0" fmla="*/ 207 w 207"/>
+                <a:gd name="T1" fmla="*/ 987 h 1114"/>
+                <a:gd name="T2" fmla="*/ 0 w 207"/>
+                <a:gd name="T3" fmla="*/ 1114 h 1114"/>
+                <a:gd name="T4" fmla="*/ 0 w 207"/>
+                <a:gd name="T5" fmla="*/ 127 h 1114"/>
+                <a:gd name="T6" fmla="*/ 207 w 207"/>
+                <a:gd name="T7" fmla="*/ 0 h 1114"/>
+                <a:gd name="T8" fmla="*/ 207 w 207"/>
+                <a:gd name="T9" fmla="*/ 987 h 1114"/>
+              </a:gdLst>
+              <a:ahLst/>
+              <a:cxnLst>
+                <a:cxn ang="0">
+                  <a:pos x="T0" y="T1"/>
+                </a:cxn>
+                <a:cxn ang="0">
+                  <a:pos x="T2" y="T3"/>
+                </a:cxn>
+                <a:cxn ang="0">
+                  <a:pos x="T4" y="T5"/>
+                </a:cxn>
+                <a:cxn ang="0">
+                  <a:pos x="T6" y="T7"/>
+                </a:cxn>
+                <a:cxn ang="0">
+                  <a:pos x="T8" y="T9"/>
+                </a:cxn>
+              </a:cxnLst>
+              <a:rect l="0" t="0" r="r" b="b"/>
+              <a:pathLst>
+                <a:path w="207" h="1114">
+                  <a:moveTo>
+                    <a:pt x="207" y="987"/>
+                  </a:moveTo>
+                  <a:lnTo>
+                    <a:pt x="0" y="1114"/>
+                  </a:lnTo>
+                  <a:lnTo>
+                    <a:pt x="0" y="127"/>
+                  </a:lnTo>
+                  <a:lnTo>
+                    <a:pt x="207" y="0"/>
+                  </a:lnTo>
+                  <a:lnTo>
+                    <a:pt x="207" y="987"/>
+                  </a:lnTo>
+                  <a:close/>
+                </a:path>
+              </a:pathLst>
+            </a:custGeom>
+            <a:solidFill>
+              <a:schemeClr val="accent1">
+                <a:lumMod val="50000"/>
+              </a:schemeClr>
+            </a:solidFill>
+            <a:ln>
+              <a:noFill/>
+            </a:ln>
+          </p:spPr>
+          <p:txBody>
+            <a:bodyPr vert="horz" wrap="square" lIns="91440" tIns="45720" rIns="91440" bIns="45720" numCol="1" anchor="t" anchorCtr="0" compatLnSpc="1">
+              <a:prstTxWarp prst="textNoShape">
+                <a:avLst/>
+              </a:prstTxWarp>
+            </a:bodyPr>
+            <a:lstStyle/>
+            <a:p>
+              <a:endParaRPr lang="en-US"/>
+            </a:p>
+          </p:txBody>
+        </p:sp>
+        <p:sp>
+          <p:nvSpPr>
+            <p:cNvPr id="14" name="Freeform 45">
+              <a:extLst>
+                <a:ext uri="{FF2B5EF4-FFF2-40B4-BE49-F238E27FC236}">
+                  <a16:creationId xmlns:a16="http://schemas.microsoft.com/office/drawing/2014/main" id="{373850A5-B04A-4FCD-9E73-EE322167FB31}"/>
+                </a:ext>
+                <a:ext uri="{C183D7F6-B498-43B3-948B-1728B52AA6E4}">
+                  <adec:decorative xmlns:adec="http://schemas.microsoft.com/office/drawing/2017/decorative" val="1"/>
+                </a:ext>
+              </a:extLst>
+            </p:cNvPr>
+            <p:cNvSpPr>
+              <a:spLocks/>
+            </p:cNvSpPr>
+            <p:nvPr>
+              <p:extLst>
+                <p:ext uri="{386F3935-93C4-4BCD-93E2-E3B085C9AB24}">
+                  <p16:designElem xmlns:p16="http://schemas.microsoft.com/office/powerpoint/2015/main" val="1"/>
+                </p:ext>
+              </p:extLst>
+            </p:nvPr>
+          </p:nvSpPr>
+          <p:spPr bwMode="auto">
+            <a:xfrm>
+              <a:off x="409710" y="1022350"/>
+              <a:ext cx="709612" cy="2095501"/>
+            </a:xfrm>
+            <a:custGeom>
+              <a:avLst/>
+              <a:gdLst>
+                <a:gd name="T0" fmla="*/ 447 w 447"/>
+                <a:gd name="T1" fmla="*/ 1363 h 1363"/>
+                <a:gd name="T2" fmla="*/ 0 w 447"/>
+                <a:gd name="T3" fmla="*/ 987 h 1363"/>
+                <a:gd name="T4" fmla="*/ 0 w 447"/>
+                <a:gd name="T5" fmla="*/ 0 h 1363"/>
+                <a:gd name="T6" fmla="*/ 447 w 447"/>
+                <a:gd name="T7" fmla="*/ 376 h 1363"/>
+                <a:gd name="T8" fmla="*/ 447 w 447"/>
+                <a:gd name="T9" fmla="*/ 1363 h 1363"/>
+              </a:gdLst>
+              <a:ahLst/>
+              <a:cxnLst>
+                <a:cxn ang="0">
+                  <a:pos x="T0" y="T1"/>
+                </a:cxn>
+                <a:cxn ang="0">
+                  <a:pos x="T2" y="T3"/>
+                </a:cxn>
+                <a:cxn ang="0">
+                  <a:pos x="T4" y="T5"/>
+                </a:cxn>
+                <a:cxn ang="0">
+                  <a:pos x="T6" y="T7"/>
+                </a:cxn>
+                <a:cxn ang="0">
+                  <a:pos x="T8" y="T9"/>
+                </a:cxn>
+              </a:cxnLst>
+              <a:rect l="0" t="0" r="r" b="b"/>
+              <a:pathLst>
+                <a:path w="447" h="1363">
+                  <a:moveTo>
+                    <a:pt x="447" y="1363"/>
+                  </a:moveTo>
+                  <a:lnTo>
+                    <a:pt x="0" y="987"/>
+                  </a:lnTo>
+                  <a:lnTo>
+                    <a:pt x="0" y="0"/>
+                  </a:lnTo>
+                  <a:lnTo>
+                    <a:pt x="447" y="376"/>
+                  </a:lnTo>
+                  <a:lnTo>
+                    <a:pt x="447" y="1363"/>
+                  </a:lnTo>
+                  <a:close/>
+                </a:path>
+              </a:pathLst>
+            </a:custGeom>
+            <a:solidFill>
+              <a:schemeClr val="accent1">
+                <a:lumMod val="50000"/>
+              </a:schemeClr>
+            </a:solidFill>
+            <a:ln>
+              <a:noFill/>
+            </a:ln>
+          </p:spPr>
+          <p:txBody>
+            <a:bodyPr vert="horz" wrap="square" lIns="91440" tIns="45720" rIns="91440" bIns="45720" numCol="1" anchor="t" anchorCtr="0" compatLnSpc="1">
+              <a:prstTxWarp prst="textNoShape">
+                <a:avLst/>
+              </a:prstTxWarp>
+            </a:bodyPr>
+            <a:lstStyle/>
+            <a:p>
+              <a:endParaRPr lang="en-US"/>
+            </a:p>
+          </p:txBody>
+        </p:sp>
+        <p:sp>
+          <p:nvSpPr>
+            <p:cNvPr id="15" name="Freeform 46">
+              <a:extLst>
+                <a:ext uri="{FF2B5EF4-FFF2-40B4-BE49-F238E27FC236}">
+                  <a16:creationId xmlns:a16="http://schemas.microsoft.com/office/drawing/2014/main" id="{82C18C67-80FA-4738-AA53-0AF2419F98E0}"/>
+                </a:ext>
+                <a:ext uri="{C183D7F6-B498-43B3-948B-1728B52AA6E4}">
+                  <adec:decorative xmlns:adec="http://schemas.microsoft.com/office/drawing/2017/decorative" val="1"/>
+                </a:ext>
+              </a:extLst>
+            </p:cNvPr>
+            <p:cNvSpPr>
+              <a:spLocks/>
+            </p:cNvSpPr>
+            <p:nvPr>
+              <p:extLst>
+                <p:ext uri="{386F3935-93C4-4BCD-93E2-E3B085C9AB24}">
+                  <p16:designElem xmlns:p16="http://schemas.microsoft.com/office/powerpoint/2015/main" val="1"/>
+                </p:ext>
+              </p:extLst>
+            </p:nvPr>
+          </p:nvSpPr>
+          <p:spPr bwMode="auto">
+            <a:xfrm>
+              <a:off x="409710" y="837744"/>
+              <a:ext cx="403225" cy="1705431"/>
+            </a:xfrm>
+            <a:custGeom>
+              <a:avLst/>
+              <a:gdLst>
+                <a:gd name="T0" fmla="*/ 254 w 254"/>
+                <a:gd name="T1" fmla="*/ 987 h 1109"/>
+                <a:gd name="T2" fmla="*/ 0 w 254"/>
+                <a:gd name="T3" fmla="*/ 1109 h 1109"/>
+                <a:gd name="T4" fmla="*/ 0 w 254"/>
+                <a:gd name="T5" fmla="*/ 119 h 1109"/>
+                <a:gd name="T6" fmla="*/ 254 w 254"/>
+                <a:gd name="T7" fmla="*/ 0 h 1109"/>
+                <a:gd name="T8" fmla="*/ 254 w 254"/>
+                <a:gd name="T9" fmla="*/ 987 h 1109"/>
+              </a:gdLst>
+              <a:ahLst/>
+              <a:cxnLst>
+                <a:cxn ang="0">
+                  <a:pos x="T0" y="T1"/>
+                </a:cxn>
+                <a:cxn ang="0">
+                  <a:pos x="T2" y="T3"/>
+                </a:cxn>
+                <a:cxn ang="0">
+                  <a:pos x="T4" y="T5"/>
+                </a:cxn>
+                <a:cxn ang="0">
+                  <a:pos x="T6" y="T7"/>
+                </a:cxn>
+                <a:cxn ang="0">
+                  <a:pos x="T8" y="T9"/>
+                </a:cxn>
+              </a:cxnLst>
+              <a:rect l="0" t="0" r="r" b="b"/>
+              <a:pathLst>
+                <a:path w="254" h="1109">
+                  <a:moveTo>
+                    <a:pt x="254" y="987"/>
+                  </a:moveTo>
+                  <a:lnTo>
+                    <a:pt x="0" y="1109"/>
+                  </a:lnTo>
+                  <a:lnTo>
+                    <a:pt x="0" y="119"/>
+                  </a:lnTo>
+                  <a:lnTo>
+                    <a:pt x="254" y="0"/>
+                  </a:lnTo>
+                  <a:lnTo>
+                    <a:pt x="254" y="987"/>
+                  </a:lnTo>
+                  <a:close/>
+                </a:path>
+              </a:pathLst>
+            </a:custGeom>
+            <a:solidFill>
+              <a:schemeClr val="accent1">
+                <a:lumMod val="75000"/>
+              </a:schemeClr>
+            </a:solidFill>
+            <a:ln>
+              <a:noFill/>
+            </a:ln>
+          </p:spPr>
+          <p:txBody>
+            <a:bodyPr vert="horz" wrap="square" lIns="91440" tIns="45720" rIns="91440" bIns="45720" numCol="1" anchor="t" anchorCtr="0" compatLnSpc="1">
+              <a:prstTxWarp prst="textNoShape">
+                <a:avLst/>
+              </a:prstTxWarp>
+            </a:bodyPr>
+            <a:lstStyle/>
+            <a:p>
+              <a:endParaRPr lang="en-US"/>
+            </a:p>
+          </p:txBody>
+        </p:sp>
+        <p:sp>
+          <p:nvSpPr>
+            <p:cNvPr id="16" name="Freeform 47">
+              <a:extLst>
+                <a:ext uri="{FF2B5EF4-FFF2-40B4-BE49-F238E27FC236}">
+                  <a16:creationId xmlns:a16="http://schemas.microsoft.com/office/drawing/2014/main" id="{48543B1A-8BF5-4C63-8404-41B2EA70B33E}"/>
+                </a:ext>
+                <a:ext uri="{C183D7F6-B498-43B3-948B-1728B52AA6E4}">
+                  <adec:decorative xmlns:adec="http://schemas.microsoft.com/office/drawing/2017/decorative" val="1"/>
+                </a:ext>
+              </a:extLst>
+            </p:cNvPr>
+            <p:cNvSpPr>
+              <a:spLocks/>
+            </p:cNvSpPr>
+            <p:nvPr>
+              <p:extLst>
+                <p:ext uri="{386F3935-93C4-4BCD-93E2-E3B085C9AB24}">
+                  <p16:designElem xmlns:p16="http://schemas.microsoft.com/office/powerpoint/2015/main" val="1"/>
+                </p:ext>
+              </p:extLst>
+            </p:nvPr>
+          </p:nvSpPr>
+          <p:spPr bwMode="auto">
+            <a:xfrm>
+              <a:off x="644660" y="640894"/>
+              <a:ext cx="168275" cy="1713195"/>
+            </a:xfrm>
+            <a:custGeom>
+              <a:avLst/>
+              <a:gdLst>
+                <a:gd name="T0" fmla="*/ 106 w 106"/>
+                <a:gd name="T1" fmla="*/ 1114 h 1114"/>
+                <a:gd name="T2" fmla="*/ 0 w 106"/>
+                <a:gd name="T3" fmla="*/ 1005 h 1114"/>
+                <a:gd name="T4" fmla="*/ 0 w 106"/>
+                <a:gd name="T5" fmla="*/ 0 h 1114"/>
+                <a:gd name="T6" fmla="*/ 106 w 106"/>
+                <a:gd name="T7" fmla="*/ 110 h 1114"/>
+                <a:gd name="T8" fmla="*/ 106 w 106"/>
+                <a:gd name="T9" fmla="*/ 1114 h 1114"/>
+              </a:gdLst>
+              <a:ahLst/>
+              <a:cxnLst>
+                <a:cxn ang="0">
+                  <a:pos x="T0" y="T1"/>
+                </a:cxn>
+                <a:cxn ang="0">
+                  <a:pos x="T2" y="T3"/>
+                </a:cxn>
+                <a:cxn ang="0">
+                  <a:pos x="T4" y="T5"/>
+                </a:cxn>
+                <a:cxn ang="0">
+                  <a:pos x="T6" y="T7"/>
+                </a:cxn>
+                <a:cxn ang="0">
+                  <a:pos x="T8" y="T9"/>
+                </a:cxn>
+              </a:cxnLst>
+              <a:rect l="0" t="0" r="r" b="b"/>
+              <a:pathLst>
+                <a:path w="106" h="1114">
+                  <a:moveTo>
+                    <a:pt x="106" y="1114"/>
+                  </a:moveTo>
+                  <a:lnTo>
+                    <a:pt x="0" y="1005"/>
+                  </a:lnTo>
+                  <a:lnTo>
+                    <a:pt x="0" y="0"/>
+                  </a:lnTo>
+                  <a:lnTo>
+                    <a:pt x="106" y="110"/>
+                  </a:lnTo>
+                  <a:lnTo>
+                    <a:pt x="106" y="1114"/>
+                  </a:lnTo>
+                  <a:close/>
+                </a:path>
+              </a:pathLst>
+            </a:custGeom>
+            <a:solidFill>
+              <a:schemeClr val="accent1">
+                <a:lumMod val="50000"/>
+              </a:schemeClr>
+            </a:solidFill>
+            <a:ln>
+              <a:noFill/>
+            </a:ln>
+          </p:spPr>
+          <p:txBody>
+            <a:bodyPr vert="horz" wrap="square" lIns="91440" tIns="45720" rIns="91440" bIns="45720" numCol="1" anchor="t" anchorCtr="0" compatLnSpc="1">
+              <a:prstTxWarp prst="textNoShape">
+                <a:avLst/>
+              </a:prstTxWarp>
+            </a:bodyPr>
+            <a:lstStyle/>
+            <a:p>
+              <a:endParaRPr lang="en-US"/>
+            </a:p>
+          </p:txBody>
+        </p:sp>
+        <p:sp>
+          <p:nvSpPr>
+            <p:cNvPr id="17" name="Rectangle 16">
+              <a:extLst>
+                <a:ext uri="{FF2B5EF4-FFF2-40B4-BE49-F238E27FC236}">
+                  <a16:creationId xmlns:a16="http://schemas.microsoft.com/office/drawing/2014/main" id="{92DF5096-E051-498C-A3ED-CBA77A813AAC}"/>
+                </a:ext>
+                <a:ext uri="{C183D7F6-B498-43B3-948B-1728B52AA6E4}">
+                  <adec:decorative xmlns:adec="http://schemas.microsoft.com/office/drawing/2017/decorative" val="1"/>
+                </a:ext>
+              </a:extLst>
+            </p:cNvPr>
+            <p:cNvSpPr>
+              <a:spLocks noChangeArrowheads="1"/>
+            </p:cNvSpPr>
+            <p:nvPr>
+              <p:extLst>
+                <p:ext uri="{386F3935-93C4-4BCD-93E2-E3B085C9AB24}">
+                  <p16:designElem xmlns:p16="http://schemas.microsoft.com/office/powerpoint/2015/main" val="1"/>
+                </p:ext>
+              </p:extLst>
+            </p:nvPr>
+          </p:nvSpPr>
+          <p:spPr bwMode="auto">
+            <a:xfrm>
+              <a:off x="644055" y="635715"/>
+              <a:ext cx="10907863" cy="1541457"/>
+            </a:xfrm>
+            <a:prstGeom prst="rect">
+              <a:avLst/>
+            </a:prstGeom>
+            <a:solidFill>
+              <a:schemeClr val="accent1"/>
+            </a:solidFill>
+            <a:ln>
+              <a:noFill/>
+            </a:ln>
+          </p:spPr>
+          <p:txBody>
+            <a:bodyPr vert="horz" wrap="square" lIns="91440" tIns="45720" rIns="91440" bIns="45720" numCol="1" anchor="t" anchorCtr="0" compatLnSpc="1">
+              <a:prstTxWarp prst="textNoShape">
+                <a:avLst/>
+              </a:prstTxWarp>
+            </a:bodyPr>
+            <a:lstStyle/>
+            <a:p>
+              <a:endParaRPr lang="en-US"/>
+            </a:p>
+          </p:txBody>
+        </p:sp>
+      </p:grpSp>
+      <p:sp>
+        <p:nvSpPr>
+          <p:cNvPr id="2" name="Title 1">
+            <a:extLst>
+              <a:ext uri="{FF2B5EF4-FFF2-40B4-BE49-F238E27FC236}">
+                <a16:creationId xmlns:a16="http://schemas.microsoft.com/office/drawing/2014/main" id="{9C59ED47-CBF7-4C25-96C3-0220E50BAC96}"/>
+              </a:ext>
+            </a:extLst>
+          </p:cNvPr>
+          <p:cNvSpPr>
+            <a:spLocks noGrp="1"/>
+          </p:cNvSpPr>
+          <p:nvPr>
+            <p:ph type="title"/>
+          </p:nvPr>
+        </p:nvSpPr>
+        <p:spPr>
+          <a:xfrm>
+            <a:off x="1047280" y="759805"/>
+            <a:ext cx="10306520" cy="1325563"/>
+          </a:xfrm>
+        </p:spPr>
+        <p:txBody>
+          <a:bodyPr>
+            <a:normAutofit/>
+          </a:bodyPr>
+          <a:lstStyle/>
+          <a:p>
+            <a:r>
+              <a:rPr lang="en-US" dirty="0">
+                <a:solidFill>
+                  <a:schemeClr val="bg1"/>
+                </a:solidFill>
+              </a:rPr>
+              <a:t>Problem Statement</a:t>
+            </a:r>
+            <a:br>
+              <a:rPr lang="en-US" sz="4000" dirty="0">
+                <a:solidFill>
+                  <a:schemeClr val="bg1"/>
+                </a:solidFill>
+              </a:rPr>
+            </a:br>
+            <a:endParaRPr lang="en-US" sz="4000" dirty="0">
+              <a:solidFill>
+                <a:schemeClr val="bg1"/>
+              </a:solidFill>
+            </a:endParaRPr>
+          </a:p>
+        </p:txBody>
+      </p:sp>
+      <p:sp>
+        <p:nvSpPr>
+          <p:cNvPr id="3" name="Content Placeholder 2">
+            <a:extLst>
+              <a:ext uri="{FF2B5EF4-FFF2-40B4-BE49-F238E27FC236}">
+                <a16:creationId xmlns:a16="http://schemas.microsoft.com/office/drawing/2014/main" id="{CCFC8519-36E1-4A40-8F4E-B3526A2AB62A}"/>
+              </a:ext>
+            </a:extLst>
+          </p:cNvPr>
+          <p:cNvSpPr>
+            <a:spLocks noGrp="1"/>
+          </p:cNvSpPr>
+          <p:nvPr>
+            <p:ph idx="1"/>
+          </p:nvPr>
+        </p:nvSpPr>
+        <p:spPr>
+          <a:xfrm>
+            <a:off x="1424904" y="2494450"/>
+            <a:ext cx="9653913" cy="3563159"/>
+          </a:xfrm>
+        </p:spPr>
+        <p:txBody>
+          <a:bodyPr>
+            <a:normAutofit fontScale="92500" lnSpcReduction="20000"/>
+          </a:bodyPr>
+          <a:lstStyle/>
+          <a:p>
+            <a:pPr marL="0" indent="0">
+              <a:buNone/>
+            </a:pPr>
+            <a:r>
+              <a:rPr lang="en-US" sz="2400" dirty="0"/>
+              <a:t>This is an analysis of a dataset of the history of Superbowl's, that is available on kaggle.com. The major purpose of this project is to answer some questions that our team has about the Superbowl’s, such as:</a:t>
+            </a:r>
+          </a:p>
+          <a:p>
+            <a:pPr marL="0" indent="0">
+              <a:buNone/>
+            </a:pPr>
+            <a:endParaRPr lang="en-US" dirty="0"/>
+          </a:p>
+          <a:p>
+            <a:r>
+              <a:rPr lang="en-US" sz="2400" dirty="0"/>
+              <a:t>How many points do you need to win a Super Bowl?</a:t>
+            </a:r>
+          </a:p>
+          <a:p>
+            <a:r>
+              <a:rPr lang="en-US" sz="2400" dirty="0"/>
+              <a:t>Who is the player with the most MVPs?</a:t>
+            </a:r>
+          </a:p>
+          <a:p>
+            <a:r>
+              <a:rPr lang="en-US" sz="2400" dirty="0"/>
+              <a:t>Which teams have won the most Super Bowls?</a:t>
+            </a:r>
+          </a:p>
+          <a:p>
+            <a:r>
+              <a:rPr lang="en-US" sz="2400" dirty="0"/>
+              <a:t>How many points the winners scored?</a:t>
+            </a:r>
+          </a:p>
+          <a:p>
+            <a:r>
+              <a:rPr lang="en-US" sz="2400" dirty="0"/>
+              <a:t>What was the margins of victory over the years?</a:t>
+            </a:r>
+          </a:p>
+          <a:p>
+            <a:r>
+              <a:rPr lang="en-US" sz="2400" dirty="0"/>
+              <a:t>Where have the Super Bowls been held?</a:t>
+            </a:r>
+          </a:p>
+          <a:p>
+            <a:pPr marL="0" indent="0">
+              <a:buNone/>
+            </a:pPr>
+            <a:endParaRPr lang="en-US" sz="2400" dirty="0"/>
+          </a:p>
+          <a:p>
+            <a:endParaRPr lang="en-US" sz="2400" dirty="0"/>
+          </a:p>
+        </p:txBody>
+      </p:sp>
+    </p:spTree>
+    <p:extLst>
+      <p:ext uri="{BB962C8B-B14F-4D97-AF65-F5344CB8AC3E}">
+        <p14:creationId xmlns:p14="http://schemas.microsoft.com/office/powerpoint/2010/main" val="623479914"/>
+      </p:ext>
+    </p:extLst>
+  </p:cSld>
+  <p:clrMapOvr>
+    <a:masterClrMapping/>
+  </p:clrMapOvr>
+</p:sld>
+</file>
+
+<file path=ppt/slides/slide4.xml><?xml version="1.0" encoding="utf-8"?>
+<p:sld xmlns:a="http://schemas.openxmlformats.org/drawingml/2006/main" xmlns:r="http://schemas.openxmlformats.org/officeDocument/2006/relationships" xmlns:p="http://schemas.openxmlformats.org/presentationml/2006/main">
+  <p:cSld>
+    <p:bg>
+      <p:bgPr>
+        <a:solidFill>
+          <a:schemeClr val="bg1"/>
+        </a:solidFill>
+        <a:effectLst/>
+      </p:bgPr>
+    </p:bg>
+    <p:spTree>
+      <p:nvGrpSpPr>
+        <p:cNvPr id="1" name=""/>
+        <p:cNvGrpSpPr/>
+        <p:nvPr/>
+      </p:nvGrpSpPr>
+      <p:grpSpPr>
+        <a:xfrm>
+          <a:off x="0" y="0"/>
+          <a:ext cx="0" cy="0"/>
+          <a:chOff x="0" y="0"/>
+          <a:chExt cx="0" cy="0"/>
+        </a:xfrm>
+      </p:grpSpPr>
+      <p:sp useBgFill="1">
+        <p:nvSpPr>
+          <p:cNvPr id="10" name="Rectangle 9">
+            <a:extLst>
+              <a:ext uri="{FF2B5EF4-FFF2-40B4-BE49-F238E27FC236}">
+                <a16:creationId xmlns:a16="http://schemas.microsoft.com/office/drawing/2014/main" id="{F4C0B10B-D2C4-4A54-AFAD-3D27DF88BB37}"/>
+              </a:ext>
+              <a:ext uri="{C183D7F6-B498-43B3-948B-1728B52AA6E4}">
+                <adec:decorative xmlns:adec="http://schemas.microsoft.com/office/drawing/2017/decorative" val="1"/>
+              </a:ext>
+            </a:extLst>
+          </p:cNvPr>
+          <p:cNvSpPr>
+            <a:spLocks noGrp="1" noRot="1" noChangeAspect="1" noMove="1" noResize="1" noEditPoints="1" noAdjustHandles="1" noChangeArrowheads="1" noChangeShapeType="1" noTextEdit="1"/>
+          </p:cNvSpPr>
+          <p:nvPr>
+            <p:extLst>
+              <p:ext uri="{386F3935-93C4-4BCD-93E2-E3B085C9AB24}">
+                <p16:designElem xmlns:p16="http://schemas.microsoft.com/office/powerpoint/2015/main" val="1"/>
+              </p:ext>
+            </p:extLst>
+          </p:nvPr>
+        </p:nvSpPr>
+        <p:spPr>
+          <a:xfrm>
+            <a:off x="0" y="0"/>
+            <a:ext cx="12188952" cy="6858000"/>
+          </a:xfrm>
+          <a:prstGeom prst="rect">
+            <a:avLst/>
+          </a:prstGeom>
+          <a:ln>
+            <a:noFill/>
+          </a:ln>
+        </p:spPr>
+        <p:style>
+          <a:lnRef idx="2">
+            <a:schemeClr val="accent1">
+              <a:shade val="50000"/>
+            </a:schemeClr>
+          </a:lnRef>
+          <a:fillRef idx="1">
+            <a:schemeClr val="accent1"/>
+          </a:fillRef>
+          <a:effectRef idx="0">
+            <a:schemeClr val="accent1"/>
+          </a:effectRef>
+          <a:fontRef idx="minor">
+            <a:schemeClr val="lt1"/>
+          </a:fontRef>
+        </p:style>
+        <p:txBody>
+          <a:bodyPr rtlCol="0" anchor="ctr"/>
+          <a:lstStyle/>
+          <a:p>
+            <a:pPr algn="ctr"/>
+            <a:endParaRPr lang="en-US"/>
+          </a:p>
+        </p:txBody>
+      </p:sp>
+      <p:grpSp>
+        <p:nvGrpSpPr>
+          <p:cNvPr id="12" name="Group 11">
+            <a:extLst>
+              <a:ext uri="{FF2B5EF4-FFF2-40B4-BE49-F238E27FC236}">
+                <a16:creationId xmlns:a16="http://schemas.microsoft.com/office/drawing/2014/main" id="{B6BADB90-C74B-40D6-86DC-503F65FCE8DC}"/>
+              </a:ext>
+              <a:ext uri="{C183D7F6-B498-43B3-948B-1728B52AA6E4}">
+                <adec:decorative xmlns:adec="http://schemas.microsoft.com/office/drawing/2017/decorative" val="1"/>
+              </a:ext>
+            </a:extLst>
+          </p:cNvPr>
+          <p:cNvGrpSpPr>
+            <a:grpSpLocks noGrp="1" noUngrp="1" noRot="1" noChangeAspect="1" noMove="1" noResize="1"/>
+          </p:cNvGrpSpPr>
+          <p:nvPr>
+            <p:extLst>
+              <p:ext uri="{386F3935-93C4-4BCD-93E2-E3B085C9AB24}">
+                <p16:designElem xmlns:p16="http://schemas.microsoft.com/office/powerpoint/2015/main" val="1"/>
+              </p:ext>
+            </p:extLst>
+          </p:nvPr>
+        </p:nvGrpSpPr>
+        <p:grpSpPr>
+          <a:xfrm>
+            <a:off x="409710" y="635715"/>
+            <a:ext cx="11142208" cy="2482136"/>
+            <a:chOff x="409710" y="635715"/>
+            <a:chExt cx="11142208" cy="2482136"/>
+          </a:xfrm>
+        </p:grpSpPr>
+        <p:sp>
+          <p:nvSpPr>
+            <p:cNvPr id="13" name="Freeform 44">
+              <a:extLst>
+                <a:ext uri="{FF2B5EF4-FFF2-40B4-BE49-F238E27FC236}">
+                  <a16:creationId xmlns:a16="http://schemas.microsoft.com/office/drawing/2014/main" id="{6559431D-1886-4AE0-9B87-9AD2ECAB8439}"/>
+                </a:ext>
+                <a:ext uri="{C183D7F6-B498-43B3-948B-1728B52AA6E4}">
+                  <adec:decorative xmlns:adec="http://schemas.microsoft.com/office/drawing/2017/decorative" val="1"/>
+                </a:ext>
+              </a:extLst>
+            </p:cNvPr>
+            <p:cNvSpPr>
+              <a:spLocks/>
+            </p:cNvSpPr>
+            <p:nvPr>
+              <p:extLst>
+                <p:ext uri="{386F3935-93C4-4BCD-93E2-E3B085C9AB24}">
+                  <p16:designElem xmlns:p16="http://schemas.microsoft.com/office/powerpoint/2015/main" val="1"/>
+                </p:ext>
+              </p:extLst>
+            </p:nvPr>
+          </p:nvSpPr>
+          <p:spPr bwMode="auto">
+            <a:xfrm>
+              <a:off x="11223203" y="635716"/>
+              <a:ext cx="328612" cy="1742360"/>
+            </a:xfrm>
+            <a:custGeom>
+              <a:avLst/>
+              <a:gdLst>
+                <a:gd name="T0" fmla="*/ 207 w 207"/>
+                <a:gd name="T1" fmla="*/ 987 h 1114"/>
+                <a:gd name="T2" fmla="*/ 0 w 207"/>
+                <a:gd name="T3" fmla="*/ 1114 h 1114"/>
+                <a:gd name="T4" fmla="*/ 0 w 207"/>
+                <a:gd name="T5" fmla="*/ 127 h 1114"/>
+                <a:gd name="T6" fmla="*/ 207 w 207"/>
+                <a:gd name="T7" fmla="*/ 0 h 1114"/>
+                <a:gd name="T8" fmla="*/ 207 w 207"/>
+                <a:gd name="T9" fmla="*/ 987 h 1114"/>
+              </a:gdLst>
+              <a:ahLst/>
+              <a:cxnLst>
+                <a:cxn ang="0">
+                  <a:pos x="T0" y="T1"/>
+                </a:cxn>
+                <a:cxn ang="0">
+                  <a:pos x="T2" y="T3"/>
+                </a:cxn>
+                <a:cxn ang="0">
+                  <a:pos x="T4" y="T5"/>
+                </a:cxn>
+                <a:cxn ang="0">
+                  <a:pos x="T6" y="T7"/>
+                </a:cxn>
+                <a:cxn ang="0">
+                  <a:pos x="T8" y="T9"/>
+                </a:cxn>
+              </a:cxnLst>
+              <a:rect l="0" t="0" r="r" b="b"/>
+              <a:pathLst>
+                <a:path w="207" h="1114">
+                  <a:moveTo>
+                    <a:pt x="207" y="987"/>
+                  </a:moveTo>
+                  <a:lnTo>
+                    <a:pt x="0" y="1114"/>
+                  </a:lnTo>
+                  <a:lnTo>
+                    <a:pt x="0" y="127"/>
+                  </a:lnTo>
+                  <a:lnTo>
+                    <a:pt x="207" y="0"/>
+                  </a:lnTo>
+                  <a:lnTo>
+                    <a:pt x="207" y="987"/>
+                  </a:lnTo>
+                  <a:close/>
+                </a:path>
+              </a:pathLst>
+            </a:custGeom>
+            <a:solidFill>
+              <a:schemeClr val="accent1">
+                <a:lumMod val="50000"/>
+              </a:schemeClr>
+            </a:solidFill>
+            <a:ln>
+              <a:noFill/>
+            </a:ln>
+          </p:spPr>
+          <p:txBody>
+            <a:bodyPr vert="horz" wrap="square" lIns="91440" tIns="45720" rIns="91440" bIns="45720" numCol="1" anchor="t" anchorCtr="0" compatLnSpc="1">
+              <a:prstTxWarp prst="textNoShape">
+                <a:avLst/>
+              </a:prstTxWarp>
+            </a:bodyPr>
+            <a:lstStyle/>
+            <a:p>
+              <a:endParaRPr lang="en-US"/>
+            </a:p>
+          </p:txBody>
+        </p:sp>
+        <p:sp>
+          <p:nvSpPr>
+            <p:cNvPr id="14" name="Freeform 45">
+              <a:extLst>
+                <a:ext uri="{FF2B5EF4-FFF2-40B4-BE49-F238E27FC236}">
+                  <a16:creationId xmlns:a16="http://schemas.microsoft.com/office/drawing/2014/main" id="{373850A5-B04A-4FCD-9E73-EE322167FB31}"/>
+                </a:ext>
+                <a:ext uri="{C183D7F6-B498-43B3-948B-1728B52AA6E4}">
+                  <adec:decorative xmlns:adec="http://schemas.microsoft.com/office/drawing/2017/decorative" val="1"/>
+                </a:ext>
+              </a:extLst>
+            </p:cNvPr>
+            <p:cNvSpPr>
+              <a:spLocks/>
+            </p:cNvSpPr>
+            <p:nvPr>
+              <p:extLst>
+                <p:ext uri="{386F3935-93C4-4BCD-93E2-E3B085C9AB24}">
+                  <p16:designElem xmlns:p16="http://schemas.microsoft.com/office/powerpoint/2015/main" val="1"/>
+                </p:ext>
+              </p:extLst>
+            </p:nvPr>
+          </p:nvSpPr>
+          <p:spPr bwMode="auto">
+            <a:xfrm>
+              <a:off x="409710" y="1022350"/>
+              <a:ext cx="709612" cy="2095501"/>
+            </a:xfrm>
+            <a:custGeom>
+              <a:avLst/>
+              <a:gdLst>
+                <a:gd name="T0" fmla="*/ 447 w 447"/>
+                <a:gd name="T1" fmla="*/ 1363 h 1363"/>
+                <a:gd name="T2" fmla="*/ 0 w 447"/>
+                <a:gd name="T3" fmla="*/ 987 h 1363"/>
+                <a:gd name="T4" fmla="*/ 0 w 447"/>
+                <a:gd name="T5" fmla="*/ 0 h 1363"/>
+                <a:gd name="T6" fmla="*/ 447 w 447"/>
+                <a:gd name="T7" fmla="*/ 376 h 1363"/>
+                <a:gd name="T8" fmla="*/ 447 w 447"/>
+                <a:gd name="T9" fmla="*/ 1363 h 1363"/>
+              </a:gdLst>
+              <a:ahLst/>
+              <a:cxnLst>
+                <a:cxn ang="0">
+                  <a:pos x="T0" y="T1"/>
+                </a:cxn>
+                <a:cxn ang="0">
+                  <a:pos x="T2" y="T3"/>
+                </a:cxn>
+                <a:cxn ang="0">
+                  <a:pos x="T4" y="T5"/>
+                </a:cxn>
+                <a:cxn ang="0">
+                  <a:pos x="T6" y="T7"/>
+                </a:cxn>
+                <a:cxn ang="0">
+                  <a:pos x="T8" y="T9"/>
+                </a:cxn>
+              </a:cxnLst>
+              <a:rect l="0" t="0" r="r" b="b"/>
+              <a:pathLst>
+                <a:path w="447" h="1363">
+                  <a:moveTo>
+                    <a:pt x="447" y="1363"/>
+                  </a:moveTo>
+                  <a:lnTo>
+                    <a:pt x="0" y="987"/>
+                  </a:lnTo>
+                  <a:lnTo>
+                    <a:pt x="0" y="0"/>
+                  </a:lnTo>
+                  <a:lnTo>
+                    <a:pt x="447" y="376"/>
+                  </a:lnTo>
+                  <a:lnTo>
+                    <a:pt x="447" y="1363"/>
+                  </a:lnTo>
+                  <a:close/>
+                </a:path>
+              </a:pathLst>
+            </a:custGeom>
+            <a:solidFill>
+              <a:schemeClr val="accent1">
+                <a:lumMod val="50000"/>
+              </a:schemeClr>
+            </a:solidFill>
+            <a:ln>
+              <a:noFill/>
+            </a:ln>
+          </p:spPr>
+          <p:txBody>
+            <a:bodyPr vert="horz" wrap="square" lIns="91440" tIns="45720" rIns="91440" bIns="45720" numCol="1" anchor="t" anchorCtr="0" compatLnSpc="1">
+              <a:prstTxWarp prst="textNoShape">
+                <a:avLst/>
+              </a:prstTxWarp>
+            </a:bodyPr>
+            <a:lstStyle/>
+            <a:p>
+              <a:endParaRPr lang="en-US"/>
+            </a:p>
+          </p:txBody>
+        </p:sp>
+        <p:sp>
+          <p:nvSpPr>
+            <p:cNvPr id="15" name="Freeform 46">
+              <a:extLst>
+                <a:ext uri="{FF2B5EF4-FFF2-40B4-BE49-F238E27FC236}">
+                  <a16:creationId xmlns:a16="http://schemas.microsoft.com/office/drawing/2014/main" id="{82C18C67-80FA-4738-AA53-0AF2419F98E0}"/>
+                </a:ext>
+                <a:ext uri="{C183D7F6-B498-43B3-948B-1728B52AA6E4}">
+                  <adec:decorative xmlns:adec="http://schemas.microsoft.com/office/drawing/2017/decorative" val="1"/>
+                </a:ext>
+              </a:extLst>
+            </p:cNvPr>
+            <p:cNvSpPr>
+              <a:spLocks/>
+            </p:cNvSpPr>
+            <p:nvPr>
+              <p:extLst>
+                <p:ext uri="{386F3935-93C4-4BCD-93E2-E3B085C9AB24}">
+                  <p16:designElem xmlns:p16="http://schemas.microsoft.com/office/powerpoint/2015/main" val="1"/>
+                </p:ext>
+              </p:extLst>
+            </p:nvPr>
+          </p:nvSpPr>
+          <p:spPr bwMode="auto">
+            <a:xfrm>
+              <a:off x="409710" y="837744"/>
+              <a:ext cx="403225" cy="1705431"/>
+            </a:xfrm>
+            <a:custGeom>
+              <a:avLst/>
+              <a:gdLst>
+                <a:gd name="T0" fmla="*/ 254 w 254"/>
+                <a:gd name="T1" fmla="*/ 987 h 1109"/>
+                <a:gd name="T2" fmla="*/ 0 w 254"/>
+                <a:gd name="T3" fmla="*/ 1109 h 1109"/>
+                <a:gd name="T4" fmla="*/ 0 w 254"/>
+                <a:gd name="T5" fmla="*/ 119 h 1109"/>
+                <a:gd name="T6" fmla="*/ 254 w 254"/>
+                <a:gd name="T7" fmla="*/ 0 h 1109"/>
+                <a:gd name="T8" fmla="*/ 254 w 254"/>
+                <a:gd name="T9" fmla="*/ 987 h 1109"/>
+              </a:gdLst>
+              <a:ahLst/>
+              <a:cxnLst>
+                <a:cxn ang="0">
+                  <a:pos x="T0" y="T1"/>
+                </a:cxn>
+                <a:cxn ang="0">
+                  <a:pos x="T2" y="T3"/>
+                </a:cxn>
+                <a:cxn ang="0">
+                  <a:pos x="T4" y="T5"/>
+                </a:cxn>
+                <a:cxn ang="0">
+                  <a:pos x="T6" y="T7"/>
+                </a:cxn>
+                <a:cxn ang="0">
+                  <a:pos x="T8" y="T9"/>
+                </a:cxn>
+              </a:cxnLst>
+              <a:rect l="0" t="0" r="r" b="b"/>
+              <a:pathLst>
+                <a:path w="254" h="1109">
+                  <a:moveTo>
+                    <a:pt x="254" y="987"/>
+                  </a:moveTo>
+                  <a:lnTo>
+                    <a:pt x="0" y="1109"/>
+                  </a:lnTo>
+                  <a:lnTo>
+                    <a:pt x="0" y="119"/>
+                  </a:lnTo>
+                  <a:lnTo>
+                    <a:pt x="254" y="0"/>
+                  </a:lnTo>
+                  <a:lnTo>
+                    <a:pt x="254" y="987"/>
+                  </a:lnTo>
+                  <a:close/>
+                </a:path>
+              </a:pathLst>
+            </a:custGeom>
+            <a:solidFill>
+              <a:schemeClr val="accent1">
+                <a:lumMod val="75000"/>
+              </a:schemeClr>
+            </a:solidFill>
+            <a:ln>
+              <a:noFill/>
+            </a:ln>
+          </p:spPr>
+          <p:txBody>
+            <a:bodyPr vert="horz" wrap="square" lIns="91440" tIns="45720" rIns="91440" bIns="45720" numCol="1" anchor="t" anchorCtr="0" compatLnSpc="1">
+              <a:prstTxWarp prst="textNoShape">
+                <a:avLst/>
+              </a:prstTxWarp>
+            </a:bodyPr>
+            <a:lstStyle/>
+            <a:p>
+              <a:endParaRPr lang="en-US"/>
+            </a:p>
+          </p:txBody>
+        </p:sp>
+        <p:sp>
+          <p:nvSpPr>
+            <p:cNvPr id="16" name="Freeform 47">
+              <a:extLst>
+                <a:ext uri="{FF2B5EF4-FFF2-40B4-BE49-F238E27FC236}">
+                  <a16:creationId xmlns:a16="http://schemas.microsoft.com/office/drawing/2014/main" id="{48543B1A-8BF5-4C63-8404-41B2EA70B33E}"/>
+                </a:ext>
+                <a:ext uri="{C183D7F6-B498-43B3-948B-1728B52AA6E4}">
+                  <adec:decorative xmlns:adec="http://schemas.microsoft.com/office/drawing/2017/decorative" val="1"/>
+                </a:ext>
+              </a:extLst>
+            </p:cNvPr>
+            <p:cNvSpPr>
+              <a:spLocks/>
+            </p:cNvSpPr>
+            <p:nvPr>
+              <p:extLst>
+                <p:ext uri="{386F3935-93C4-4BCD-93E2-E3B085C9AB24}">
+                  <p16:designElem xmlns:p16="http://schemas.microsoft.com/office/powerpoint/2015/main" val="1"/>
+                </p:ext>
+              </p:extLst>
+            </p:nvPr>
+          </p:nvSpPr>
+          <p:spPr bwMode="auto">
+            <a:xfrm>
+              <a:off x="644660" y="640894"/>
+              <a:ext cx="168275" cy="1713195"/>
+            </a:xfrm>
+            <a:custGeom>
+              <a:avLst/>
+              <a:gdLst>
+                <a:gd name="T0" fmla="*/ 106 w 106"/>
+                <a:gd name="T1" fmla="*/ 1114 h 1114"/>
+                <a:gd name="T2" fmla="*/ 0 w 106"/>
+                <a:gd name="T3" fmla="*/ 1005 h 1114"/>
+                <a:gd name="T4" fmla="*/ 0 w 106"/>
+                <a:gd name="T5" fmla="*/ 0 h 1114"/>
+                <a:gd name="T6" fmla="*/ 106 w 106"/>
+                <a:gd name="T7" fmla="*/ 110 h 1114"/>
+                <a:gd name="T8" fmla="*/ 106 w 106"/>
+                <a:gd name="T9" fmla="*/ 1114 h 1114"/>
+              </a:gdLst>
+              <a:ahLst/>
+              <a:cxnLst>
+                <a:cxn ang="0">
+                  <a:pos x="T0" y="T1"/>
+                </a:cxn>
+                <a:cxn ang="0">
+                  <a:pos x="T2" y="T3"/>
+                </a:cxn>
+                <a:cxn ang="0">
+                  <a:pos x="T4" y="T5"/>
+                </a:cxn>
+                <a:cxn ang="0">
+                  <a:pos x="T6" y="T7"/>
+                </a:cxn>
+                <a:cxn ang="0">
+                  <a:pos x="T8" y="T9"/>
+                </a:cxn>
+              </a:cxnLst>
+              <a:rect l="0" t="0" r="r" b="b"/>
+              <a:pathLst>
+                <a:path w="106" h="1114">
+                  <a:moveTo>
+                    <a:pt x="106" y="1114"/>
+                  </a:moveTo>
+                  <a:lnTo>
+                    <a:pt x="0" y="1005"/>
+                  </a:lnTo>
+                  <a:lnTo>
+                    <a:pt x="0" y="0"/>
+                  </a:lnTo>
+                  <a:lnTo>
+                    <a:pt x="106" y="110"/>
+                  </a:lnTo>
+                  <a:lnTo>
+                    <a:pt x="106" y="1114"/>
+                  </a:lnTo>
+                  <a:close/>
+                </a:path>
+              </a:pathLst>
+            </a:custGeom>
+            <a:solidFill>
+              <a:schemeClr val="accent1">
+                <a:lumMod val="50000"/>
+              </a:schemeClr>
+            </a:solidFill>
+            <a:ln>
+              <a:noFill/>
+            </a:ln>
+          </p:spPr>
+          <p:txBody>
+            <a:bodyPr vert="horz" wrap="square" lIns="91440" tIns="45720" rIns="91440" bIns="45720" numCol="1" anchor="t" anchorCtr="0" compatLnSpc="1">
+              <a:prstTxWarp prst="textNoShape">
+                <a:avLst/>
+              </a:prstTxWarp>
+            </a:bodyPr>
+            <a:lstStyle/>
+            <a:p>
+              <a:endParaRPr lang="en-US"/>
+            </a:p>
+          </p:txBody>
+        </p:sp>
+        <p:sp>
+          <p:nvSpPr>
+            <p:cNvPr id="17" name="Rectangle 16">
+              <a:extLst>
+                <a:ext uri="{FF2B5EF4-FFF2-40B4-BE49-F238E27FC236}">
+                  <a16:creationId xmlns:a16="http://schemas.microsoft.com/office/drawing/2014/main" id="{92DF5096-E051-498C-A3ED-CBA77A813AAC}"/>
+                </a:ext>
+                <a:ext uri="{C183D7F6-B498-43B3-948B-1728B52AA6E4}">
+                  <adec:decorative xmlns:adec="http://schemas.microsoft.com/office/drawing/2017/decorative" val="1"/>
+                </a:ext>
+              </a:extLst>
+            </p:cNvPr>
+            <p:cNvSpPr>
+              <a:spLocks noChangeArrowheads="1"/>
+            </p:cNvSpPr>
+            <p:nvPr>
+              <p:extLst>
+                <p:ext uri="{386F3935-93C4-4BCD-93E2-E3B085C9AB24}">
+                  <p16:designElem xmlns:p16="http://schemas.microsoft.com/office/powerpoint/2015/main" val="1"/>
+                </p:ext>
+              </p:extLst>
+            </p:nvPr>
+          </p:nvSpPr>
+          <p:spPr bwMode="auto">
+            <a:xfrm>
+              <a:off x="644055" y="635715"/>
+              <a:ext cx="10907863" cy="1541457"/>
+            </a:xfrm>
+            <a:prstGeom prst="rect">
+              <a:avLst/>
+            </a:prstGeom>
+            <a:solidFill>
+              <a:schemeClr val="accent1"/>
+            </a:solidFill>
+            <a:ln>
+              <a:noFill/>
+            </a:ln>
+          </p:spPr>
+          <p:txBody>
+            <a:bodyPr vert="horz" wrap="square" lIns="91440" tIns="45720" rIns="91440" bIns="45720" numCol="1" anchor="t" anchorCtr="0" compatLnSpc="1">
+              <a:prstTxWarp prst="textNoShape">
+                <a:avLst/>
+              </a:prstTxWarp>
+            </a:bodyPr>
+            <a:lstStyle/>
+            <a:p>
+              <a:endParaRPr lang="en-US"/>
+            </a:p>
+          </p:txBody>
+        </p:sp>
+      </p:grpSp>
+      <p:sp>
+        <p:nvSpPr>
+          <p:cNvPr id="2" name="Title 1">
+            <a:extLst>
+              <a:ext uri="{FF2B5EF4-FFF2-40B4-BE49-F238E27FC236}">
+                <a16:creationId xmlns:a16="http://schemas.microsoft.com/office/drawing/2014/main" id="{9C59ED47-CBF7-4C25-96C3-0220E50BAC96}"/>
+              </a:ext>
+            </a:extLst>
+          </p:cNvPr>
+          <p:cNvSpPr>
+            <a:spLocks noGrp="1"/>
+          </p:cNvSpPr>
+          <p:nvPr>
+            <p:ph type="title"/>
+          </p:nvPr>
+        </p:nvSpPr>
+        <p:spPr>
+          <a:xfrm>
+            <a:off x="1047280" y="759805"/>
+            <a:ext cx="10306520" cy="1325563"/>
+          </a:xfrm>
+        </p:spPr>
+        <p:txBody>
+          <a:bodyPr>
+            <a:normAutofit/>
+          </a:bodyPr>
+          <a:lstStyle/>
+          <a:p>
+            <a:r>
+              <a:rPr lang="en-US" sz="4000" dirty="0">
+                <a:solidFill>
+                  <a:schemeClr val="bg1"/>
+                </a:solidFill>
+              </a:rPr>
+              <a:t>Description of Data</a:t>
+            </a:r>
+            <a:br>
+              <a:rPr lang="en-US" sz="4000" dirty="0">
+                <a:solidFill>
+                  <a:srgbClr val="FFFFFF"/>
+                </a:solidFill>
+              </a:rPr>
+            </a:br>
+            <a:endParaRPr lang="en-US" sz="4000" dirty="0">
+              <a:solidFill>
+                <a:srgbClr val="FFFFFF"/>
+              </a:solidFill>
+            </a:endParaRPr>
+          </a:p>
+        </p:txBody>
+      </p:sp>
+      <p:sp>
+        <p:nvSpPr>
+          <p:cNvPr id="3" name="Content Placeholder 2">
+            <a:extLst>
+              <a:ext uri="{FF2B5EF4-FFF2-40B4-BE49-F238E27FC236}">
+                <a16:creationId xmlns:a16="http://schemas.microsoft.com/office/drawing/2014/main" id="{CCFC8519-36E1-4A40-8F4E-B3526A2AB62A}"/>
+              </a:ext>
+            </a:extLst>
+          </p:cNvPr>
+          <p:cNvSpPr>
+            <a:spLocks noGrp="1"/>
+          </p:cNvSpPr>
+          <p:nvPr>
+            <p:ph idx="1"/>
+          </p:nvPr>
+        </p:nvSpPr>
+        <p:spPr>
+          <a:xfrm>
+            <a:off x="1424904" y="2494450"/>
+            <a:ext cx="9653913" cy="3893098"/>
+          </a:xfrm>
+        </p:spPr>
+        <p:txBody>
+          <a:bodyPr>
+            <a:normAutofit lnSpcReduction="10000"/>
+          </a:bodyPr>
+          <a:lstStyle/>
+          <a:p>
+            <a:pPr marL="0" indent="0">
+              <a:buNone/>
+            </a:pPr>
+            <a:r>
+              <a:rPr lang="en-US" sz="2400" dirty="0"/>
+              <a:t>When looking for a good data set, we needed at data set that was complete, easy to access, and well documented.</a:t>
+            </a:r>
+          </a:p>
+          <a:p>
+            <a:pPr marL="0" indent="0">
+              <a:buNone/>
+            </a:pPr>
+            <a:r>
+              <a:rPr lang="en-US" sz="2400" dirty="0"/>
+              <a:t>The dataset is very clear and straightforward, it shows statistics for each Superbowl throughout the years. This data is enough for us to be able to answer our questions and finalize with our conclusions. </a:t>
+            </a:r>
+          </a:p>
+          <a:p>
+            <a:pPr marL="0" indent="0">
+              <a:buNone/>
+            </a:pPr>
+            <a:endParaRPr lang="en-US" sz="2400" dirty="0"/>
+          </a:p>
+          <a:p>
+            <a:pPr marL="0" indent="0">
+              <a:buNone/>
+            </a:pPr>
+            <a:r>
+              <a:rPr lang="en-US" sz="2400" b="1" dirty="0"/>
+              <a:t>Transformation of Data</a:t>
+            </a:r>
+          </a:p>
+          <a:p>
+            <a:pPr marL="0" indent="0">
+              <a:buNone/>
+            </a:pPr>
+            <a:r>
+              <a:rPr lang="en-US" sz="2400" dirty="0"/>
+              <a:t>The data set had the date and it was changed to date time. Also the stadium locations were given without geolocational coordinates and we change Super Bowl numbers from roman numerals to regular numbers. We created Margin of Victory column in the data set</a:t>
+            </a:r>
+          </a:p>
+          <a:p>
+            <a:pPr marL="0" indent="0">
+              <a:buNone/>
+            </a:pPr>
+            <a:endParaRPr lang="en-US" sz="2400" dirty="0"/>
+          </a:p>
+          <a:p>
+            <a:endParaRPr lang="en-US" sz="2400" dirty="0"/>
+          </a:p>
+        </p:txBody>
+      </p:sp>
+    </p:spTree>
+    <p:extLst>
+      <p:ext uri="{BB962C8B-B14F-4D97-AF65-F5344CB8AC3E}">
+        <p14:creationId xmlns:p14="http://schemas.microsoft.com/office/powerpoint/2010/main" val="2808353403"/>
+      </p:ext>
+    </p:extLst>
+  </p:cSld>
+  <p:clrMapOvr>
+    <a:masterClrMapping/>
+  </p:clrMapOvr>
+</p:sld>
+</file>
+
+<file path=ppt/slides/slide5.xml><?xml version="1.0" encoding="utf-8"?>
+<p:sld xmlns:a="http://schemas.openxmlformats.org/drawingml/2006/main" xmlns:r="http://schemas.openxmlformats.org/officeDocument/2006/relationships" xmlns:p="http://schemas.openxmlformats.org/presentationml/2006/main">
+  <p:cSld>
+    <p:bg>
+      <p:bgPr>
+        <a:solidFill>
+          <a:schemeClr val="bg1"/>
+        </a:solidFill>
+        <a:effectLst/>
+      </p:bgPr>
+    </p:bg>
+    <p:spTree>
+      <p:nvGrpSpPr>
+        <p:cNvPr id="1" name=""/>
+        <p:cNvGrpSpPr/>
+        <p:nvPr/>
+      </p:nvGrpSpPr>
+      <p:grpSpPr>
+        <a:xfrm>
+          <a:off x="0" y="0"/>
+          <a:ext cx="0" cy="0"/>
+          <a:chOff x="0" y="0"/>
+          <a:chExt cx="0" cy="0"/>
+        </a:xfrm>
+      </p:grpSpPr>
+      <p:sp useBgFill="1">
+        <p:nvSpPr>
+          <p:cNvPr id="10" name="Rectangle 9">
+            <a:extLst>
+              <a:ext uri="{FF2B5EF4-FFF2-40B4-BE49-F238E27FC236}">
+                <a16:creationId xmlns:a16="http://schemas.microsoft.com/office/drawing/2014/main" id="{F4C0B10B-D2C4-4A54-AFAD-3D27DF88BB37}"/>
+              </a:ext>
+              <a:ext uri="{C183D7F6-B498-43B3-948B-1728B52AA6E4}">
+                <adec:decorative xmlns:adec="http://schemas.microsoft.com/office/drawing/2017/decorative" val="1"/>
+              </a:ext>
+            </a:extLst>
+          </p:cNvPr>
+          <p:cNvSpPr>
+            <a:spLocks noGrp="1" noRot="1" noChangeAspect="1" noMove="1" noResize="1" noEditPoints="1" noAdjustHandles="1" noChangeArrowheads="1" noChangeShapeType="1" noTextEdit="1"/>
+          </p:cNvSpPr>
+          <p:nvPr>
+            <p:extLst>
+              <p:ext uri="{386F3935-93C4-4BCD-93E2-E3B085C9AB24}">
+                <p16:designElem xmlns:p16="http://schemas.microsoft.com/office/powerpoint/2015/main" val="1"/>
+              </p:ext>
+            </p:extLst>
+          </p:nvPr>
+        </p:nvSpPr>
+        <p:spPr>
+          <a:xfrm>
+            <a:off x="0" y="0"/>
+            <a:ext cx="12188952" cy="6858000"/>
+          </a:xfrm>
+          <a:prstGeom prst="rect">
+            <a:avLst/>
+          </a:prstGeom>
+          <a:ln>
+            <a:noFill/>
+          </a:ln>
+        </p:spPr>
+        <p:style>
+          <a:lnRef idx="2">
+            <a:schemeClr val="accent1">
+              <a:shade val="50000"/>
+            </a:schemeClr>
+          </a:lnRef>
+          <a:fillRef idx="1">
+            <a:schemeClr val="accent1"/>
+          </a:fillRef>
+          <a:effectRef idx="0">
+            <a:schemeClr val="accent1"/>
+          </a:effectRef>
+          <a:fontRef idx="minor">
+            <a:schemeClr val="lt1"/>
+          </a:fontRef>
+        </p:style>
+        <p:txBody>
+          <a:bodyPr rtlCol="0" anchor="ctr"/>
+          <a:lstStyle/>
+          <a:p>
+            <a:pPr algn="ctr"/>
+            <a:endParaRPr lang="en-US"/>
+          </a:p>
+        </p:txBody>
+      </p:sp>
+      <p:grpSp>
+        <p:nvGrpSpPr>
+          <p:cNvPr id="12" name="Group 11">
+            <a:extLst>
+              <a:ext uri="{FF2B5EF4-FFF2-40B4-BE49-F238E27FC236}">
+                <a16:creationId xmlns:a16="http://schemas.microsoft.com/office/drawing/2014/main" id="{B6BADB90-C74B-40D6-86DC-503F65FCE8DC}"/>
+              </a:ext>
+              <a:ext uri="{C183D7F6-B498-43B3-948B-1728B52AA6E4}">
+                <adec:decorative xmlns:adec="http://schemas.microsoft.com/office/drawing/2017/decorative" val="1"/>
+              </a:ext>
+            </a:extLst>
+          </p:cNvPr>
+          <p:cNvGrpSpPr>
+            <a:grpSpLocks noGrp="1" noUngrp="1" noRot="1" noChangeAspect="1" noMove="1" noResize="1"/>
+          </p:cNvGrpSpPr>
+          <p:nvPr>
+            <p:extLst>
+              <p:ext uri="{386F3935-93C4-4BCD-93E2-E3B085C9AB24}">
+                <p16:designElem xmlns:p16="http://schemas.microsoft.com/office/powerpoint/2015/main" val="1"/>
+              </p:ext>
+            </p:extLst>
+          </p:nvPr>
+        </p:nvGrpSpPr>
+        <p:grpSpPr>
+          <a:xfrm>
+            <a:off x="409710" y="635715"/>
+            <a:ext cx="11142208" cy="2482136"/>
+            <a:chOff x="409710" y="635715"/>
+            <a:chExt cx="11142208" cy="2482136"/>
+          </a:xfrm>
+        </p:grpSpPr>
+        <p:sp>
+          <p:nvSpPr>
+            <p:cNvPr id="13" name="Freeform 44">
+              <a:extLst>
+                <a:ext uri="{FF2B5EF4-FFF2-40B4-BE49-F238E27FC236}">
+                  <a16:creationId xmlns:a16="http://schemas.microsoft.com/office/drawing/2014/main" id="{6559431D-1886-4AE0-9B87-9AD2ECAB8439}"/>
+                </a:ext>
+                <a:ext uri="{C183D7F6-B498-43B3-948B-1728B52AA6E4}">
+                  <adec:decorative xmlns:adec="http://schemas.microsoft.com/office/drawing/2017/decorative" val="1"/>
+                </a:ext>
+              </a:extLst>
+            </p:cNvPr>
+            <p:cNvSpPr>
+              <a:spLocks/>
+            </p:cNvSpPr>
+            <p:nvPr>
+              <p:extLst>
+                <p:ext uri="{386F3935-93C4-4BCD-93E2-E3B085C9AB24}">
+                  <p16:designElem xmlns:p16="http://schemas.microsoft.com/office/powerpoint/2015/main" val="1"/>
+                </p:ext>
+              </p:extLst>
+            </p:nvPr>
+          </p:nvSpPr>
+          <p:spPr bwMode="auto">
+            <a:xfrm>
+              <a:off x="11223203" y="635716"/>
+              <a:ext cx="328612" cy="1742360"/>
+            </a:xfrm>
+            <a:custGeom>
+              <a:avLst/>
+              <a:gdLst>
+                <a:gd name="T0" fmla="*/ 207 w 207"/>
+                <a:gd name="T1" fmla="*/ 987 h 1114"/>
+                <a:gd name="T2" fmla="*/ 0 w 207"/>
+                <a:gd name="T3" fmla="*/ 1114 h 1114"/>
+                <a:gd name="T4" fmla="*/ 0 w 207"/>
+                <a:gd name="T5" fmla="*/ 127 h 1114"/>
+                <a:gd name="T6" fmla="*/ 207 w 207"/>
+                <a:gd name="T7" fmla="*/ 0 h 1114"/>
+                <a:gd name="T8" fmla="*/ 207 w 207"/>
+                <a:gd name="T9" fmla="*/ 987 h 1114"/>
+              </a:gdLst>
+              <a:ahLst/>
+              <a:cxnLst>
+                <a:cxn ang="0">
+                  <a:pos x="T0" y="T1"/>
+                </a:cxn>
+                <a:cxn ang="0">
+                  <a:pos x="T2" y="T3"/>
+                </a:cxn>
+                <a:cxn ang="0">
+                  <a:pos x="T4" y="T5"/>
+                </a:cxn>
+                <a:cxn ang="0">
+                  <a:pos x="T6" y="T7"/>
+                </a:cxn>
+                <a:cxn ang="0">
+                  <a:pos x="T8" y="T9"/>
+                </a:cxn>
+              </a:cxnLst>
+              <a:rect l="0" t="0" r="r" b="b"/>
+              <a:pathLst>
+                <a:path w="207" h="1114">
+                  <a:moveTo>
+                    <a:pt x="207" y="987"/>
+                  </a:moveTo>
+                  <a:lnTo>
+                    <a:pt x="0" y="1114"/>
+                  </a:lnTo>
+                  <a:lnTo>
+                    <a:pt x="0" y="127"/>
+                  </a:lnTo>
+                  <a:lnTo>
+                    <a:pt x="207" y="0"/>
+                  </a:lnTo>
+                  <a:lnTo>
+                    <a:pt x="207" y="987"/>
+                  </a:lnTo>
+                  <a:close/>
+                </a:path>
+              </a:pathLst>
+            </a:custGeom>
+            <a:solidFill>
+              <a:schemeClr val="accent1">
+                <a:lumMod val="50000"/>
+              </a:schemeClr>
+            </a:solidFill>
+            <a:ln>
+              <a:noFill/>
+            </a:ln>
+          </p:spPr>
+          <p:txBody>
+            <a:bodyPr vert="horz" wrap="square" lIns="91440" tIns="45720" rIns="91440" bIns="45720" numCol="1" anchor="t" anchorCtr="0" compatLnSpc="1">
+              <a:prstTxWarp prst="textNoShape">
+                <a:avLst/>
+              </a:prstTxWarp>
+            </a:bodyPr>
+            <a:lstStyle/>
+            <a:p>
+              <a:endParaRPr lang="en-US"/>
+            </a:p>
+          </p:txBody>
+        </p:sp>
+        <p:sp>
+          <p:nvSpPr>
+            <p:cNvPr id="14" name="Freeform 45">
+              <a:extLst>
+                <a:ext uri="{FF2B5EF4-FFF2-40B4-BE49-F238E27FC236}">
+                  <a16:creationId xmlns:a16="http://schemas.microsoft.com/office/drawing/2014/main" id="{373850A5-B04A-4FCD-9E73-EE322167FB31}"/>
+                </a:ext>
+                <a:ext uri="{C183D7F6-B498-43B3-948B-1728B52AA6E4}">
+                  <adec:decorative xmlns:adec="http://schemas.microsoft.com/office/drawing/2017/decorative" val="1"/>
+                </a:ext>
+              </a:extLst>
+            </p:cNvPr>
+            <p:cNvSpPr>
+              <a:spLocks/>
+            </p:cNvSpPr>
+            <p:nvPr>
+              <p:extLst>
+                <p:ext uri="{386F3935-93C4-4BCD-93E2-E3B085C9AB24}">
+                  <p16:designElem xmlns:p16="http://schemas.microsoft.com/office/powerpoint/2015/main" val="1"/>
+                </p:ext>
+              </p:extLst>
+            </p:nvPr>
+          </p:nvSpPr>
+          <p:spPr bwMode="auto">
+            <a:xfrm>
+              <a:off x="409710" y="1022350"/>
+              <a:ext cx="709612" cy="2095501"/>
+            </a:xfrm>
+            <a:custGeom>
+              <a:avLst/>
+              <a:gdLst>
+                <a:gd name="T0" fmla="*/ 447 w 447"/>
+                <a:gd name="T1" fmla="*/ 1363 h 1363"/>
+                <a:gd name="T2" fmla="*/ 0 w 447"/>
+                <a:gd name="T3" fmla="*/ 987 h 1363"/>
+                <a:gd name="T4" fmla="*/ 0 w 447"/>
+                <a:gd name="T5" fmla="*/ 0 h 1363"/>
+                <a:gd name="T6" fmla="*/ 447 w 447"/>
+                <a:gd name="T7" fmla="*/ 376 h 1363"/>
+                <a:gd name="T8" fmla="*/ 447 w 447"/>
+                <a:gd name="T9" fmla="*/ 1363 h 1363"/>
+              </a:gdLst>
+              <a:ahLst/>
+              <a:cxnLst>
+                <a:cxn ang="0">
+                  <a:pos x="T0" y="T1"/>
+                </a:cxn>
+                <a:cxn ang="0">
+                  <a:pos x="T2" y="T3"/>
+                </a:cxn>
+                <a:cxn ang="0">
+                  <a:pos x="T4" y="T5"/>
+                </a:cxn>
+                <a:cxn ang="0">
+                  <a:pos x="T6" y="T7"/>
+                </a:cxn>
+                <a:cxn ang="0">
+                  <a:pos x="T8" y="T9"/>
+                </a:cxn>
+              </a:cxnLst>
+              <a:rect l="0" t="0" r="r" b="b"/>
+              <a:pathLst>
+                <a:path w="447" h="1363">
+                  <a:moveTo>
+                    <a:pt x="447" y="1363"/>
+                  </a:moveTo>
+                  <a:lnTo>
+                    <a:pt x="0" y="987"/>
+                  </a:lnTo>
+                  <a:lnTo>
+                    <a:pt x="0" y="0"/>
+                  </a:lnTo>
+                  <a:lnTo>
+                    <a:pt x="447" y="376"/>
+                  </a:lnTo>
+                  <a:lnTo>
+                    <a:pt x="447" y="1363"/>
+                  </a:lnTo>
+                  <a:close/>
+                </a:path>
+              </a:pathLst>
+            </a:custGeom>
+            <a:solidFill>
+              <a:schemeClr val="accent1">
+                <a:lumMod val="50000"/>
+              </a:schemeClr>
+            </a:solidFill>
+            <a:ln>
+              <a:noFill/>
+            </a:ln>
+          </p:spPr>
+          <p:txBody>
+            <a:bodyPr vert="horz" wrap="square" lIns="91440" tIns="45720" rIns="91440" bIns="45720" numCol="1" anchor="t" anchorCtr="0" compatLnSpc="1">
+              <a:prstTxWarp prst="textNoShape">
+                <a:avLst/>
+              </a:prstTxWarp>
+            </a:bodyPr>
+            <a:lstStyle/>
+            <a:p>
+              <a:endParaRPr lang="en-US"/>
+            </a:p>
+          </p:txBody>
+        </p:sp>
+        <p:sp>
+          <p:nvSpPr>
+            <p:cNvPr id="15" name="Freeform 46">
+              <a:extLst>
+                <a:ext uri="{FF2B5EF4-FFF2-40B4-BE49-F238E27FC236}">
+                  <a16:creationId xmlns:a16="http://schemas.microsoft.com/office/drawing/2014/main" id="{82C18C67-80FA-4738-AA53-0AF2419F98E0}"/>
+                </a:ext>
+                <a:ext uri="{C183D7F6-B498-43B3-948B-1728B52AA6E4}">
+                  <adec:decorative xmlns:adec="http://schemas.microsoft.com/office/drawing/2017/decorative" val="1"/>
+                </a:ext>
+              </a:extLst>
+            </p:cNvPr>
+            <p:cNvSpPr>
+              <a:spLocks/>
+            </p:cNvSpPr>
+            <p:nvPr>
+              <p:extLst>
+                <p:ext uri="{386F3935-93C4-4BCD-93E2-E3B085C9AB24}">
+                  <p16:designElem xmlns:p16="http://schemas.microsoft.com/office/powerpoint/2015/main" val="1"/>
+                </p:ext>
+              </p:extLst>
+            </p:nvPr>
+          </p:nvSpPr>
+          <p:spPr bwMode="auto">
+            <a:xfrm>
+              <a:off x="409710" y="837744"/>
+              <a:ext cx="403225" cy="1705431"/>
+            </a:xfrm>
+            <a:custGeom>
+              <a:avLst/>
+              <a:gdLst>
+                <a:gd name="T0" fmla="*/ 254 w 254"/>
+                <a:gd name="T1" fmla="*/ 987 h 1109"/>
+                <a:gd name="T2" fmla="*/ 0 w 254"/>
+                <a:gd name="T3" fmla="*/ 1109 h 1109"/>
+                <a:gd name="T4" fmla="*/ 0 w 254"/>
+                <a:gd name="T5" fmla="*/ 119 h 1109"/>
+                <a:gd name="T6" fmla="*/ 254 w 254"/>
+                <a:gd name="T7" fmla="*/ 0 h 1109"/>
+                <a:gd name="T8" fmla="*/ 254 w 254"/>
+                <a:gd name="T9" fmla="*/ 987 h 1109"/>
+              </a:gdLst>
+              <a:ahLst/>
+              <a:cxnLst>
+                <a:cxn ang="0">
+                  <a:pos x="T0" y="T1"/>
+                </a:cxn>
+                <a:cxn ang="0">
+                  <a:pos x="T2" y="T3"/>
+                </a:cxn>
+                <a:cxn ang="0">
+                  <a:pos x="T4" y="T5"/>
+                </a:cxn>
+                <a:cxn ang="0">
+                  <a:pos x="T6" y="T7"/>
+                </a:cxn>
+                <a:cxn ang="0">
+                  <a:pos x="T8" y="T9"/>
+                </a:cxn>
+              </a:cxnLst>
+              <a:rect l="0" t="0" r="r" b="b"/>
+              <a:pathLst>
+                <a:path w="254" h="1109">
+                  <a:moveTo>
+                    <a:pt x="254" y="987"/>
+                  </a:moveTo>
+                  <a:lnTo>
+                    <a:pt x="0" y="1109"/>
+                  </a:lnTo>
+                  <a:lnTo>
+                    <a:pt x="0" y="119"/>
+                  </a:lnTo>
+                  <a:lnTo>
+                    <a:pt x="254" y="0"/>
+                  </a:lnTo>
+                  <a:lnTo>
+                    <a:pt x="254" y="987"/>
+                  </a:lnTo>
+                  <a:close/>
+                </a:path>
+              </a:pathLst>
+            </a:custGeom>
+            <a:solidFill>
+              <a:schemeClr val="accent1">
+                <a:lumMod val="75000"/>
+              </a:schemeClr>
+            </a:solidFill>
+            <a:ln>
+              <a:noFill/>
+            </a:ln>
+          </p:spPr>
+          <p:txBody>
+            <a:bodyPr vert="horz" wrap="square" lIns="91440" tIns="45720" rIns="91440" bIns="45720" numCol="1" anchor="t" anchorCtr="0" compatLnSpc="1">
+              <a:prstTxWarp prst="textNoShape">
+                <a:avLst/>
+              </a:prstTxWarp>
+            </a:bodyPr>
+            <a:lstStyle/>
+            <a:p>
+              <a:endParaRPr lang="en-US"/>
+            </a:p>
+          </p:txBody>
+        </p:sp>
+        <p:sp>
+          <p:nvSpPr>
+            <p:cNvPr id="16" name="Freeform 47">
+              <a:extLst>
+                <a:ext uri="{FF2B5EF4-FFF2-40B4-BE49-F238E27FC236}">
+                  <a16:creationId xmlns:a16="http://schemas.microsoft.com/office/drawing/2014/main" id="{48543B1A-8BF5-4C63-8404-41B2EA70B33E}"/>
+                </a:ext>
+                <a:ext uri="{C183D7F6-B498-43B3-948B-1728B52AA6E4}">
+                  <adec:decorative xmlns:adec="http://schemas.microsoft.com/office/drawing/2017/decorative" val="1"/>
+                </a:ext>
+              </a:extLst>
+            </p:cNvPr>
+            <p:cNvSpPr>
+              <a:spLocks/>
+            </p:cNvSpPr>
+            <p:nvPr>
+              <p:extLst>
+                <p:ext uri="{386F3935-93C4-4BCD-93E2-E3B085C9AB24}">
+                  <p16:designElem xmlns:p16="http://schemas.microsoft.com/office/powerpoint/2015/main" val="1"/>
+                </p:ext>
+              </p:extLst>
+            </p:nvPr>
+          </p:nvSpPr>
+          <p:spPr bwMode="auto">
+            <a:xfrm>
+              <a:off x="644660" y="640894"/>
+              <a:ext cx="168275" cy="1713195"/>
+            </a:xfrm>
+            <a:custGeom>
+              <a:avLst/>
+              <a:gdLst>
+                <a:gd name="T0" fmla="*/ 106 w 106"/>
+                <a:gd name="T1" fmla="*/ 1114 h 1114"/>
+                <a:gd name="T2" fmla="*/ 0 w 106"/>
+                <a:gd name="T3" fmla="*/ 1005 h 1114"/>
+                <a:gd name="T4" fmla="*/ 0 w 106"/>
+                <a:gd name="T5" fmla="*/ 0 h 1114"/>
+                <a:gd name="T6" fmla="*/ 106 w 106"/>
+                <a:gd name="T7" fmla="*/ 110 h 1114"/>
+                <a:gd name="T8" fmla="*/ 106 w 106"/>
+                <a:gd name="T9" fmla="*/ 1114 h 1114"/>
+              </a:gdLst>
+              <a:ahLst/>
+              <a:cxnLst>
+                <a:cxn ang="0">
+                  <a:pos x="T0" y="T1"/>
+                </a:cxn>
+                <a:cxn ang="0">
+                  <a:pos x="T2" y="T3"/>
+                </a:cxn>
+                <a:cxn ang="0">
+                  <a:pos x="T4" y="T5"/>
+                </a:cxn>
+                <a:cxn ang="0">
+                  <a:pos x="T6" y="T7"/>
+                </a:cxn>
+                <a:cxn ang="0">
+                  <a:pos x="T8" y="T9"/>
+                </a:cxn>
+              </a:cxnLst>
+              <a:rect l="0" t="0" r="r" b="b"/>
+              <a:pathLst>
+                <a:path w="106" h="1114">
+                  <a:moveTo>
+                    <a:pt x="106" y="1114"/>
+                  </a:moveTo>
+                  <a:lnTo>
+                    <a:pt x="0" y="1005"/>
+                  </a:lnTo>
+                  <a:lnTo>
+                    <a:pt x="0" y="0"/>
+                  </a:lnTo>
+                  <a:lnTo>
+                    <a:pt x="106" y="110"/>
+                  </a:lnTo>
+                  <a:lnTo>
+                    <a:pt x="106" y="1114"/>
+                  </a:lnTo>
+                  <a:close/>
+                </a:path>
+              </a:pathLst>
+            </a:custGeom>
+            <a:solidFill>
+              <a:schemeClr val="accent1">
+                <a:lumMod val="50000"/>
+              </a:schemeClr>
+            </a:solidFill>
+            <a:ln>
+              <a:noFill/>
+            </a:ln>
+          </p:spPr>
+          <p:txBody>
+            <a:bodyPr vert="horz" wrap="square" lIns="91440" tIns="45720" rIns="91440" bIns="45720" numCol="1" anchor="t" anchorCtr="0" compatLnSpc="1">
+              <a:prstTxWarp prst="textNoShape">
+                <a:avLst/>
+              </a:prstTxWarp>
+            </a:bodyPr>
+            <a:lstStyle/>
+            <a:p>
+              <a:endParaRPr lang="en-US"/>
+            </a:p>
+          </p:txBody>
+        </p:sp>
+        <p:sp>
+          <p:nvSpPr>
+            <p:cNvPr id="17" name="Rectangle 16">
+              <a:extLst>
+                <a:ext uri="{FF2B5EF4-FFF2-40B4-BE49-F238E27FC236}">
+                  <a16:creationId xmlns:a16="http://schemas.microsoft.com/office/drawing/2014/main" id="{92DF5096-E051-498C-A3ED-CBA77A813AAC}"/>
+                </a:ext>
+                <a:ext uri="{C183D7F6-B498-43B3-948B-1728B52AA6E4}">
+                  <adec:decorative xmlns:adec="http://schemas.microsoft.com/office/drawing/2017/decorative" val="1"/>
+                </a:ext>
+              </a:extLst>
+            </p:cNvPr>
+            <p:cNvSpPr>
+              <a:spLocks noChangeArrowheads="1"/>
+            </p:cNvSpPr>
+            <p:nvPr>
+              <p:extLst>
+                <p:ext uri="{386F3935-93C4-4BCD-93E2-E3B085C9AB24}">
+                  <p16:designElem xmlns:p16="http://schemas.microsoft.com/office/powerpoint/2015/main" val="1"/>
+                </p:ext>
+              </p:extLst>
+            </p:nvPr>
+          </p:nvSpPr>
+          <p:spPr bwMode="auto">
+            <a:xfrm>
+              <a:off x="644055" y="635715"/>
+              <a:ext cx="10907863" cy="1541457"/>
+            </a:xfrm>
+            <a:prstGeom prst="rect">
+              <a:avLst/>
+            </a:prstGeom>
+            <a:solidFill>
+              <a:schemeClr val="accent1"/>
+            </a:solidFill>
+            <a:ln>
+              <a:noFill/>
+            </a:ln>
+          </p:spPr>
+          <p:txBody>
+            <a:bodyPr vert="horz" wrap="square" lIns="91440" tIns="45720" rIns="91440" bIns="45720" numCol="1" anchor="t" anchorCtr="0" compatLnSpc="1">
+              <a:prstTxWarp prst="textNoShape">
+                <a:avLst/>
+              </a:prstTxWarp>
+            </a:bodyPr>
+            <a:lstStyle/>
+            <a:p>
+              <a:endParaRPr lang="en-US"/>
+            </a:p>
+          </p:txBody>
+        </p:sp>
+      </p:grpSp>
+      <p:sp>
+        <p:nvSpPr>
+          <p:cNvPr id="2" name="Title 1">
+            <a:extLst>
+              <a:ext uri="{FF2B5EF4-FFF2-40B4-BE49-F238E27FC236}">
+                <a16:creationId xmlns:a16="http://schemas.microsoft.com/office/drawing/2014/main" id="{9C59ED47-CBF7-4C25-96C3-0220E50BAC96}"/>
+              </a:ext>
+            </a:extLst>
+          </p:cNvPr>
+          <p:cNvSpPr>
+            <a:spLocks noGrp="1"/>
+          </p:cNvSpPr>
+          <p:nvPr>
+            <p:ph type="title"/>
+          </p:nvPr>
+        </p:nvSpPr>
+        <p:spPr>
+          <a:xfrm>
+            <a:off x="1047280" y="759805"/>
+            <a:ext cx="10306520" cy="1325563"/>
+          </a:xfrm>
+        </p:spPr>
+        <p:txBody>
+          <a:bodyPr>
+            <a:normAutofit/>
+          </a:bodyPr>
+          <a:lstStyle/>
+          <a:p>
+            <a:r>
+              <a:rPr lang="en-US" sz="4000" dirty="0">
+                <a:solidFill>
+                  <a:schemeClr val="bg1"/>
+                </a:solidFill>
+              </a:rPr>
+              <a:t>Description of Data</a:t>
+            </a:r>
+            <a:br>
+              <a:rPr lang="en-US" sz="4000" dirty="0">
+                <a:solidFill>
+                  <a:srgbClr val="FFFFFF"/>
+                </a:solidFill>
+              </a:rPr>
+            </a:br>
+            <a:endParaRPr lang="en-US" sz="4000" dirty="0">
+              <a:solidFill>
+                <a:srgbClr val="FFFFFF"/>
+              </a:solidFill>
+            </a:endParaRPr>
+          </a:p>
+        </p:txBody>
+      </p:sp>
+      <p:sp>
+        <p:nvSpPr>
+          <p:cNvPr id="3" name="Content Placeholder 2">
+            <a:extLst>
+              <a:ext uri="{FF2B5EF4-FFF2-40B4-BE49-F238E27FC236}">
+                <a16:creationId xmlns:a16="http://schemas.microsoft.com/office/drawing/2014/main" id="{CCFC8519-36E1-4A40-8F4E-B3526A2AB62A}"/>
+              </a:ext>
+            </a:extLst>
+          </p:cNvPr>
+          <p:cNvSpPr>
+            <a:spLocks noGrp="1"/>
+          </p:cNvSpPr>
+          <p:nvPr>
+            <p:ph idx="1"/>
+          </p:nvPr>
+        </p:nvSpPr>
+        <p:spPr>
+          <a:xfrm>
+            <a:off x="1424904" y="2494450"/>
+            <a:ext cx="9653913" cy="3893098"/>
+          </a:xfrm>
+        </p:spPr>
+        <p:txBody>
+          <a:bodyPr>
+            <a:normAutofit lnSpcReduction="10000"/>
+          </a:bodyPr>
+          <a:lstStyle/>
+          <a:p>
+            <a:pPr marL="0" indent="0">
+              <a:buNone/>
+            </a:pPr>
+            <a:r>
+              <a:rPr lang="en-US" sz="2400" dirty="0"/>
+              <a:t>When looking for a good data set, we needed at data set that was complete, easy to access, and well documented.</a:t>
+            </a:r>
+          </a:p>
+          <a:p>
+            <a:pPr marL="0" indent="0">
+              <a:buNone/>
+            </a:pPr>
+            <a:r>
+              <a:rPr lang="en-US" sz="2400" dirty="0"/>
+              <a:t>The dataset is very clear and straightforward, it shows statistics for each Superbowl throughout the years. This data is enough for us to be able to answer our questions and finalize with our conclusions. </a:t>
+            </a:r>
+          </a:p>
+          <a:p>
+            <a:pPr marL="0" indent="0">
+              <a:buNone/>
+            </a:pPr>
+            <a:endParaRPr lang="en-US" sz="2400" dirty="0"/>
+          </a:p>
+          <a:p>
+            <a:pPr marL="0" indent="0">
+              <a:buNone/>
+            </a:pPr>
+            <a:r>
+              <a:rPr lang="en-US" sz="2400" b="1" dirty="0"/>
+              <a:t>Transformation of Data</a:t>
+            </a:r>
+          </a:p>
+          <a:p>
+            <a:pPr marL="0" indent="0">
+              <a:buNone/>
+            </a:pPr>
+            <a:r>
+              <a:rPr lang="en-US" sz="2400" dirty="0"/>
+              <a:t>The data set had the date and it was changed to date time. Also the stadium locations were given without geolocational coordinates and we change Super Bowl numbers from roman numerals to regular numbers. We created Margin of Victory column in the data set</a:t>
+            </a:r>
+          </a:p>
+          <a:p>
+            <a:pPr marL="0" indent="0">
+              <a:buNone/>
+            </a:pPr>
+            <a:endParaRPr lang="en-US" sz="2400" dirty="0"/>
+          </a:p>
+          <a:p>
+            <a:endParaRPr lang="en-US" sz="2400" dirty="0"/>
+          </a:p>
+        </p:txBody>
+      </p:sp>
+    </p:spTree>
+    <p:extLst>
+      <p:ext uri="{BB962C8B-B14F-4D97-AF65-F5344CB8AC3E}">
+        <p14:creationId xmlns:p14="http://schemas.microsoft.com/office/powerpoint/2010/main" val="4093984023"/>
+      </p:ext>
+    </p:extLst>
+  </p:cSld>
+  <p:clrMapOvr>
+    <a:masterClrMapping/>
+  </p:clrMapOvr>
+</p:sld>
+</file>
+
+<file path=ppt/slides/slide6.xml><?xml version="1.0" encoding="utf-8"?>
 <p:sld xmlns:a="http://schemas.openxmlformats.org/drawingml/2006/main" xmlns:r="http://schemas.openxmlformats.org/officeDocument/2006/relationships" xmlns:p="http://schemas.openxmlformats.org/presentationml/2006/main">
   <p:cSld>
     <p:bg>
@@ -10817,7 +15075,7 @@
 </p:sld>
 </file>
 
-<file path=ppt/slides/slide4.xml><?xml version="1.0" encoding="utf-8"?>
+<file path=ppt/slides/slide7.xml><?xml version="1.0" encoding="utf-8"?>
 <p:sld xmlns:a="http://schemas.openxmlformats.org/drawingml/2006/main" xmlns:r="http://schemas.openxmlformats.org/officeDocument/2006/relationships" xmlns:p="http://schemas.openxmlformats.org/presentationml/2006/main">
   <p:cSld>
     <p:bg>
@@ -11561,7 +15819,7 @@
 </p:sld>
 </file>
 
-<file path=ppt/slides/slide5.xml><?xml version="1.0" encoding="utf-8"?>
+<file path=ppt/slides/slide8.xml><?xml version="1.0" encoding="utf-8"?>
 <p:sld xmlns:a="http://schemas.openxmlformats.org/drawingml/2006/main" xmlns:r="http://schemas.openxmlformats.org/officeDocument/2006/relationships" xmlns:p="http://schemas.openxmlformats.org/presentationml/2006/main">
   <p:cSld>
     <p:bg>
@@ -12305,7 +16563,7 @@
 </p:sld>
 </file>
 
-<file path=ppt/slides/slide6.xml><?xml version="1.0" encoding="utf-8"?>
+<file path=ppt/slides/slide9.xml><?xml version="1.0" encoding="utf-8"?>
 <p:sld xmlns:a="http://schemas.openxmlformats.org/drawingml/2006/main" xmlns:r="http://schemas.openxmlformats.org/officeDocument/2006/relationships" xmlns:p="http://schemas.openxmlformats.org/presentationml/2006/main">
   <p:cSld>
     <p:bg>
@@ -13027,1520 +17285,6 @@
     <p:extLst>
       <p:ext uri="{BB962C8B-B14F-4D97-AF65-F5344CB8AC3E}">
         <p14:creationId xmlns:p14="http://schemas.microsoft.com/office/powerpoint/2010/main" val="2548326407"/>
-      </p:ext>
-    </p:extLst>
-  </p:cSld>
-  <p:clrMapOvr>
-    <a:masterClrMapping/>
-  </p:clrMapOvr>
-</p:sld>
-</file>
-
-<file path=ppt/slides/slide7.xml><?xml version="1.0" encoding="utf-8"?>
-<p:sld xmlns:a="http://schemas.openxmlformats.org/drawingml/2006/main" xmlns:r="http://schemas.openxmlformats.org/officeDocument/2006/relationships" xmlns:p="http://schemas.openxmlformats.org/presentationml/2006/main">
-  <p:cSld>
-    <p:spTree>
-      <p:nvGrpSpPr>
-        <p:cNvPr id="1" name=""/>
-        <p:cNvGrpSpPr/>
-        <p:nvPr/>
-      </p:nvGrpSpPr>
-      <p:grpSpPr>
-        <a:xfrm>
-          <a:off x="0" y="0"/>
-          <a:ext cx="0" cy="0"/>
-          <a:chOff x="0" y="0"/>
-          <a:chExt cx="0" cy="0"/>
-        </a:xfrm>
-      </p:grpSpPr>
-      <p:sp>
-        <p:nvSpPr>
-          <p:cNvPr id="2" name="Title 1">
-            <a:extLst>
-              <a:ext uri="{FF2B5EF4-FFF2-40B4-BE49-F238E27FC236}">
-                <a16:creationId xmlns:a16="http://schemas.microsoft.com/office/drawing/2014/main" id="{8A8EA22F-CB2B-4FF7-89B1-FC324FF9A14D}"/>
-              </a:ext>
-            </a:extLst>
-          </p:cNvPr>
-          <p:cNvSpPr>
-            <a:spLocks noGrp="1"/>
-          </p:cNvSpPr>
-          <p:nvPr>
-            <p:ph type="title"/>
-          </p:nvPr>
-        </p:nvSpPr>
-        <p:spPr/>
-        <p:txBody>
-          <a:bodyPr/>
-          <a:lstStyle/>
-          <a:p>
-            <a:endParaRPr lang="en-US"/>
-          </a:p>
-        </p:txBody>
-      </p:sp>
-      <p:sp>
-        <p:nvSpPr>
-          <p:cNvPr id="4" name="Content Placeholder 3">
-            <a:extLst>
-              <a:ext uri="{FF2B5EF4-FFF2-40B4-BE49-F238E27FC236}">
-                <a16:creationId xmlns:a16="http://schemas.microsoft.com/office/drawing/2014/main" id="{5DFD72D4-61AE-4B4B-8BE9-A2542FDBC6B6}"/>
-              </a:ext>
-            </a:extLst>
-          </p:cNvPr>
-          <p:cNvSpPr txBox="1">
-            <a:spLocks noGrp="1"/>
-          </p:cNvSpPr>
-          <p:nvPr>
-            <p:ph idx="1"/>
-          </p:nvPr>
-        </p:nvSpPr>
-        <p:spPr>
-          <a:xfrm>
-            <a:off x="838200" y="1825625"/>
-            <a:ext cx="10515600" cy="1512209"/>
-          </a:xfrm>
-          <a:prstGeom prst="rect">
-            <a:avLst/>
-          </a:prstGeom>
-          <a:noFill/>
-        </p:spPr>
-        <p:txBody>
-          <a:bodyPr wrap="square" rtlCol="0">
-            <a:spAutoFit/>
-          </a:bodyPr>
-          <a:lstStyle/>
-          <a:p>
-            <a:pPr marL="285750" indent="-285750"/>
-            <a:r>
-              <a:rPr lang="en-US" dirty="0"/>
-              <a:t>#How many points do you need to win a Super Bowl?</a:t>
-            </a:r>
-          </a:p>
-          <a:p>
-            <a:pPr marL="285750" indent="-285750"/>
-            <a:r>
-              <a:rPr lang="en-US" dirty="0"/>
-              <a:t>#How many points the winners scored?</a:t>
-            </a:r>
-          </a:p>
-          <a:p>
-            <a:endParaRPr lang="en-US" dirty="0"/>
-          </a:p>
-        </p:txBody>
-      </p:sp>
-    </p:spTree>
-    <p:extLst>
-      <p:ext uri="{BB962C8B-B14F-4D97-AF65-F5344CB8AC3E}">
-        <p14:creationId xmlns:p14="http://schemas.microsoft.com/office/powerpoint/2010/main" val="2122543996"/>
-      </p:ext>
-    </p:extLst>
-  </p:cSld>
-  <p:clrMapOvr>
-    <a:masterClrMapping/>
-  </p:clrMapOvr>
-</p:sld>
-</file>
-
-<file path=ppt/slides/slide8.xml><?xml version="1.0" encoding="utf-8"?>
-<p:sld xmlns:a="http://schemas.openxmlformats.org/drawingml/2006/main" xmlns:r="http://schemas.openxmlformats.org/officeDocument/2006/relationships" xmlns:p="http://schemas.openxmlformats.org/presentationml/2006/main">
-  <p:cSld>
-    <p:bg>
-      <p:bgPr>
-        <a:solidFill>
-          <a:schemeClr val="bg1"/>
-        </a:solidFill>
-        <a:effectLst/>
-      </p:bgPr>
-    </p:bg>
-    <p:spTree>
-      <p:nvGrpSpPr>
-        <p:cNvPr id="1" name=""/>
-        <p:cNvGrpSpPr/>
-        <p:nvPr/>
-      </p:nvGrpSpPr>
-      <p:grpSpPr>
-        <a:xfrm>
-          <a:off x="0" y="0"/>
-          <a:ext cx="0" cy="0"/>
-          <a:chOff x="0" y="0"/>
-          <a:chExt cx="0" cy="0"/>
-        </a:xfrm>
-      </p:grpSpPr>
-      <p:sp useBgFill="1">
-        <p:nvSpPr>
-          <p:cNvPr id="10" name="Rectangle 9">
-            <a:extLst>
-              <a:ext uri="{FF2B5EF4-FFF2-40B4-BE49-F238E27FC236}">
-                <a16:creationId xmlns:a16="http://schemas.microsoft.com/office/drawing/2014/main" id="{F4C0B10B-D2C4-4A54-AFAD-3D27DF88BB37}"/>
-              </a:ext>
-              <a:ext uri="{C183D7F6-B498-43B3-948B-1728B52AA6E4}">
-                <adec:decorative xmlns:adec="http://schemas.microsoft.com/office/drawing/2017/decorative" val="1"/>
-              </a:ext>
-            </a:extLst>
-          </p:cNvPr>
-          <p:cNvSpPr>
-            <a:spLocks noGrp="1" noRot="1" noChangeAspect="1" noMove="1" noResize="1" noEditPoints="1" noAdjustHandles="1" noChangeArrowheads="1" noChangeShapeType="1" noTextEdit="1"/>
-          </p:cNvSpPr>
-          <p:nvPr>
-            <p:extLst>
-              <p:ext uri="{386F3935-93C4-4BCD-93E2-E3B085C9AB24}">
-                <p16:designElem xmlns:p16="http://schemas.microsoft.com/office/powerpoint/2015/main" val="1"/>
-              </p:ext>
-            </p:extLst>
-          </p:nvPr>
-        </p:nvSpPr>
-        <p:spPr>
-          <a:xfrm>
-            <a:off x="0" y="0"/>
-            <a:ext cx="12188952" cy="6858000"/>
-          </a:xfrm>
-          <a:prstGeom prst="rect">
-            <a:avLst/>
-          </a:prstGeom>
-          <a:ln>
-            <a:noFill/>
-          </a:ln>
-        </p:spPr>
-        <p:style>
-          <a:lnRef idx="2">
-            <a:schemeClr val="accent1">
-              <a:shade val="50000"/>
-            </a:schemeClr>
-          </a:lnRef>
-          <a:fillRef idx="1">
-            <a:schemeClr val="accent1"/>
-          </a:fillRef>
-          <a:effectRef idx="0">
-            <a:schemeClr val="accent1"/>
-          </a:effectRef>
-          <a:fontRef idx="minor">
-            <a:schemeClr val="lt1"/>
-          </a:fontRef>
-        </p:style>
-        <p:txBody>
-          <a:bodyPr rtlCol="0" anchor="ctr"/>
-          <a:lstStyle/>
-          <a:p>
-            <a:pPr algn="ctr"/>
-            <a:endParaRPr lang="en-US"/>
-          </a:p>
-        </p:txBody>
-      </p:sp>
-      <p:grpSp>
-        <p:nvGrpSpPr>
-          <p:cNvPr id="12" name="Group 11">
-            <a:extLst>
-              <a:ext uri="{FF2B5EF4-FFF2-40B4-BE49-F238E27FC236}">
-                <a16:creationId xmlns:a16="http://schemas.microsoft.com/office/drawing/2014/main" id="{B6BADB90-C74B-40D6-86DC-503F65FCE8DC}"/>
-              </a:ext>
-              <a:ext uri="{C183D7F6-B498-43B3-948B-1728B52AA6E4}">
-                <adec:decorative xmlns:adec="http://schemas.microsoft.com/office/drawing/2017/decorative" val="1"/>
-              </a:ext>
-            </a:extLst>
-          </p:cNvPr>
-          <p:cNvGrpSpPr>
-            <a:grpSpLocks noGrp="1" noUngrp="1" noRot="1" noChangeAspect="1" noMove="1" noResize="1"/>
-          </p:cNvGrpSpPr>
-          <p:nvPr>
-            <p:extLst>
-              <p:ext uri="{386F3935-93C4-4BCD-93E2-E3B085C9AB24}">
-                <p16:designElem xmlns:p16="http://schemas.microsoft.com/office/powerpoint/2015/main" val="1"/>
-              </p:ext>
-            </p:extLst>
-          </p:nvPr>
-        </p:nvGrpSpPr>
-        <p:grpSpPr>
-          <a:xfrm>
-            <a:off x="409710" y="635715"/>
-            <a:ext cx="11142208" cy="2482136"/>
-            <a:chOff x="409710" y="635715"/>
-            <a:chExt cx="11142208" cy="2482136"/>
-          </a:xfrm>
-        </p:grpSpPr>
-        <p:sp>
-          <p:nvSpPr>
-            <p:cNvPr id="13" name="Freeform 44">
-              <a:extLst>
-                <a:ext uri="{FF2B5EF4-FFF2-40B4-BE49-F238E27FC236}">
-                  <a16:creationId xmlns:a16="http://schemas.microsoft.com/office/drawing/2014/main" id="{6559431D-1886-4AE0-9B87-9AD2ECAB8439}"/>
-                </a:ext>
-                <a:ext uri="{C183D7F6-B498-43B3-948B-1728B52AA6E4}">
-                  <adec:decorative xmlns:adec="http://schemas.microsoft.com/office/drawing/2017/decorative" val="1"/>
-                </a:ext>
-              </a:extLst>
-            </p:cNvPr>
-            <p:cNvSpPr>
-              <a:spLocks/>
-            </p:cNvSpPr>
-            <p:nvPr>
-              <p:extLst>
-                <p:ext uri="{386F3935-93C4-4BCD-93E2-E3B085C9AB24}">
-                  <p16:designElem xmlns:p16="http://schemas.microsoft.com/office/powerpoint/2015/main" val="1"/>
-                </p:ext>
-              </p:extLst>
-            </p:nvPr>
-          </p:nvSpPr>
-          <p:spPr bwMode="auto">
-            <a:xfrm>
-              <a:off x="11223203" y="635716"/>
-              <a:ext cx="328612" cy="1742360"/>
-            </a:xfrm>
-            <a:custGeom>
-              <a:avLst/>
-              <a:gdLst>
-                <a:gd name="T0" fmla="*/ 207 w 207"/>
-                <a:gd name="T1" fmla="*/ 987 h 1114"/>
-                <a:gd name="T2" fmla="*/ 0 w 207"/>
-                <a:gd name="T3" fmla="*/ 1114 h 1114"/>
-                <a:gd name="T4" fmla="*/ 0 w 207"/>
-                <a:gd name="T5" fmla="*/ 127 h 1114"/>
-                <a:gd name="T6" fmla="*/ 207 w 207"/>
-                <a:gd name="T7" fmla="*/ 0 h 1114"/>
-                <a:gd name="T8" fmla="*/ 207 w 207"/>
-                <a:gd name="T9" fmla="*/ 987 h 1114"/>
-              </a:gdLst>
-              <a:ahLst/>
-              <a:cxnLst>
-                <a:cxn ang="0">
-                  <a:pos x="T0" y="T1"/>
-                </a:cxn>
-                <a:cxn ang="0">
-                  <a:pos x="T2" y="T3"/>
-                </a:cxn>
-                <a:cxn ang="0">
-                  <a:pos x="T4" y="T5"/>
-                </a:cxn>
-                <a:cxn ang="0">
-                  <a:pos x="T6" y="T7"/>
-                </a:cxn>
-                <a:cxn ang="0">
-                  <a:pos x="T8" y="T9"/>
-                </a:cxn>
-              </a:cxnLst>
-              <a:rect l="0" t="0" r="r" b="b"/>
-              <a:pathLst>
-                <a:path w="207" h="1114">
-                  <a:moveTo>
-                    <a:pt x="207" y="987"/>
-                  </a:moveTo>
-                  <a:lnTo>
-                    <a:pt x="0" y="1114"/>
-                  </a:lnTo>
-                  <a:lnTo>
-                    <a:pt x="0" y="127"/>
-                  </a:lnTo>
-                  <a:lnTo>
-                    <a:pt x="207" y="0"/>
-                  </a:lnTo>
-                  <a:lnTo>
-                    <a:pt x="207" y="987"/>
-                  </a:lnTo>
-                  <a:close/>
-                </a:path>
-              </a:pathLst>
-            </a:custGeom>
-            <a:solidFill>
-              <a:schemeClr val="accent1">
-                <a:lumMod val="50000"/>
-              </a:schemeClr>
-            </a:solidFill>
-            <a:ln>
-              <a:noFill/>
-            </a:ln>
-          </p:spPr>
-          <p:txBody>
-            <a:bodyPr vert="horz" wrap="square" lIns="91440" tIns="45720" rIns="91440" bIns="45720" numCol="1" anchor="t" anchorCtr="0" compatLnSpc="1">
-              <a:prstTxWarp prst="textNoShape">
-                <a:avLst/>
-              </a:prstTxWarp>
-            </a:bodyPr>
-            <a:lstStyle/>
-            <a:p>
-              <a:endParaRPr lang="en-US"/>
-            </a:p>
-          </p:txBody>
-        </p:sp>
-        <p:sp>
-          <p:nvSpPr>
-            <p:cNvPr id="14" name="Freeform 45">
-              <a:extLst>
-                <a:ext uri="{FF2B5EF4-FFF2-40B4-BE49-F238E27FC236}">
-                  <a16:creationId xmlns:a16="http://schemas.microsoft.com/office/drawing/2014/main" id="{373850A5-B04A-4FCD-9E73-EE322167FB31}"/>
-                </a:ext>
-                <a:ext uri="{C183D7F6-B498-43B3-948B-1728B52AA6E4}">
-                  <adec:decorative xmlns:adec="http://schemas.microsoft.com/office/drawing/2017/decorative" val="1"/>
-                </a:ext>
-              </a:extLst>
-            </p:cNvPr>
-            <p:cNvSpPr>
-              <a:spLocks/>
-            </p:cNvSpPr>
-            <p:nvPr>
-              <p:extLst>
-                <p:ext uri="{386F3935-93C4-4BCD-93E2-E3B085C9AB24}">
-                  <p16:designElem xmlns:p16="http://schemas.microsoft.com/office/powerpoint/2015/main" val="1"/>
-                </p:ext>
-              </p:extLst>
-            </p:nvPr>
-          </p:nvSpPr>
-          <p:spPr bwMode="auto">
-            <a:xfrm>
-              <a:off x="409710" y="1022350"/>
-              <a:ext cx="709612" cy="2095501"/>
-            </a:xfrm>
-            <a:custGeom>
-              <a:avLst/>
-              <a:gdLst>
-                <a:gd name="T0" fmla="*/ 447 w 447"/>
-                <a:gd name="T1" fmla="*/ 1363 h 1363"/>
-                <a:gd name="T2" fmla="*/ 0 w 447"/>
-                <a:gd name="T3" fmla="*/ 987 h 1363"/>
-                <a:gd name="T4" fmla="*/ 0 w 447"/>
-                <a:gd name="T5" fmla="*/ 0 h 1363"/>
-                <a:gd name="T6" fmla="*/ 447 w 447"/>
-                <a:gd name="T7" fmla="*/ 376 h 1363"/>
-                <a:gd name="T8" fmla="*/ 447 w 447"/>
-                <a:gd name="T9" fmla="*/ 1363 h 1363"/>
-              </a:gdLst>
-              <a:ahLst/>
-              <a:cxnLst>
-                <a:cxn ang="0">
-                  <a:pos x="T0" y="T1"/>
-                </a:cxn>
-                <a:cxn ang="0">
-                  <a:pos x="T2" y="T3"/>
-                </a:cxn>
-                <a:cxn ang="0">
-                  <a:pos x="T4" y="T5"/>
-                </a:cxn>
-                <a:cxn ang="0">
-                  <a:pos x="T6" y="T7"/>
-                </a:cxn>
-                <a:cxn ang="0">
-                  <a:pos x="T8" y="T9"/>
-                </a:cxn>
-              </a:cxnLst>
-              <a:rect l="0" t="0" r="r" b="b"/>
-              <a:pathLst>
-                <a:path w="447" h="1363">
-                  <a:moveTo>
-                    <a:pt x="447" y="1363"/>
-                  </a:moveTo>
-                  <a:lnTo>
-                    <a:pt x="0" y="987"/>
-                  </a:lnTo>
-                  <a:lnTo>
-                    <a:pt x="0" y="0"/>
-                  </a:lnTo>
-                  <a:lnTo>
-                    <a:pt x="447" y="376"/>
-                  </a:lnTo>
-                  <a:lnTo>
-                    <a:pt x="447" y="1363"/>
-                  </a:lnTo>
-                  <a:close/>
-                </a:path>
-              </a:pathLst>
-            </a:custGeom>
-            <a:solidFill>
-              <a:schemeClr val="accent1">
-                <a:lumMod val="50000"/>
-              </a:schemeClr>
-            </a:solidFill>
-            <a:ln>
-              <a:noFill/>
-            </a:ln>
-          </p:spPr>
-          <p:txBody>
-            <a:bodyPr vert="horz" wrap="square" lIns="91440" tIns="45720" rIns="91440" bIns="45720" numCol="1" anchor="t" anchorCtr="0" compatLnSpc="1">
-              <a:prstTxWarp prst="textNoShape">
-                <a:avLst/>
-              </a:prstTxWarp>
-            </a:bodyPr>
-            <a:lstStyle/>
-            <a:p>
-              <a:endParaRPr lang="en-US"/>
-            </a:p>
-          </p:txBody>
-        </p:sp>
-        <p:sp>
-          <p:nvSpPr>
-            <p:cNvPr id="15" name="Freeform 46">
-              <a:extLst>
-                <a:ext uri="{FF2B5EF4-FFF2-40B4-BE49-F238E27FC236}">
-                  <a16:creationId xmlns:a16="http://schemas.microsoft.com/office/drawing/2014/main" id="{82C18C67-80FA-4738-AA53-0AF2419F98E0}"/>
-                </a:ext>
-                <a:ext uri="{C183D7F6-B498-43B3-948B-1728B52AA6E4}">
-                  <adec:decorative xmlns:adec="http://schemas.microsoft.com/office/drawing/2017/decorative" val="1"/>
-                </a:ext>
-              </a:extLst>
-            </p:cNvPr>
-            <p:cNvSpPr>
-              <a:spLocks/>
-            </p:cNvSpPr>
-            <p:nvPr>
-              <p:extLst>
-                <p:ext uri="{386F3935-93C4-4BCD-93E2-E3B085C9AB24}">
-                  <p16:designElem xmlns:p16="http://schemas.microsoft.com/office/powerpoint/2015/main" val="1"/>
-                </p:ext>
-              </p:extLst>
-            </p:nvPr>
-          </p:nvSpPr>
-          <p:spPr bwMode="auto">
-            <a:xfrm>
-              <a:off x="409710" y="837744"/>
-              <a:ext cx="403225" cy="1705431"/>
-            </a:xfrm>
-            <a:custGeom>
-              <a:avLst/>
-              <a:gdLst>
-                <a:gd name="T0" fmla="*/ 254 w 254"/>
-                <a:gd name="T1" fmla="*/ 987 h 1109"/>
-                <a:gd name="T2" fmla="*/ 0 w 254"/>
-                <a:gd name="T3" fmla="*/ 1109 h 1109"/>
-                <a:gd name="T4" fmla="*/ 0 w 254"/>
-                <a:gd name="T5" fmla="*/ 119 h 1109"/>
-                <a:gd name="T6" fmla="*/ 254 w 254"/>
-                <a:gd name="T7" fmla="*/ 0 h 1109"/>
-                <a:gd name="T8" fmla="*/ 254 w 254"/>
-                <a:gd name="T9" fmla="*/ 987 h 1109"/>
-              </a:gdLst>
-              <a:ahLst/>
-              <a:cxnLst>
-                <a:cxn ang="0">
-                  <a:pos x="T0" y="T1"/>
-                </a:cxn>
-                <a:cxn ang="0">
-                  <a:pos x="T2" y="T3"/>
-                </a:cxn>
-                <a:cxn ang="0">
-                  <a:pos x="T4" y="T5"/>
-                </a:cxn>
-                <a:cxn ang="0">
-                  <a:pos x="T6" y="T7"/>
-                </a:cxn>
-                <a:cxn ang="0">
-                  <a:pos x="T8" y="T9"/>
-                </a:cxn>
-              </a:cxnLst>
-              <a:rect l="0" t="0" r="r" b="b"/>
-              <a:pathLst>
-                <a:path w="254" h="1109">
-                  <a:moveTo>
-                    <a:pt x="254" y="987"/>
-                  </a:moveTo>
-                  <a:lnTo>
-                    <a:pt x="0" y="1109"/>
-                  </a:lnTo>
-                  <a:lnTo>
-                    <a:pt x="0" y="119"/>
-                  </a:lnTo>
-                  <a:lnTo>
-                    <a:pt x="254" y="0"/>
-                  </a:lnTo>
-                  <a:lnTo>
-                    <a:pt x="254" y="987"/>
-                  </a:lnTo>
-                  <a:close/>
-                </a:path>
-              </a:pathLst>
-            </a:custGeom>
-            <a:solidFill>
-              <a:schemeClr val="accent1">
-                <a:lumMod val="75000"/>
-              </a:schemeClr>
-            </a:solidFill>
-            <a:ln>
-              <a:noFill/>
-            </a:ln>
-          </p:spPr>
-          <p:txBody>
-            <a:bodyPr vert="horz" wrap="square" lIns="91440" tIns="45720" rIns="91440" bIns="45720" numCol="1" anchor="t" anchorCtr="0" compatLnSpc="1">
-              <a:prstTxWarp prst="textNoShape">
-                <a:avLst/>
-              </a:prstTxWarp>
-            </a:bodyPr>
-            <a:lstStyle/>
-            <a:p>
-              <a:endParaRPr lang="en-US"/>
-            </a:p>
-          </p:txBody>
-        </p:sp>
-        <p:sp>
-          <p:nvSpPr>
-            <p:cNvPr id="16" name="Freeform 47">
-              <a:extLst>
-                <a:ext uri="{FF2B5EF4-FFF2-40B4-BE49-F238E27FC236}">
-                  <a16:creationId xmlns:a16="http://schemas.microsoft.com/office/drawing/2014/main" id="{48543B1A-8BF5-4C63-8404-41B2EA70B33E}"/>
-                </a:ext>
-                <a:ext uri="{C183D7F6-B498-43B3-948B-1728B52AA6E4}">
-                  <adec:decorative xmlns:adec="http://schemas.microsoft.com/office/drawing/2017/decorative" val="1"/>
-                </a:ext>
-              </a:extLst>
-            </p:cNvPr>
-            <p:cNvSpPr>
-              <a:spLocks/>
-            </p:cNvSpPr>
-            <p:nvPr>
-              <p:extLst>
-                <p:ext uri="{386F3935-93C4-4BCD-93E2-E3B085C9AB24}">
-                  <p16:designElem xmlns:p16="http://schemas.microsoft.com/office/powerpoint/2015/main" val="1"/>
-                </p:ext>
-              </p:extLst>
-            </p:nvPr>
-          </p:nvSpPr>
-          <p:spPr bwMode="auto">
-            <a:xfrm>
-              <a:off x="644660" y="640894"/>
-              <a:ext cx="168275" cy="1713195"/>
-            </a:xfrm>
-            <a:custGeom>
-              <a:avLst/>
-              <a:gdLst>
-                <a:gd name="T0" fmla="*/ 106 w 106"/>
-                <a:gd name="T1" fmla="*/ 1114 h 1114"/>
-                <a:gd name="T2" fmla="*/ 0 w 106"/>
-                <a:gd name="T3" fmla="*/ 1005 h 1114"/>
-                <a:gd name="T4" fmla="*/ 0 w 106"/>
-                <a:gd name="T5" fmla="*/ 0 h 1114"/>
-                <a:gd name="T6" fmla="*/ 106 w 106"/>
-                <a:gd name="T7" fmla="*/ 110 h 1114"/>
-                <a:gd name="T8" fmla="*/ 106 w 106"/>
-                <a:gd name="T9" fmla="*/ 1114 h 1114"/>
-              </a:gdLst>
-              <a:ahLst/>
-              <a:cxnLst>
-                <a:cxn ang="0">
-                  <a:pos x="T0" y="T1"/>
-                </a:cxn>
-                <a:cxn ang="0">
-                  <a:pos x="T2" y="T3"/>
-                </a:cxn>
-                <a:cxn ang="0">
-                  <a:pos x="T4" y="T5"/>
-                </a:cxn>
-                <a:cxn ang="0">
-                  <a:pos x="T6" y="T7"/>
-                </a:cxn>
-                <a:cxn ang="0">
-                  <a:pos x="T8" y="T9"/>
-                </a:cxn>
-              </a:cxnLst>
-              <a:rect l="0" t="0" r="r" b="b"/>
-              <a:pathLst>
-                <a:path w="106" h="1114">
-                  <a:moveTo>
-                    <a:pt x="106" y="1114"/>
-                  </a:moveTo>
-                  <a:lnTo>
-                    <a:pt x="0" y="1005"/>
-                  </a:lnTo>
-                  <a:lnTo>
-                    <a:pt x="0" y="0"/>
-                  </a:lnTo>
-                  <a:lnTo>
-                    <a:pt x="106" y="110"/>
-                  </a:lnTo>
-                  <a:lnTo>
-                    <a:pt x="106" y="1114"/>
-                  </a:lnTo>
-                  <a:close/>
-                </a:path>
-              </a:pathLst>
-            </a:custGeom>
-            <a:solidFill>
-              <a:schemeClr val="accent1">
-                <a:lumMod val="50000"/>
-              </a:schemeClr>
-            </a:solidFill>
-            <a:ln>
-              <a:noFill/>
-            </a:ln>
-          </p:spPr>
-          <p:txBody>
-            <a:bodyPr vert="horz" wrap="square" lIns="91440" tIns="45720" rIns="91440" bIns="45720" numCol="1" anchor="t" anchorCtr="0" compatLnSpc="1">
-              <a:prstTxWarp prst="textNoShape">
-                <a:avLst/>
-              </a:prstTxWarp>
-            </a:bodyPr>
-            <a:lstStyle/>
-            <a:p>
-              <a:endParaRPr lang="en-US"/>
-            </a:p>
-          </p:txBody>
-        </p:sp>
-        <p:sp>
-          <p:nvSpPr>
-            <p:cNvPr id="17" name="Rectangle 16">
-              <a:extLst>
-                <a:ext uri="{FF2B5EF4-FFF2-40B4-BE49-F238E27FC236}">
-                  <a16:creationId xmlns:a16="http://schemas.microsoft.com/office/drawing/2014/main" id="{92DF5096-E051-498C-A3ED-CBA77A813AAC}"/>
-                </a:ext>
-                <a:ext uri="{C183D7F6-B498-43B3-948B-1728B52AA6E4}">
-                  <adec:decorative xmlns:adec="http://schemas.microsoft.com/office/drawing/2017/decorative" val="1"/>
-                </a:ext>
-              </a:extLst>
-            </p:cNvPr>
-            <p:cNvSpPr>
-              <a:spLocks noChangeArrowheads="1"/>
-            </p:cNvSpPr>
-            <p:nvPr>
-              <p:extLst>
-                <p:ext uri="{386F3935-93C4-4BCD-93E2-E3B085C9AB24}">
-                  <p16:designElem xmlns:p16="http://schemas.microsoft.com/office/powerpoint/2015/main" val="1"/>
-                </p:ext>
-              </p:extLst>
-            </p:nvPr>
-          </p:nvSpPr>
-          <p:spPr bwMode="auto">
-            <a:xfrm>
-              <a:off x="644055" y="635715"/>
-              <a:ext cx="10907863" cy="1541457"/>
-            </a:xfrm>
-            <a:prstGeom prst="rect">
-              <a:avLst/>
-            </a:prstGeom>
-            <a:solidFill>
-              <a:schemeClr val="accent1"/>
-            </a:solidFill>
-            <a:ln>
-              <a:noFill/>
-            </a:ln>
-          </p:spPr>
-          <p:txBody>
-            <a:bodyPr vert="horz" wrap="square" lIns="91440" tIns="45720" rIns="91440" bIns="45720" numCol="1" anchor="t" anchorCtr="0" compatLnSpc="1">
-              <a:prstTxWarp prst="textNoShape">
-                <a:avLst/>
-              </a:prstTxWarp>
-            </a:bodyPr>
-            <a:lstStyle/>
-            <a:p>
-              <a:endParaRPr lang="en-US"/>
-            </a:p>
-          </p:txBody>
-        </p:sp>
-      </p:grpSp>
-      <p:sp>
-        <p:nvSpPr>
-          <p:cNvPr id="2" name="Title 1">
-            <a:extLst>
-              <a:ext uri="{FF2B5EF4-FFF2-40B4-BE49-F238E27FC236}">
-                <a16:creationId xmlns:a16="http://schemas.microsoft.com/office/drawing/2014/main" id="{9C59ED47-CBF7-4C25-96C3-0220E50BAC96}"/>
-              </a:ext>
-            </a:extLst>
-          </p:cNvPr>
-          <p:cNvSpPr>
-            <a:spLocks noGrp="1"/>
-          </p:cNvSpPr>
-          <p:nvPr>
-            <p:ph type="title"/>
-          </p:nvPr>
-        </p:nvSpPr>
-        <p:spPr>
-          <a:xfrm>
-            <a:off x="1047280" y="759805"/>
-            <a:ext cx="10306520" cy="1325563"/>
-          </a:xfrm>
-        </p:spPr>
-        <p:txBody>
-          <a:bodyPr>
-            <a:normAutofit/>
-          </a:bodyPr>
-          <a:lstStyle/>
-          <a:p>
-            <a:r>
-              <a:rPr lang="en-US" sz="4000" dirty="0">
-                <a:solidFill>
-                  <a:schemeClr val="bg1"/>
-                </a:solidFill>
-              </a:rPr>
-              <a:t>Limitations</a:t>
-            </a:r>
-            <a:br>
-              <a:rPr lang="en-US" sz="4000" dirty="0">
-                <a:solidFill>
-                  <a:srgbClr val="FFFFFF"/>
-                </a:solidFill>
-              </a:rPr>
-            </a:br>
-            <a:endParaRPr lang="en-US" sz="4000" dirty="0">
-              <a:solidFill>
-                <a:srgbClr val="FFFFFF"/>
-              </a:solidFill>
-            </a:endParaRPr>
-          </a:p>
-        </p:txBody>
-      </p:sp>
-      <p:sp>
-        <p:nvSpPr>
-          <p:cNvPr id="3" name="Content Placeholder 2">
-            <a:extLst>
-              <a:ext uri="{FF2B5EF4-FFF2-40B4-BE49-F238E27FC236}">
-                <a16:creationId xmlns:a16="http://schemas.microsoft.com/office/drawing/2014/main" id="{CCFC8519-36E1-4A40-8F4E-B3526A2AB62A}"/>
-              </a:ext>
-            </a:extLst>
-          </p:cNvPr>
-          <p:cNvSpPr>
-            <a:spLocks noGrp="1"/>
-          </p:cNvSpPr>
-          <p:nvPr>
-            <p:ph idx="1"/>
-          </p:nvPr>
-        </p:nvSpPr>
-        <p:spPr>
-          <a:xfrm>
-            <a:off x="1424904" y="2494450"/>
-            <a:ext cx="7135999" cy="3563159"/>
-          </a:xfrm>
-        </p:spPr>
-        <p:txBody>
-          <a:bodyPr>
-            <a:normAutofit/>
-          </a:bodyPr>
-          <a:lstStyle/>
-          <a:p>
-            <a:pPr marL="0" indent="0">
-              <a:buNone/>
-            </a:pPr>
-            <a:r>
-              <a:rPr lang="en-US" sz="2400" dirty="0"/>
-              <a:t>The dataset was very limited, it only contains the basic information about Superbowl’s. We consider we could make a deeper analysis with more statistics.</a:t>
-            </a:r>
-          </a:p>
-          <a:p>
-            <a:pPr marL="0" indent="0">
-              <a:buNone/>
-            </a:pPr>
-            <a:endParaRPr lang="en-US" sz="2400" dirty="0"/>
-          </a:p>
-          <a:p>
-            <a:pPr marL="0" indent="0">
-              <a:buNone/>
-            </a:pPr>
-            <a:r>
-              <a:rPr lang="en-US" sz="2400" dirty="0"/>
-              <a:t>53 rows, one for each Superbowl</a:t>
-            </a:r>
-          </a:p>
-          <a:p>
-            <a:pPr marL="0" indent="0">
-              <a:buNone/>
-            </a:pPr>
-            <a:r>
-              <a:rPr lang="en-US" sz="2400" dirty="0"/>
-              <a:t>10 columns of data/statistics </a:t>
-            </a:r>
-          </a:p>
-          <a:p>
-            <a:pPr marL="0" indent="0">
-              <a:buNone/>
-            </a:pPr>
-            <a:endParaRPr lang="en-US" sz="2400" dirty="0"/>
-          </a:p>
-        </p:txBody>
-      </p:sp>
-    </p:spTree>
-    <p:extLst>
-      <p:ext uri="{BB962C8B-B14F-4D97-AF65-F5344CB8AC3E}">
-        <p14:creationId xmlns:p14="http://schemas.microsoft.com/office/powerpoint/2010/main" val="2318284010"/>
-      </p:ext>
-    </p:extLst>
-  </p:cSld>
-  <p:clrMapOvr>
-    <a:masterClrMapping/>
-  </p:clrMapOvr>
-</p:sld>
-</file>
-
-<file path=ppt/slides/slide9.xml><?xml version="1.0" encoding="utf-8"?>
-<p:sld xmlns:a="http://schemas.openxmlformats.org/drawingml/2006/main" xmlns:r="http://schemas.openxmlformats.org/officeDocument/2006/relationships" xmlns:p="http://schemas.openxmlformats.org/presentationml/2006/main">
-  <p:cSld>
-    <p:bg>
-      <p:bgPr>
-        <a:solidFill>
-          <a:schemeClr val="bg1"/>
-        </a:solidFill>
-        <a:effectLst/>
-      </p:bgPr>
-    </p:bg>
-    <p:spTree>
-      <p:nvGrpSpPr>
-        <p:cNvPr id="1" name=""/>
-        <p:cNvGrpSpPr/>
-        <p:nvPr/>
-      </p:nvGrpSpPr>
-      <p:grpSpPr>
-        <a:xfrm>
-          <a:off x="0" y="0"/>
-          <a:ext cx="0" cy="0"/>
-          <a:chOff x="0" y="0"/>
-          <a:chExt cx="0" cy="0"/>
-        </a:xfrm>
-      </p:grpSpPr>
-      <p:sp useBgFill="1">
-        <p:nvSpPr>
-          <p:cNvPr id="10" name="Rectangle 9">
-            <a:extLst>
-              <a:ext uri="{FF2B5EF4-FFF2-40B4-BE49-F238E27FC236}">
-                <a16:creationId xmlns:a16="http://schemas.microsoft.com/office/drawing/2014/main" id="{F4C0B10B-D2C4-4A54-AFAD-3D27DF88BB37}"/>
-              </a:ext>
-              <a:ext uri="{C183D7F6-B498-43B3-948B-1728B52AA6E4}">
-                <adec:decorative xmlns:adec="http://schemas.microsoft.com/office/drawing/2017/decorative" val="1"/>
-              </a:ext>
-            </a:extLst>
-          </p:cNvPr>
-          <p:cNvSpPr>
-            <a:spLocks noGrp="1" noRot="1" noChangeAspect="1" noMove="1" noResize="1" noEditPoints="1" noAdjustHandles="1" noChangeArrowheads="1" noChangeShapeType="1" noTextEdit="1"/>
-          </p:cNvSpPr>
-          <p:nvPr>
-            <p:extLst>
-              <p:ext uri="{386F3935-93C4-4BCD-93E2-E3B085C9AB24}">
-                <p16:designElem xmlns:p16="http://schemas.microsoft.com/office/powerpoint/2015/main" val="1"/>
-              </p:ext>
-            </p:extLst>
-          </p:nvPr>
-        </p:nvSpPr>
-        <p:spPr>
-          <a:xfrm>
-            <a:off x="0" y="0"/>
-            <a:ext cx="12188952" cy="6858000"/>
-          </a:xfrm>
-          <a:prstGeom prst="rect">
-            <a:avLst/>
-          </a:prstGeom>
-          <a:ln>
-            <a:noFill/>
-          </a:ln>
-        </p:spPr>
-        <p:style>
-          <a:lnRef idx="2">
-            <a:schemeClr val="accent1">
-              <a:shade val="50000"/>
-            </a:schemeClr>
-          </a:lnRef>
-          <a:fillRef idx="1">
-            <a:schemeClr val="accent1"/>
-          </a:fillRef>
-          <a:effectRef idx="0">
-            <a:schemeClr val="accent1"/>
-          </a:effectRef>
-          <a:fontRef idx="minor">
-            <a:schemeClr val="lt1"/>
-          </a:fontRef>
-        </p:style>
-        <p:txBody>
-          <a:bodyPr rtlCol="0" anchor="ctr"/>
-          <a:lstStyle/>
-          <a:p>
-            <a:pPr algn="ctr"/>
-            <a:endParaRPr lang="en-US"/>
-          </a:p>
-        </p:txBody>
-      </p:sp>
-      <p:grpSp>
-        <p:nvGrpSpPr>
-          <p:cNvPr id="12" name="Group 11">
-            <a:extLst>
-              <a:ext uri="{FF2B5EF4-FFF2-40B4-BE49-F238E27FC236}">
-                <a16:creationId xmlns:a16="http://schemas.microsoft.com/office/drawing/2014/main" id="{B6BADB90-C74B-40D6-86DC-503F65FCE8DC}"/>
-              </a:ext>
-              <a:ext uri="{C183D7F6-B498-43B3-948B-1728B52AA6E4}">
-                <adec:decorative xmlns:adec="http://schemas.microsoft.com/office/drawing/2017/decorative" val="1"/>
-              </a:ext>
-            </a:extLst>
-          </p:cNvPr>
-          <p:cNvGrpSpPr>
-            <a:grpSpLocks noGrp="1" noUngrp="1" noRot="1" noChangeAspect="1" noMove="1" noResize="1"/>
-          </p:cNvGrpSpPr>
-          <p:nvPr>
-            <p:extLst>
-              <p:ext uri="{386F3935-93C4-4BCD-93E2-E3B085C9AB24}">
-                <p16:designElem xmlns:p16="http://schemas.microsoft.com/office/powerpoint/2015/main" val="1"/>
-              </p:ext>
-            </p:extLst>
-          </p:nvPr>
-        </p:nvGrpSpPr>
-        <p:grpSpPr>
-          <a:xfrm>
-            <a:off x="409710" y="635715"/>
-            <a:ext cx="11142208" cy="2482136"/>
-            <a:chOff x="409710" y="635715"/>
-            <a:chExt cx="11142208" cy="2482136"/>
-          </a:xfrm>
-        </p:grpSpPr>
-        <p:sp>
-          <p:nvSpPr>
-            <p:cNvPr id="13" name="Freeform 44">
-              <a:extLst>
-                <a:ext uri="{FF2B5EF4-FFF2-40B4-BE49-F238E27FC236}">
-                  <a16:creationId xmlns:a16="http://schemas.microsoft.com/office/drawing/2014/main" id="{6559431D-1886-4AE0-9B87-9AD2ECAB8439}"/>
-                </a:ext>
-                <a:ext uri="{C183D7F6-B498-43B3-948B-1728B52AA6E4}">
-                  <adec:decorative xmlns:adec="http://schemas.microsoft.com/office/drawing/2017/decorative" val="1"/>
-                </a:ext>
-              </a:extLst>
-            </p:cNvPr>
-            <p:cNvSpPr>
-              <a:spLocks/>
-            </p:cNvSpPr>
-            <p:nvPr>
-              <p:extLst>
-                <p:ext uri="{386F3935-93C4-4BCD-93E2-E3B085C9AB24}">
-                  <p16:designElem xmlns:p16="http://schemas.microsoft.com/office/powerpoint/2015/main" val="1"/>
-                </p:ext>
-              </p:extLst>
-            </p:nvPr>
-          </p:nvSpPr>
-          <p:spPr bwMode="auto">
-            <a:xfrm>
-              <a:off x="11223203" y="635716"/>
-              <a:ext cx="328612" cy="1742360"/>
-            </a:xfrm>
-            <a:custGeom>
-              <a:avLst/>
-              <a:gdLst>
-                <a:gd name="T0" fmla="*/ 207 w 207"/>
-                <a:gd name="T1" fmla="*/ 987 h 1114"/>
-                <a:gd name="T2" fmla="*/ 0 w 207"/>
-                <a:gd name="T3" fmla="*/ 1114 h 1114"/>
-                <a:gd name="T4" fmla="*/ 0 w 207"/>
-                <a:gd name="T5" fmla="*/ 127 h 1114"/>
-                <a:gd name="T6" fmla="*/ 207 w 207"/>
-                <a:gd name="T7" fmla="*/ 0 h 1114"/>
-                <a:gd name="T8" fmla="*/ 207 w 207"/>
-                <a:gd name="T9" fmla="*/ 987 h 1114"/>
-              </a:gdLst>
-              <a:ahLst/>
-              <a:cxnLst>
-                <a:cxn ang="0">
-                  <a:pos x="T0" y="T1"/>
-                </a:cxn>
-                <a:cxn ang="0">
-                  <a:pos x="T2" y="T3"/>
-                </a:cxn>
-                <a:cxn ang="0">
-                  <a:pos x="T4" y="T5"/>
-                </a:cxn>
-                <a:cxn ang="0">
-                  <a:pos x="T6" y="T7"/>
-                </a:cxn>
-                <a:cxn ang="0">
-                  <a:pos x="T8" y="T9"/>
-                </a:cxn>
-              </a:cxnLst>
-              <a:rect l="0" t="0" r="r" b="b"/>
-              <a:pathLst>
-                <a:path w="207" h="1114">
-                  <a:moveTo>
-                    <a:pt x="207" y="987"/>
-                  </a:moveTo>
-                  <a:lnTo>
-                    <a:pt x="0" y="1114"/>
-                  </a:lnTo>
-                  <a:lnTo>
-                    <a:pt x="0" y="127"/>
-                  </a:lnTo>
-                  <a:lnTo>
-                    <a:pt x="207" y="0"/>
-                  </a:lnTo>
-                  <a:lnTo>
-                    <a:pt x="207" y="987"/>
-                  </a:lnTo>
-                  <a:close/>
-                </a:path>
-              </a:pathLst>
-            </a:custGeom>
-            <a:solidFill>
-              <a:schemeClr val="accent1">
-                <a:lumMod val="50000"/>
-              </a:schemeClr>
-            </a:solidFill>
-            <a:ln>
-              <a:noFill/>
-            </a:ln>
-          </p:spPr>
-          <p:txBody>
-            <a:bodyPr vert="horz" wrap="square" lIns="91440" tIns="45720" rIns="91440" bIns="45720" numCol="1" anchor="t" anchorCtr="0" compatLnSpc="1">
-              <a:prstTxWarp prst="textNoShape">
-                <a:avLst/>
-              </a:prstTxWarp>
-            </a:bodyPr>
-            <a:lstStyle/>
-            <a:p>
-              <a:endParaRPr lang="en-US"/>
-            </a:p>
-          </p:txBody>
-        </p:sp>
-        <p:sp>
-          <p:nvSpPr>
-            <p:cNvPr id="14" name="Freeform 45">
-              <a:extLst>
-                <a:ext uri="{FF2B5EF4-FFF2-40B4-BE49-F238E27FC236}">
-                  <a16:creationId xmlns:a16="http://schemas.microsoft.com/office/drawing/2014/main" id="{373850A5-B04A-4FCD-9E73-EE322167FB31}"/>
-                </a:ext>
-                <a:ext uri="{C183D7F6-B498-43B3-948B-1728B52AA6E4}">
-                  <adec:decorative xmlns:adec="http://schemas.microsoft.com/office/drawing/2017/decorative" val="1"/>
-                </a:ext>
-              </a:extLst>
-            </p:cNvPr>
-            <p:cNvSpPr>
-              <a:spLocks/>
-            </p:cNvSpPr>
-            <p:nvPr>
-              <p:extLst>
-                <p:ext uri="{386F3935-93C4-4BCD-93E2-E3B085C9AB24}">
-                  <p16:designElem xmlns:p16="http://schemas.microsoft.com/office/powerpoint/2015/main" val="1"/>
-                </p:ext>
-              </p:extLst>
-            </p:nvPr>
-          </p:nvSpPr>
-          <p:spPr bwMode="auto">
-            <a:xfrm>
-              <a:off x="409710" y="1022350"/>
-              <a:ext cx="709612" cy="2095501"/>
-            </a:xfrm>
-            <a:custGeom>
-              <a:avLst/>
-              <a:gdLst>
-                <a:gd name="T0" fmla="*/ 447 w 447"/>
-                <a:gd name="T1" fmla="*/ 1363 h 1363"/>
-                <a:gd name="T2" fmla="*/ 0 w 447"/>
-                <a:gd name="T3" fmla="*/ 987 h 1363"/>
-                <a:gd name="T4" fmla="*/ 0 w 447"/>
-                <a:gd name="T5" fmla="*/ 0 h 1363"/>
-                <a:gd name="T6" fmla="*/ 447 w 447"/>
-                <a:gd name="T7" fmla="*/ 376 h 1363"/>
-                <a:gd name="T8" fmla="*/ 447 w 447"/>
-                <a:gd name="T9" fmla="*/ 1363 h 1363"/>
-              </a:gdLst>
-              <a:ahLst/>
-              <a:cxnLst>
-                <a:cxn ang="0">
-                  <a:pos x="T0" y="T1"/>
-                </a:cxn>
-                <a:cxn ang="0">
-                  <a:pos x="T2" y="T3"/>
-                </a:cxn>
-                <a:cxn ang="0">
-                  <a:pos x="T4" y="T5"/>
-                </a:cxn>
-                <a:cxn ang="0">
-                  <a:pos x="T6" y="T7"/>
-                </a:cxn>
-                <a:cxn ang="0">
-                  <a:pos x="T8" y="T9"/>
-                </a:cxn>
-              </a:cxnLst>
-              <a:rect l="0" t="0" r="r" b="b"/>
-              <a:pathLst>
-                <a:path w="447" h="1363">
-                  <a:moveTo>
-                    <a:pt x="447" y="1363"/>
-                  </a:moveTo>
-                  <a:lnTo>
-                    <a:pt x="0" y="987"/>
-                  </a:lnTo>
-                  <a:lnTo>
-                    <a:pt x="0" y="0"/>
-                  </a:lnTo>
-                  <a:lnTo>
-                    <a:pt x="447" y="376"/>
-                  </a:lnTo>
-                  <a:lnTo>
-                    <a:pt x="447" y="1363"/>
-                  </a:lnTo>
-                  <a:close/>
-                </a:path>
-              </a:pathLst>
-            </a:custGeom>
-            <a:solidFill>
-              <a:schemeClr val="accent1">
-                <a:lumMod val="50000"/>
-              </a:schemeClr>
-            </a:solidFill>
-            <a:ln>
-              <a:noFill/>
-            </a:ln>
-          </p:spPr>
-          <p:txBody>
-            <a:bodyPr vert="horz" wrap="square" lIns="91440" tIns="45720" rIns="91440" bIns="45720" numCol="1" anchor="t" anchorCtr="0" compatLnSpc="1">
-              <a:prstTxWarp prst="textNoShape">
-                <a:avLst/>
-              </a:prstTxWarp>
-            </a:bodyPr>
-            <a:lstStyle/>
-            <a:p>
-              <a:endParaRPr lang="en-US"/>
-            </a:p>
-          </p:txBody>
-        </p:sp>
-        <p:sp>
-          <p:nvSpPr>
-            <p:cNvPr id="15" name="Freeform 46">
-              <a:extLst>
-                <a:ext uri="{FF2B5EF4-FFF2-40B4-BE49-F238E27FC236}">
-                  <a16:creationId xmlns:a16="http://schemas.microsoft.com/office/drawing/2014/main" id="{82C18C67-80FA-4738-AA53-0AF2419F98E0}"/>
-                </a:ext>
-                <a:ext uri="{C183D7F6-B498-43B3-948B-1728B52AA6E4}">
-                  <adec:decorative xmlns:adec="http://schemas.microsoft.com/office/drawing/2017/decorative" val="1"/>
-                </a:ext>
-              </a:extLst>
-            </p:cNvPr>
-            <p:cNvSpPr>
-              <a:spLocks/>
-            </p:cNvSpPr>
-            <p:nvPr>
-              <p:extLst>
-                <p:ext uri="{386F3935-93C4-4BCD-93E2-E3B085C9AB24}">
-                  <p16:designElem xmlns:p16="http://schemas.microsoft.com/office/powerpoint/2015/main" val="1"/>
-                </p:ext>
-              </p:extLst>
-            </p:nvPr>
-          </p:nvSpPr>
-          <p:spPr bwMode="auto">
-            <a:xfrm>
-              <a:off x="409710" y="837744"/>
-              <a:ext cx="403225" cy="1705431"/>
-            </a:xfrm>
-            <a:custGeom>
-              <a:avLst/>
-              <a:gdLst>
-                <a:gd name="T0" fmla="*/ 254 w 254"/>
-                <a:gd name="T1" fmla="*/ 987 h 1109"/>
-                <a:gd name="T2" fmla="*/ 0 w 254"/>
-                <a:gd name="T3" fmla="*/ 1109 h 1109"/>
-                <a:gd name="T4" fmla="*/ 0 w 254"/>
-                <a:gd name="T5" fmla="*/ 119 h 1109"/>
-                <a:gd name="T6" fmla="*/ 254 w 254"/>
-                <a:gd name="T7" fmla="*/ 0 h 1109"/>
-                <a:gd name="T8" fmla="*/ 254 w 254"/>
-                <a:gd name="T9" fmla="*/ 987 h 1109"/>
-              </a:gdLst>
-              <a:ahLst/>
-              <a:cxnLst>
-                <a:cxn ang="0">
-                  <a:pos x="T0" y="T1"/>
-                </a:cxn>
-                <a:cxn ang="0">
-                  <a:pos x="T2" y="T3"/>
-                </a:cxn>
-                <a:cxn ang="0">
-                  <a:pos x="T4" y="T5"/>
-                </a:cxn>
-                <a:cxn ang="0">
-                  <a:pos x="T6" y="T7"/>
-                </a:cxn>
-                <a:cxn ang="0">
-                  <a:pos x="T8" y="T9"/>
-                </a:cxn>
-              </a:cxnLst>
-              <a:rect l="0" t="0" r="r" b="b"/>
-              <a:pathLst>
-                <a:path w="254" h="1109">
-                  <a:moveTo>
-                    <a:pt x="254" y="987"/>
-                  </a:moveTo>
-                  <a:lnTo>
-                    <a:pt x="0" y="1109"/>
-                  </a:lnTo>
-                  <a:lnTo>
-                    <a:pt x="0" y="119"/>
-                  </a:lnTo>
-                  <a:lnTo>
-                    <a:pt x="254" y="0"/>
-                  </a:lnTo>
-                  <a:lnTo>
-                    <a:pt x="254" y="987"/>
-                  </a:lnTo>
-                  <a:close/>
-                </a:path>
-              </a:pathLst>
-            </a:custGeom>
-            <a:solidFill>
-              <a:schemeClr val="accent1">
-                <a:lumMod val="75000"/>
-              </a:schemeClr>
-            </a:solidFill>
-            <a:ln>
-              <a:noFill/>
-            </a:ln>
-          </p:spPr>
-          <p:txBody>
-            <a:bodyPr vert="horz" wrap="square" lIns="91440" tIns="45720" rIns="91440" bIns="45720" numCol="1" anchor="t" anchorCtr="0" compatLnSpc="1">
-              <a:prstTxWarp prst="textNoShape">
-                <a:avLst/>
-              </a:prstTxWarp>
-            </a:bodyPr>
-            <a:lstStyle/>
-            <a:p>
-              <a:endParaRPr lang="en-US"/>
-            </a:p>
-          </p:txBody>
-        </p:sp>
-        <p:sp>
-          <p:nvSpPr>
-            <p:cNvPr id="16" name="Freeform 47">
-              <a:extLst>
-                <a:ext uri="{FF2B5EF4-FFF2-40B4-BE49-F238E27FC236}">
-                  <a16:creationId xmlns:a16="http://schemas.microsoft.com/office/drawing/2014/main" id="{48543B1A-8BF5-4C63-8404-41B2EA70B33E}"/>
-                </a:ext>
-                <a:ext uri="{C183D7F6-B498-43B3-948B-1728B52AA6E4}">
-                  <adec:decorative xmlns:adec="http://schemas.microsoft.com/office/drawing/2017/decorative" val="1"/>
-                </a:ext>
-              </a:extLst>
-            </p:cNvPr>
-            <p:cNvSpPr>
-              <a:spLocks/>
-            </p:cNvSpPr>
-            <p:nvPr>
-              <p:extLst>
-                <p:ext uri="{386F3935-93C4-4BCD-93E2-E3B085C9AB24}">
-                  <p16:designElem xmlns:p16="http://schemas.microsoft.com/office/powerpoint/2015/main" val="1"/>
-                </p:ext>
-              </p:extLst>
-            </p:nvPr>
-          </p:nvSpPr>
-          <p:spPr bwMode="auto">
-            <a:xfrm>
-              <a:off x="644660" y="640894"/>
-              <a:ext cx="168275" cy="1713195"/>
-            </a:xfrm>
-            <a:custGeom>
-              <a:avLst/>
-              <a:gdLst>
-                <a:gd name="T0" fmla="*/ 106 w 106"/>
-                <a:gd name="T1" fmla="*/ 1114 h 1114"/>
-                <a:gd name="T2" fmla="*/ 0 w 106"/>
-                <a:gd name="T3" fmla="*/ 1005 h 1114"/>
-                <a:gd name="T4" fmla="*/ 0 w 106"/>
-                <a:gd name="T5" fmla="*/ 0 h 1114"/>
-                <a:gd name="T6" fmla="*/ 106 w 106"/>
-                <a:gd name="T7" fmla="*/ 110 h 1114"/>
-                <a:gd name="T8" fmla="*/ 106 w 106"/>
-                <a:gd name="T9" fmla="*/ 1114 h 1114"/>
-              </a:gdLst>
-              <a:ahLst/>
-              <a:cxnLst>
-                <a:cxn ang="0">
-                  <a:pos x="T0" y="T1"/>
-                </a:cxn>
-                <a:cxn ang="0">
-                  <a:pos x="T2" y="T3"/>
-                </a:cxn>
-                <a:cxn ang="0">
-                  <a:pos x="T4" y="T5"/>
-                </a:cxn>
-                <a:cxn ang="0">
-                  <a:pos x="T6" y="T7"/>
-                </a:cxn>
-                <a:cxn ang="0">
-                  <a:pos x="T8" y="T9"/>
-                </a:cxn>
-              </a:cxnLst>
-              <a:rect l="0" t="0" r="r" b="b"/>
-              <a:pathLst>
-                <a:path w="106" h="1114">
-                  <a:moveTo>
-                    <a:pt x="106" y="1114"/>
-                  </a:moveTo>
-                  <a:lnTo>
-                    <a:pt x="0" y="1005"/>
-                  </a:lnTo>
-                  <a:lnTo>
-                    <a:pt x="0" y="0"/>
-                  </a:lnTo>
-                  <a:lnTo>
-                    <a:pt x="106" y="110"/>
-                  </a:lnTo>
-                  <a:lnTo>
-                    <a:pt x="106" y="1114"/>
-                  </a:lnTo>
-                  <a:close/>
-                </a:path>
-              </a:pathLst>
-            </a:custGeom>
-            <a:solidFill>
-              <a:schemeClr val="accent1">
-                <a:lumMod val="50000"/>
-              </a:schemeClr>
-            </a:solidFill>
-            <a:ln>
-              <a:noFill/>
-            </a:ln>
-          </p:spPr>
-          <p:txBody>
-            <a:bodyPr vert="horz" wrap="square" lIns="91440" tIns="45720" rIns="91440" bIns="45720" numCol="1" anchor="t" anchorCtr="0" compatLnSpc="1">
-              <a:prstTxWarp prst="textNoShape">
-                <a:avLst/>
-              </a:prstTxWarp>
-            </a:bodyPr>
-            <a:lstStyle/>
-            <a:p>
-              <a:endParaRPr lang="en-US"/>
-            </a:p>
-          </p:txBody>
-        </p:sp>
-        <p:sp>
-          <p:nvSpPr>
-            <p:cNvPr id="17" name="Rectangle 16">
-              <a:extLst>
-                <a:ext uri="{FF2B5EF4-FFF2-40B4-BE49-F238E27FC236}">
-                  <a16:creationId xmlns:a16="http://schemas.microsoft.com/office/drawing/2014/main" id="{92DF5096-E051-498C-A3ED-CBA77A813AAC}"/>
-                </a:ext>
-                <a:ext uri="{C183D7F6-B498-43B3-948B-1728B52AA6E4}">
-                  <adec:decorative xmlns:adec="http://schemas.microsoft.com/office/drawing/2017/decorative" val="1"/>
-                </a:ext>
-              </a:extLst>
-            </p:cNvPr>
-            <p:cNvSpPr>
-              <a:spLocks noChangeArrowheads="1"/>
-            </p:cNvSpPr>
-            <p:nvPr>
-              <p:extLst>
-                <p:ext uri="{386F3935-93C4-4BCD-93E2-E3B085C9AB24}">
-                  <p16:designElem xmlns:p16="http://schemas.microsoft.com/office/powerpoint/2015/main" val="1"/>
-                </p:ext>
-              </p:extLst>
-            </p:nvPr>
-          </p:nvSpPr>
-          <p:spPr bwMode="auto">
-            <a:xfrm>
-              <a:off x="644055" y="635715"/>
-              <a:ext cx="10907863" cy="1541457"/>
-            </a:xfrm>
-            <a:prstGeom prst="rect">
-              <a:avLst/>
-            </a:prstGeom>
-            <a:solidFill>
-              <a:schemeClr val="accent1"/>
-            </a:solidFill>
-            <a:ln>
-              <a:noFill/>
-            </a:ln>
-          </p:spPr>
-          <p:txBody>
-            <a:bodyPr vert="horz" wrap="square" lIns="91440" tIns="45720" rIns="91440" bIns="45720" numCol="1" anchor="t" anchorCtr="0" compatLnSpc="1">
-              <a:prstTxWarp prst="textNoShape">
-                <a:avLst/>
-              </a:prstTxWarp>
-            </a:bodyPr>
-            <a:lstStyle/>
-            <a:p>
-              <a:endParaRPr lang="en-US"/>
-            </a:p>
-          </p:txBody>
-        </p:sp>
-      </p:grpSp>
-      <p:sp>
-        <p:nvSpPr>
-          <p:cNvPr id="2" name="Title 1">
-            <a:extLst>
-              <a:ext uri="{FF2B5EF4-FFF2-40B4-BE49-F238E27FC236}">
-                <a16:creationId xmlns:a16="http://schemas.microsoft.com/office/drawing/2014/main" id="{9C59ED47-CBF7-4C25-96C3-0220E50BAC96}"/>
-              </a:ext>
-            </a:extLst>
-          </p:cNvPr>
-          <p:cNvSpPr>
-            <a:spLocks noGrp="1"/>
-          </p:cNvSpPr>
-          <p:nvPr>
-            <p:ph type="title"/>
-          </p:nvPr>
-        </p:nvSpPr>
-        <p:spPr>
-          <a:xfrm>
-            <a:off x="1047280" y="759805"/>
-            <a:ext cx="10306520" cy="1325563"/>
-          </a:xfrm>
-        </p:spPr>
-        <p:txBody>
-          <a:bodyPr>
-            <a:normAutofit fontScale="90000"/>
-          </a:bodyPr>
-          <a:lstStyle/>
-          <a:p>
-            <a:br>
-              <a:rPr lang="en-US" sz="4000" dirty="0">
-                <a:solidFill>
-                  <a:schemeClr val="bg1"/>
-                </a:solidFill>
-              </a:rPr>
-            </a:br>
-            <a:r>
-              <a:rPr lang="en-US" sz="4000" dirty="0">
-                <a:solidFill>
-                  <a:schemeClr val="bg1"/>
-                </a:solidFill>
-              </a:rPr>
-              <a:t>Possible tables and/or graphs</a:t>
-            </a:r>
-            <a:br>
-              <a:rPr lang="en-US" sz="4000" dirty="0">
-                <a:solidFill>
-                  <a:schemeClr val="bg1"/>
-                </a:solidFill>
-              </a:rPr>
-            </a:br>
-            <a:br>
-              <a:rPr lang="en-US" sz="4000" dirty="0">
-                <a:solidFill>
-                  <a:schemeClr val="bg1"/>
-                </a:solidFill>
-              </a:rPr>
-            </a:br>
-            <a:endParaRPr lang="en-US" sz="4000" dirty="0">
-              <a:solidFill>
-                <a:schemeClr val="bg1"/>
-              </a:solidFill>
-            </a:endParaRPr>
-          </a:p>
-        </p:txBody>
-      </p:sp>
-      <p:sp>
-        <p:nvSpPr>
-          <p:cNvPr id="3" name="Content Placeholder 2">
-            <a:extLst>
-              <a:ext uri="{FF2B5EF4-FFF2-40B4-BE49-F238E27FC236}">
-                <a16:creationId xmlns:a16="http://schemas.microsoft.com/office/drawing/2014/main" id="{CCFC8519-36E1-4A40-8F4E-B3526A2AB62A}"/>
-              </a:ext>
-            </a:extLst>
-          </p:cNvPr>
-          <p:cNvSpPr>
-            <a:spLocks noGrp="1"/>
-          </p:cNvSpPr>
-          <p:nvPr>
-            <p:ph idx="1"/>
-          </p:nvPr>
-        </p:nvSpPr>
-        <p:spPr>
-          <a:xfrm>
-            <a:off x="1424904" y="2494450"/>
-            <a:ext cx="7135999" cy="3563159"/>
-          </a:xfrm>
-        </p:spPr>
-        <p:txBody>
-          <a:bodyPr>
-            <a:normAutofit/>
-          </a:bodyPr>
-          <a:lstStyle/>
-          <a:p>
-            <a:r>
-              <a:rPr lang="en-US" sz="2400" dirty="0"/>
-              <a:t>We could have made beans for different time periods and compare how Superbowl's have change threw the years. </a:t>
-            </a:r>
-          </a:p>
-          <a:p>
-            <a:pPr marL="0" indent="0">
-              <a:buNone/>
-            </a:pPr>
-            <a:endParaRPr lang="en-US" sz="2400" dirty="0"/>
-          </a:p>
-        </p:txBody>
-      </p:sp>
-    </p:spTree>
-    <p:extLst>
-      <p:ext uri="{BB962C8B-B14F-4D97-AF65-F5344CB8AC3E}">
-        <p14:creationId xmlns:p14="http://schemas.microsoft.com/office/powerpoint/2010/main" val="3966073605"/>
       </p:ext>
     </p:extLst>
   </p:cSld>
